--- a/bionlp.pptx
+++ b/bionlp.pptx
@@ -190,7 +190,7 @@
 <file path=ppt/revisionInfo.xml><?xml version="1.0" encoding="utf-8"?>
 <p1510:revInfo xmlns:a="http://schemas.openxmlformats.org/drawingml/2006/main" xmlns:r="http://schemas.openxmlformats.org/officeDocument/2006/relationships" xmlns:p1510="http://schemas.microsoft.com/office/powerpoint/2015/10/main">
   <p1510:revLst>
-    <p1510:client id="{A8C6A93C-2BC5-8AE5-98AA-32886BBFF976}" v="370" dt="2022-05-19T18:37:10.583"/>
+    <p1510:client id="{A8C6A93C-2BC5-8AE5-98AA-32886BBFF976}" v="363" dt="2022-05-19T14:05:59.851"/>
     <p1510:client id="{B5592EEE-04DC-223A-E2AA-649791DFE7C2}" v="423" dt="2022-05-18T20:49:14.760"/>
   </p1510:revLst>
 </p1510:revInfo>
@@ -10255,158 +10255,6 @@
               <a:t>25</a:t>
             </a:fld>
             <a:endParaRPr lang="zh-TW" altLang="en-US"/>
-          </a:p>
-        </p:txBody>
-      </p:sp>
-      <p:sp>
-        <p:nvSpPr>
-          <p:cNvPr id="3" name="Titlu 1">
-            <a:extLst>
-              <a:ext uri="{FF2B5EF4-FFF2-40B4-BE49-F238E27FC236}">
-                <a16:creationId xmlns:a16="http://schemas.microsoft.com/office/drawing/2014/main" id="{6CECC554-6935-F3A8-8CD6-29EFF34AC038}"/>
-              </a:ext>
-            </a:extLst>
-          </p:cNvPr>
-          <p:cNvSpPr txBox="1">
-            <a:spLocks/>
-          </p:cNvSpPr>
-          <p:nvPr/>
-        </p:nvSpPr>
-        <p:spPr>
-          <a:xfrm>
-            <a:off x="1046100" y="1821985"/>
-            <a:ext cx="6462600" cy="989821"/>
-          </a:xfrm>
-          <a:prstGeom prst="rect">
-            <a:avLst/>
-          </a:prstGeom>
-        </p:spPr>
-        <p:txBody>
-          <a:bodyPr spcFirstLastPara="1" vert="horz" wrap="square" lIns="91425" tIns="91425" rIns="91425" bIns="91425" rtlCol="0" anchor="b" anchorCtr="0">
-            <a:noAutofit/>
-          </a:bodyPr>
-          <a:lstStyle>
-            <a:lvl1pPr lvl="0" algn="l" defTabSz="685800" rtl="0" eaLnBrk="1" latinLnBrk="0" hangingPunct="1">
-              <a:lnSpc>
-                <a:spcPct val="90000"/>
-              </a:lnSpc>
-              <a:spcBef>
-                <a:spcPts val="0"/>
-              </a:spcBef>
-              <a:spcAft>
-                <a:spcPts val="0"/>
-              </a:spcAft>
-              <a:buSzPts val="3600"/>
-              <a:buNone/>
-              <a:defRPr sz="2400" b="0" i="0" kern="1200" cap="all">
-                <a:solidFill>
-                  <a:schemeClr val="tx1"/>
-                </a:solidFill>
-                <a:effectLst/>
-                <a:latin typeface="+mj-lt"/>
-                <a:ea typeface="+mj-ea"/>
-                <a:cs typeface="+mj-cs"/>
-              </a:defRPr>
-            </a:lvl1pPr>
-            <a:lvl2pPr lvl="1">
-              <a:spcBef>
-                <a:spcPts val="0"/>
-              </a:spcBef>
-              <a:spcAft>
-                <a:spcPts val="0"/>
-              </a:spcAft>
-              <a:buSzPts val="3600"/>
-              <a:buNone/>
-              <a:defRPr/>
-            </a:lvl2pPr>
-            <a:lvl3pPr lvl="2">
-              <a:spcBef>
-                <a:spcPts val="0"/>
-              </a:spcBef>
-              <a:spcAft>
-                <a:spcPts val="0"/>
-              </a:spcAft>
-              <a:buSzPts val="3600"/>
-              <a:buNone/>
-              <a:defRPr/>
-            </a:lvl3pPr>
-            <a:lvl4pPr lvl="3">
-              <a:spcBef>
-                <a:spcPts val="0"/>
-              </a:spcBef>
-              <a:spcAft>
-                <a:spcPts val="0"/>
-              </a:spcAft>
-              <a:buSzPts val="3600"/>
-              <a:buNone/>
-              <a:defRPr/>
-            </a:lvl4pPr>
-            <a:lvl5pPr lvl="4">
-              <a:spcBef>
-                <a:spcPts val="0"/>
-              </a:spcBef>
-              <a:spcAft>
-                <a:spcPts val="0"/>
-              </a:spcAft>
-              <a:buSzPts val="3600"/>
-              <a:buNone/>
-              <a:defRPr/>
-            </a:lvl5pPr>
-            <a:lvl6pPr lvl="5">
-              <a:spcBef>
-                <a:spcPts val="0"/>
-              </a:spcBef>
-              <a:spcAft>
-                <a:spcPts val="0"/>
-              </a:spcAft>
-              <a:buSzPts val="3600"/>
-              <a:buNone/>
-              <a:defRPr/>
-            </a:lvl6pPr>
-            <a:lvl7pPr lvl="6">
-              <a:spcBef>
-                <a:spcPts val="0"/>
-              </a:spcBef>
-              <a:spcAft>
-                <a:spcPts val="0"/>
-              </a:spcAft>
-              <a:buSzPts val="3600"/>
-              <a:buNone/>
-              <a:defRPr/>
-            </a:lvl7pPr>
-            <a:lvl8pPr lvl="7">
-              <a:spcBef>
-                <a:spcPts val="0"/>
-              </a:spcBef>
-              <a:spcAft>
-                <a:spcPts val="0"/>
-              </a:spcAft>
-              <a:buSzPts val="3600"/>
-              <a:buNone/>
-              <a:defRPr/>
-            </a:lvl8pPr>
-            <a:lvl9pPr lvl="8">
-              <a:spcBef>
-                <a:spcPts val="0"/>
-              </a:spcBef>
-              <a:spcAft>
-                <a:spcPts val="0"/>
-              </a:spcAft>
-              <a:buSzPts val="3600"/>
-              <a:buNone/>
-              <a:defRPr/>
-            </a:lvl9pPr>
-          </a:lstStyle>
-          <a:p>
-            <a:r>
-              <a:rPr lang="ro-RO" dirty="0">
-                <a:ea typeface="+mj-lt"/>
-                <a:cs typeface="+mj-lt"/>
-                <a:hlinkClick r:id="rId2"/>
-              </a:rPr>
-              <a:t>Link Cod Github</a:t>
-            </a:r>
-            <a:endParaRPr lang="ro-RO"/>
           </a:p>
         </p:txBody>
       </p:sp>

--- a/bionlp.pptx
+++ b/bionlp.pptx
@@ -5,7 +5,7 @@
     <p:sldMasterId id="2147483702" r:id="rId1"/>
   </p:sldMasterIdLst>
   <p:notesMasterIdLst>
-    <p:notesMasterId r:id="rId27"/>
+    <p:notesMasterId r:id="rId28"/>
   </p:notesMasterIdLst>
   <p:sldIdLst>
     <p:sldId id="256" r:id="rId2"/>
@@ -18,8 +18,8 @@
     <p:sldId id="259" r:id="rId9"/>
     <p:sldId id="271" r:id="rId10"/>
     <p:sldId id="272" r:id="rId11"/>
-    <p:sldId id="274" r:id="rId12"/>
-    <p:sldId id="275" r:id="rId13"/>
+    <p:sldId id="275" r:id="rId12"/>
+    <p:sldId id="274" r:id="rId13"/>
     <p:sldId id="276" r:id="rId14"/>
     <p:sldId id="277" r:id="rId15"/>
     <p:sldId id="278" r:id="rId16"/>
@@ -28,49 +28,50 @@
     <p:sldId id="281" r:id="rId19"/>
     <p:sldId id="282" r:id="rId20"/>
     <p:sldId id="283" r:id="rId21"/>
-    <p:sldId id="284" r:id="rId22"/>
-    <p:sldId id="285" r:id="rId23"/>
-    <p:sldId id="290" r:id="rId24"/>
-    <p:sldId id="286" r:id="rId25"/>
-    <p:sldId id="287" r:id="rId26"/>
+    <p:sldId id="293" r:id="rId22"/>
+    <p:sldId id="284" r:id="rId23"/>
+    <p:sldId id="285" r:id="rId24"/>
+    <p:sldId id="290" r:id="rId25"/>
+    <p:sldId id="286" r:id="rId26"/>
+    <p:sldId id="287" r:id="rId27"/>
   </p:sldIdLst>
   <p:sldSz cx="9144000" cy="5143500" type="screen16x9"/>
   <p:notesSz cx="6858000" cy="9144000"/>
   <p:embeddedFontLst>
     <p:embeddedFont>
       <p:font typeface="Calibri" panose="020F0502020204030204" pitchFamily="34" charset="0"/>
-      <p:regular r:id="rId28"/>
-      <p:bold r:id="rId29"/>
-      <p:italic r:id="rId30"/>
-      <p:boldItalic r:id="rId31"/>
+      <p:regular r:id="rId29"/>
+      <p:bold r:id="rId30"/>
+      <p:italic r:id="rId31"/>
+      <p:boldItalic r:id="rId32"/>
     </p:embeddedFont>
     <p:embeddedFont>
       <p:font typeface="Consolas" panose="020B0609020204030204" pitchFamily="49" charset="0"/>
-      <p:regular r:id="rId32"/>
-      <p:bold r:id="rId33"/>
-      <p:italic r:id="rId34"/>
-      <p:boldItalic r:id="rId35"/>
+      <p:regular r:id="rId33"/>
+      <p:bold r:id="rId34"/>
+      <p:italic r:id="rId35"/>
+      <p:boldItalic r:id="rId36"/>
     </p:embeddedFont>
     <p:embeddedFont>
-      <p:font typeface="Gill Sans MT" panose="020B0502020104020203" pitchFamily="34" charset="0"/>
-      <p:regular r:id="rId36"/>
-      <p:bold r:id="rId37"/>
-      <p:italic r:id="rId38"/>
-      <p:boldItalic r:id="rId39"/>
+      <p:font typeface="Gill Sans MT" panose="020B0502020104020203" pitchFamily="34" charset="77"/>
+      <p:regular r:id="rId37"/>
+      <p:bold r:id="rId38"/>
+      <p:italic r:id="rId39"/>
+      <p:boldItalic r:id="rId40"/>
     </p:embeddedFont>
     <p:embeddedFont>
       <p:font typeface="Lato" panose="020F0502020204030203" pitchFamily="34" charset="0"/>
-      <p:regular r:id="rId40"/>
-      <p:bold r:id="rId41"/>
-      <p:italic r:id="rId42"/>
-      <p:boldItalic r:id="rId43"/>
+      <p:regular r:id="rId41"/>
+      <p:bold r:id="rId42"/>
+      <p:italic r:id="rId43"/>
+      <p:boldItalic r:id="rId44"/>
     </p:embeddedFont>
     <p:embeddedFont>
       <p:font typeface="Roboto" panose="02000000000000000000" pitchFamily="2" charset="0"/>
-      <p:regular r:id="rId44"/>
-      <p:bold r:id="rId45"/>
-      <p:italic r:id="rId46"/>
-      <p:boldItalic r:id="rId47"/>
+      <p:regular r:id="rId45"/>
+      <p:bold r:id="rId46"/>
+      <p:italic r:id="rId47"/>
+      <p:boldItalic r:id="rId48"/>
     </p:embeddedFont>
   </p:embeddedFontLst>
   <p:defaultTextStyle>
@@ -1345,7 +1346,7 @@
   <p:cSld>
     <p:spTree>
       <p:nvGrpSpPr>
-        <p:cNvPr id="1" name="Shape 336"/>
+        <p:cNvPr id="1" name="Shape 350"/>
         <p:cNvGrpSpPr/>
         <p:nvPr/>
       </p:nvGrpSpPr>
@@ -1359,7 +1360,7 @@
       </p:grpSpPr>
       <p:sp>
         <p:nvSpPr>
-          <p:cNvPr id="337" name="Google Shape;337;g6e630d8087_0_113:notes"/>
+          <p:cNvPr id="351" name="Google Shape;351;g6e96c052a1_2_1:notes"/>
           <p:cNvSpPr>
             <a:spLocks noGrp="1" noRot="1" noChangeAspect="1"/>
           </p:cNvSpPr>
@@ -1400,7 +1401,7 @@
       </p:sp>
       <p:sp>
         <p:nvSpPr>
-          <p:cNvPr id="338" name="Google Shape;338;g6e630d8087_0_113:notes"/>
+          <p:cNvPr id="352" name="Google Shape;352;g6e96c052a1_2_1:notes"/>
           <p:cNvSpPr txBox="1">
             <a:spLocks noGrp="1"/>
           </p:cNvSpPr>
@@ -1432,6 +1433,10 @@
               </a:spcAft>
               <a:buNone/>
             </a:pPr>
+            <a:r>
+              <a:rPr lang="zh-TW"/>
+              <a:t>the page only show that for one word what other words often appear together (most similar)</a:t>
+            </a:r>
             <a:endParaRPr/>
           </a:p>
         </p:txBody>
@@ -1449,7 +1454,7 @@
   <p:cSld>
     <p:spTree>
       <p:nvGrpSpPr>
-        <p:cNvPr id="1" name="Shape 350"/>
+        <p:cNvPr id="1" name="Shape 336"/>
         <p:cNvGrpSpPr/>
         <p:nvPr/>
       </p:nvGrpSpPr>
@@ -1463,7 +1468,7 @@
       </p:grpSpPr>
       <p:sp>
         <p:nvSpPr>
-          <p:cNvPr id="351" name="Google Shape;351;g6e96c052a1_2_1:notes"/>
+          <p:cNvPr id="337" name="Google Shape;337;g6e630d8087_0_113:notes"/>
           <p:cNvSpPr>
             <a:spLocks noGrp="1" noRot="1" noChangeAspect="1"/>
           </p:cNvSpPr>
@@ -1504,7 +1509,7 @@
       </p:sp>
       <p:sp>
         <p:nvSpPr>
-          <p:cNvPr id="352" name="Google Shape;352;g6e96c052a1_2_1:notes"/>
+          <p:cNvPr id="338" name="Google Shape;338;g6e630d8087_0_113:notes"/>
           <p:cNvSpPr txBox="1">
             <a:spLocks noGrp="1"/>
           </p:cNvSpPr>
@@ -1536,10 +1541,6 @@
               </a:spcAft>
               <a:buNone/>
             </a:pPr>
-            <a:r>
-              <a:rPr lang="zh-TW"/>
-              <a:t>the page only show that for one word what other words often appear together (most similar)</a:t>
-            </a:r>
             <a:endParaRPr/>
           </a:p>
         </p:txBody>
@@ -1691,7 +1692,7 @@
           <a:p>
             <a:fld id="{92D25105-E9A4-3F46-8BDD-DDE900D4D687}" type="datetimeFigureOut">
               <a:rPr lang="en-RO" smtClean="0"/>
-              <a:t>05/19/2022</a:t>
+              <a:t>23.05.2022</a:t>
             </a:fld>
             <a:endParaRPr lang="en-RO"/>
           </a:p>
@@ -1912,7 +1913,7 @@
           <a:p>
             <a:fld id="{92D25105-E9A4-3F46-8BDD-DDE900D4D687}" type="datetimeFigureOut">
               <a:rPr lang="en-RO" smtClean="0"/>
-              <a:t>05/19/2022</a:t>
+              <a:t>23.05.2022</a:t>
             </a:fld>
             <a:endParaRPr lang="en-RO"/>
           </a:p>
@@ -2137,7 +2138,7 @@
           <a:p>
             <a:fld id="{92D25105-E9A4-3F46-8BDD-DDE900D4D687}" type="datetimeFigureOut">
               <a:rPr lang="en-RO" smtClean="0"/>
-              <a:t>05/19/2022</a:t>
+              <a:t>23.05.2022</a:t>
             </a:fld>
             <a:endParaRPr lang="en-RO"/>
           </a:p>
@@ -2937,7 +2938,7 @@
           <a:p>
             <a:fld id="{92D25105-E9A4-3F46-8BDD-DDE900D4D687}" type="datetimeFigureOut">
               <a:rPr lang="en-RO" smtClean="0"/>
-              <a:t>05/19/2022</a:t>
+              <a:t>23.05.2022</a:t>
             </a:fld>
             <a:endParaRPr lang="en-RO"/>
           </a:p>
@@ -3226,7 +3227,7 @@
           <a:p>
             <a:fld id="{92D25105-E9A4-3F46-8BDD-DDE900D4D687}" type="datetimeFigureOut">
               <a:rPr lang="en-RO" smtClean="0"/>
-              <a:t>05/19/2022</a:t>
+              <a:t>23.05.2022</a:t>
             </a:fld>
             <a:endParaRPr lang="en-RO"/>
           </a:p>
@@ -3504,7 +3505,7 @@
           <a:p>
             <a:fld id="{92D25105-E9A4-3F46-8BDD-DDE900D4D687}" type="datetimeFigureOut">
               <a:rPr lang="en-RO" smtClean="0"/>
-              <a:t>05/19/2022</a:t>
+              <a:t>23.05.2022</a:t>
             </a:fld>
             <a:endParaRPr lang="en-RO"/>
           </a:p>
@@ -3930,7 +3931,7 @@
           <a:p>
             <a:fld id="{92D25105-E9A4-3F46-8BDD-DDE900D4D687}" type="datetimeFigureOut">
               <a:rPr lang="en-RO" smtClean="0"/>
-              <a:t>05/19/2022</a:t>
+              <a:t>23.05.2022</a:t>
             </a:fld>
             <a:endParaRPr lang="en-RO"/>
           </a:p>
@@ -4089,7 +4090,7 @@
           <a:p>
             <a:fld id="{92D25105-E9A4-3F46-8BDD-DDE900D4D687}" type="datetimeFigureOut">
               <a:rPr lang="en-RO" smtClean="0"/>
-              <a:t>05/19/2022</a:t>
+              <a:t>23.05.2022</a:t>
             </a:fld>
             <a:endParaRPr lang="en-RO"/>
           </a:p>
@@ -4225,7 +4226,7 @@
           <a:p>
             <a:fld id="{92D25105-E9A4-3F46-8BDD-DDE900D4D687}" type="datetimeFigureOut">
               <a:rPr lang="en-RO" smtClean="0"/>
-              <a:t>05/19/2022</a:t>
+              <a:t>23.05.2022</a:t>
             </a:fld>
             <a:endParaRPr lang="en-RO"/>
           </a:p>
@@ -4485,7 +4486,7 @@
           <a:p>
             <a:fld id="{92D25105-E9A4-3F46-8BDD-DDE900D4D687}" type="datetimeFigureOut">
               <a:rPr lang="en-RO" smtClean="0"/>
-              <a:t>05/19/2022</a:t>
+              <a:t>23.05.2022</a:t>
             </a:fld>
             <a:endParaRPr lang="en-RO"/>
           </a:p>
@@ -4940,7 +4941,7 @@
           <a:p>
             <a:fld id="{92D25105-E9A4-3F46-8BDD-DDE900D4D687}" type="datetimeFigureOut">
               <a:rPr lang="en-RO" smtClean="0"/>
-              <a:t>05/19/2022</a:t>
+              <a:t>23.05.2022</a:t>
             </a:fld>
             <a:endParaRPr lang="en-RO"/>
           </a:p>
@@ -5277,7 +5278,7 @@
           <a:p>
             <a:fld id="{92D25105-E9A4-3F46-8BDD-DDE900D4D687}" type="datetimeFigureOut">
               <a:rPr lang="en-RO" smtClean="0"/>
-              <a:t>05/19/2022</a:t>
+              <a:t>23.05.2022</a:t>
             </a:fld>
             <a:endParaRPr lang="en-RO"/>
           </a:p>
@@ -6140,6 +6141,233 @@
   <p:cSld>
     <p:spTree>
       <p:nvGrpSpPr>
+        <p:cNvPr id="1" name="Shape 353"/>
+        <p:cNvGrpSpPr/>
+        <p:nvPr/>
+      </p:nvGrpSpPr>
+      <p:grpSpPr>
+        <a:xfrm>
+          <a:off x="0" y="0"/>
+          <a:ext cx="0" cy="0"/>
+          <a:chOff x="0" y="0"/>
+          <a:chExt cx="0" cy="0"/>
+        </a:xfrm>
+      </p:grpSpPr>
+      <p:sp>
+        <p:nvSpPr>
+          <p:cNvPr id="354" name="Google Shape;354;p32"/>
+          <p:cNvSpPr txBox="1">
+            <a:spLocks noGrp="1"/>
+          </p:cNvSpPr>
+          <p:nvPr>
+            <p:ph type="title"/>
+          </p:nvPr>
+        </p:nvSpPr>
+        <p:spPr>
+          <a:xfrm>
+            <a:off x="319725" y="71172"/>
+            <a:ext cx="6462600" cy="648900"/>
+          </a:xfrm>
+          <a:prstGeom prst="rect">
+            <a:avLst/>
+          </a:prstGeom>
+        </p:spPr>
+        <p:txBody>
+          <a:bodyPr spcFirstLastPara="1" wrap="square" lIns="91425" tIns="91425" rIns="91425" bIns="91425" anchor="b" anchorCtr="0">
+            <a:noAutofit/>
+          </a:bodyPr>
+          <a:lstStyle/>
+          <a:p>
+            <a:pPr marL="0" lvl="0" indent="0" algn="l" rtl="0">
+              <a:spcBef>
+                <a:spcPts val="0"/>
+              </a:spcBef>
+              <a:spcAft>
+                <a:spcPts val="0"/>
+              </a:spcAft>
+              <a:buClr>
+                <a:schemeClr val="dk1"/>
+              </a:buClr>
+              <a:buSzPts val="1100"/>
+              <a:buFont typeface="Arial"/>
+              <a:buNone/>
+            </a:pPr>
+            <a:r>
+              <a:rPr lang="zh-TW" sz="3200" b="1">
+                <a:solidFill>
+                  <a:srgbClr val="677480"/>
+                </a:solidFill>
+              </a:rPr>
+              <a:t>Word2Vec Features</a:t>
+            </a:r>
+            <a:endParaRPr/>
+          </a:p>
+        </p:txBody>
+      </p:sp>
+      <p:sp>
+        <p:nvSpPr>
+          <p:cNvPr id="356" name="Google Shape;356;p32"/>
+          <p:cNvSpPr txBox="1">
+            <a:spLocks noGrp="1"/>
+          </p:cNvSpPr>
+          <p:nvPr>
+            <p:ph type="sldNum" idx="12"/>
+          </p:nvPr>
+        </p:nvSpPr>
+        <p:spPr>
+          <a:prstGeom prst="rect">
+            <a:avLst/>
+          </a:prstGeom>
+        </p:spPr>
+        <p:txBody>
+          <a:bodyPr spcFirstLastPara="1" wrap="square" lIns="91425" tIns="91425" rIns="91425" bIns="91425" anchor="t" anchorCtr="0">
+            <a:noAutofit/>
+          </a:bodyPr>
+          <a:lstStyle/>
+          <a:p>
+            <a:pPr marL="0" lvl="0" indent="0" algn="r" rtl="0">
+              <a:spcBef>
+                <a:spcPts val="0"/>
+              </a:spcBef>
+              <a:spcAft>
+                <a:spcPts val="0"/>
+              </a:spcAft>
+              <a:buNone/>
+            </a:pPr>
+            <a:fld id="{00000000-1234-1234-1234-123412341234}" type="slidenum">
+              <a:rPr lang="en-US" altLang="zh-TW"/>
+              <a:t>11</a:t>
+            </a:fld>
+            <a:endParaRPr/>
+          </a:p>
+        </p:txBody>
+      </p:sp>
+      <p:sp>
+        <p:nvSpPr>
+          <p:cNvPr id="355" name="Google Shape;355;p32"/>
+          <p:cNvSpPr txBox="1"/>
+          <p:nvPr/>
+        </p:nvSpPr>
+        <p:spPr>
+          <a:xfrm>
+            <a:off x="5230150" y="179775"/>
+            <a:ext cx="3510300" cy="540300"/>
+          </a:xfrm>
+          <a:prstGeom prst="rect">
+            <a:avLst/>
+          </a:prstGeom>
+          <a:noFill/>
+          <a:ln>
+            <a:noFill/>
+          </a:ln>
+        </p:spPr>
+        <p:txBody>
+          <a:bodyPr spcFirstLastPara="1" wrap="square" lIns="91425" tIns="91425" rIns="91425" bIns="91425" anchor="t" anchorCtr="0">
+            <a:noAutofit/>
+          </a:bodyPr>
+          <a:lstStyle/>
+          <a:p>
+            <a:pPr marL="0" lvl="0" indent="0" algn="l" rtl="0">
+              <a:spcBef>
+                <a:spcPts val="0"/>
+              </a:spcBef>
+              <a:spcAft>
+                <a:spcPts val="0"/>
+              </a:spcAft>
+              <a:buNone/>
+            </a:pPr>
+            <a:r>
+              <a:rPr lang="zh-TW" sz="2200" b="1">
+                <a:solidFill>
+                  <a:srgbClr val="F20253"/>
+                </a:solidFill>
+                <a:latin typeface="Lato"/>
+                <a:ea typeface="Lato"/>
+                <a:cs typeface="Lato"/>
+                <a:sym typeface="Lato"/>
+              </a:rPr>
+              <a:t>Top 10 most similar words </a:t>
+            </a:r>
+            <a:endParaRPr sz="2200" b="1">
+              <a:solidFill>
+                <a:srgbClr val="F20253"/>
+              </a:solidFill>
+              <a:latin typeface="Lato"/>
+              <a:ea typeface="Lato"/>
+              <a:cs typeface="Lato"/>
+              <a:sym typeface="Lato"/>
+            </a:endParaRPr>
+          </a:p>
+        </p:txBody>
+      </p:sp>
+      <p:pic>
+        <p:nvPicPr>
+          <p:cNvPr id="357" name="Google Shape;357;p32"/>
+          <p:cNvPicPr preferRelativeResize="0"/>
+          <p:nvPr/>
+        </p:nvPicPr>
+        <p:blipFill rotWithShape="1">
+          <a:blip r:embed="rId3">
+            <a:alphaModFix/>
+          </a:blip>
+          <a:srcRect t="3456"/>
+          <a:stretch/>
+        </p:blipFill>
+        <p:spPr>
+          <a:xfrm>
+            <a:off x="1506850" y="720075"/>
+            <a:ext cx="7233599" cy="4308101"/>
+          </a:xfrm>
+          <a:prstGeom prst="rect">
+            <a:avLst/>
+          </a:prstGeom>
+          <a:noFill/>
+          <a:ln>
+            <a:noFill/>
+          </a:ln>
+        </p:spPr>
+      </p:pic>
+      <p:pic>
+        <p:nvPicPr>
+          <p:cNvPr id="358" name="Google Shape;358;p32"/>
+          <p:cNvPicPr preferRelativeResize="0"/>
+          <p:nvPr/>
+        </p:nvPicPr>
+        <p:blipFill>
+          <a:blip r:embed="rId4">
+            <a:alphaModFix/>
+          </a:blip>
+          <a:stretch>
+            <a:fillRect/>
+          </a:stretch>
+        </p:blipFill>
+        <p:spPr>
+          <a:xfrm>
+            <a:off x="242100" y="720075"/>
+            <a:ext cx="1264750" cy="1211613"/>
+          </a:xfrm>
+          <a:prstGeom prst="rect">
+            <a:avLst/>
+          </a:prstGeom>
+          <a:noFill/>
+          <a:ln>
+            <a:noFill/>
+          </a:ln>
+        </p:spPr>
+      </p:pic>
+    </p:spTree>
+  </p:cSld>
+  <p:clrMapOvr>
+    <a:masterClrMapping/>
+  </p:clrMapOvr>
+</p:sld>
+</file>
+
+<file path=ppt/slides/slide12.xml><?xml version="1.0" encoding="utf-8"?>
+<p:sld xmlns:a="http://schemas.openxmlformats.org/drawingml/2006/main" xmlns:r="http://schemas.openxmlformats.org/officeDocument/2006/relationships" xmlns:p="http://schemas.openxmlformats.org/presentationml/2006/main">
+  <p:cSld>
+    <p:spTree>
+      <p:nvGrpSpPr>
         <p:cNvPr id="1" name="Shape 339"/>
         <p:cNvGrpSpPr/>
         <p:nvPr/>
@@ -6277,51 +6505,9 @@
             </a:pPr>
             <a:fld id="{00000000-1234-1234-1234-123412341234}" type="slidenum">
               <a:rPr lang="en-US" altLang="zh-TW"/>
-              <a:t>11</a:t>
+              <a:t>12</a:t>
             </a:fld>
             <a:endParaRPr/>
-          </a:p>
-        </p:txBody>
-      </p:sp>
-      <p:sp>
-        <p:nvSpPr>
-          <p:cNvPr id="342" name="Google Shape;342;p31"/>
-          <p:cNvSpPr txBox="1">
-            <a:spLocks noGrp="1"/>
-          </p:cNvSpPr>
-          <p:nvPr>
-            <p:ph type="body" idx="4294967295"/>
-          </p:nvPr>
-        </p:nvSpPr>
-        <p:spPr>
-          <a:xfrm>
-            <a:off x="0" y="3181350"/>
-            <a:ext cx="7472363" cy="627063"/>
-          </a:xfrm>
-          <a:prstGeom prst="rect">
-            <a:avLst/>
-          </a:prstGeom>
-        </p:spPr>
-        <p:txBody>
-          <a:bodyPr spcFirstLastPara="1" wrap="square" lIns="91425" tIns="91425" rIns="91425" bIns="91425" anchor="t" anchorCtr="0">
-            <a:noAutofit/>
-          </a:bodyPr>
-          <a:lstStyle/>
-          <a:p>
-            <a:pPr marL="0" lvl="0" indent="0" algn="l" rtl="0">
-              <a:spcBef>
-                <a:spcPts val="600"/>
-              </a:spcBef>
-              <a:spcAft>
-                <a:spcPts val="0"/>
-              </a:spcAft>
-              <a:buNone/>
-            </a:pPr>
-            <a:r>
-              <a:rPr lang="zh-TW" sz="2400" b="1"/>
-              <a:t>Classification Model with TF-IDF (n-gram, n=1,2,3)</a:t>
-            </a:r>
-            <a:endParaRPr sz="2400" b="1"/>
           </a:p>
         </p:txBody>
       </p:sp>
@@ -6391,7 +6577,7 @@
         </p:nvGrpSpPr>
         <p:grpSpPr>
           <a:xfrm>
-            <a:off x="754830" y="1327226"/>
+            <a:off x="680375" y="1441378"/>
             <a:ext cx="6296339" cy="1730521"/>
             <a:chOff x="888638" y="2140675"/>
             <a:chExt cx="7366724" cy="2192475"/>
@@ -6480,9 +6666,9 @@
           <p:nvPr/>
         </p:nvCxnSpPr>
         <p:spPr>
-          <a:xfrm rot="10800000" flipH="1">
-            <a:off x="5885042" y="1441562"/>
-            <a:ext cx="1056300" cy="20100"/>
+          <a:xfrm flipV="1">
+            <a:off x="5810586" y="1441528"/>
+            <a:ext cx="1130889" cy="134286"/>
           </a:xfrm>
           <a:prstGeom prst="straightConnector1">
             <a:avLst/>
@@ -6499,261 +6685,6 @@
           </a:ln>
         </p:spPr>
       </p:cxnSp>
-      <p:pic>
-        <p:nvPicPr>
-          <p:cNvPr id="348" name="Google Shape;348;p31"/>
-          <p:cNvPicPr preferRelativeResize="0"/>
-          <p:nvPr/>
-        </p:nvPicPr>
-        <p:blipFill>
-          <a:blip r:embed="rId4">
-            <a:alphaModFix/>
-          </a:blip>
-          <a:stretch>
-            <a:fillRect/>
-          </a:stretch>
-        </p:blipFill>
-        <p:spPr>
-          <a:xfrm>
-            <a:off x="825975" y="3808950"/>
-            <a:ext cx="5348600" cy="828250"/>
-          </a:xfrm>
-          <a:prstGeom prst="rect">
-            <a:avLst/>
-          </a:prstGeom>
-          <a:noFill/>
-          <a:ln>
-            <a:noFill/>
-          </a:ln>
-        </p:spPr>
-      </p:pic>
-    </p:spTree>
-  </p:cSld>
-  <p:clrMapOvr>
-    <a:masterClrMapping/>
-  </p:clrMapOvr>
-</p:sld>
-</file>
-
-<file path=ppt/slides/slide12.xml><?xml version="1.0" encoding="utf-8"?>
-<p:sld xmlns:a="http://schemas.openxmlformats.org/drawingml/2006/main" xmlns:r="http://schemas.openxmlformats.org/officeDocument/2006/relationships" xmlns:p="http://schemas.openxmlformats.org/presentationml/2006/main">
-  <p:cSld>
-    <p:spTree>
-      <p:nvGrpSpPr>
-        <p:cNvPr id="1" name="Shape 353"/>
-        <p:cNvGrpSpPr/>
-        <p:nvPr/>
-      </p:nvGrpSpPr>
-      <p:grpSpPr>
-        <a:xfrm>
-          <a:off x="0" y="0"/>
-          <a:ext cx="0" cy="0"/>
-          <a:chOff x="0" y="0"/>
-          <a:chExt cx="0" cy="0"/>
-        </a:xfrm>
-      </p:grpSpPr>
-      <p:sp>
-        <p:nvSpPr>
-          <p:cNvPr id="354" name="Google Shape;354;p32"/>
-          <p:cNvSpPr txBox="1">
-            <a:spLocks noGrp="1"/>
-          </p:cNvSpPr>
-          <p:nvPr>
-            <p:ph type="title"/>
-          </p:nvPr>
-        </p:nvSpPr>
-        <p:spPr>
-          <a:xfrm>
-            <a:off x="319725" y="71172"/>
-            <a:ext cx="6462600" cy="648900"/>
-          </a:xfrm>
-          <a:prstGeom prst="rect">
-            <a:avLst/>
-          </a:prstGeom>
-        </p:spPr>
-        <p:txBody>
-          <a:bodyPr spcFirstLastPara="1" wrap="square" lIns="91425" tIns="91425" rIns="91425" bIns="91425" anchor="b" anchorCtr="0">
-            <a:noAutofit/>
-          </a:bodyPr>
-          <a:lstStyle/>
-          <a:p>
-            <a:pPr marL="0" lvl="0" indent="0" algn="l" rtl="0">
-              <a:spcBef>
-                <a:spcPts val="0"/>
-              </a:spcBef>
-              <a:spcAft>
-                <a:spcPts val="0"/>
-              </a:spcAft>
-              <a:buClr>
-                <a:schemeClr val="dk1"/>
-              </a:buClr>
-              <a:buSzPts val="1100"/>
-              <a:buFont typeface="Arial"/>
-              <a:buNone/>
-            </a:pPr>
-            <a:r>
-              <a:rPr lang="zh-TW" sz="3200" b="1">
-                <a:solidFill>
-                  <a:srgbClr val="677480"/>
-                </a:solidFill>
-              </a:rPr>
-              <a:t>Word2Vec Features</a:t>
-            </a:r>
-            <a:endParaRPr/>
-          </a:p>
-        </p:txBody>
-      </p:sp>
-      <p:sp>
-        <p:nvSpPr>
-          <p:cNvPr id="356" name="Google Shape;356;p32"/>
-          <p:cNvSpPr txBox="1">
-            <a:spLocks noGrp="1"/>
-          </p:cNvSpPr>
-          <p:nvPr>
-            <p:ph type="sldNum" idx="12"/>
-          </p:nvPr>
-        </p:nvSpPr>
-        <p:spPr>
-          <a:prstGeom prst="rect">
-            <a:avLst/>
-          </a:prstGeom>
-        </p:spPr>
-        <p:txBody>
-          <a:bodyPr spcFirstLastPara="1" wrap="square" lIns="91425" tIns="91425" rIns="91425" bIns="91425" anchor="t" anchorCtr="0">
-            <a:noAutofit/>
-          </a:bodyPr>
-          <a:lstStyle/>
-          <a:p>
-            <a:pPr marL="0" lvl="0" indent="0" algn="r" rtl="0">
-              <a:spcBef>
-                <a:spcPts val="0"/>
-              </a:spcBef>
-              <a:spcAft>
-                <a:spcPts val="0"/>
-              </a:spcAft>
-              <a:buNone/>
-            </a:pPr>
-            <a:fld id="{00000000-1234-1234-1234-123412341234}" type="slidenum">
-              <a:rPr lang="en-US" altLang="zh-TW"/>
-              <a:t>12</a:t>
-            </a:fld>
-            <a:endParaRPr/>
-          </a:p>
-        </p:txBody>
-      </p:sp>
-      <p:sp>
-        <p:nvSpPr>
-          <p:cNvPr id="355" name="Google Shape;355;p32"/>
-          <p:cNvSpPr txBox="1"/>
-          <p:nvPr/>
-        </p:nvSpPr>
-        <p:spPr>
-          <a:xfrm>
-            <a:off x="5230150" y="179775"/>
-            <a:ext cx="3510300" cy="540300"/>
-          </a:xfrm>
-          <a:prstGeom prst="rect">
-            <a:avLst/>
-          </a:prstGeom>
-          <a:noFill/>
-          <a:ln>
-            <a:noFill/>
-          </a:ln>
-        </p:spPr>
-        <p:txBody>
-          <a:bodyPr spcFirstLastPara="1" wrap="square" lIns="91425" tIns="91425" rIns="91425" bIns="91425" anchor="t" anchorCtr="0">
-            <a:noAutofit/>
-          </a:bodyPr>
-          <a:lstStyle/>
-          <a:p>
-            <a:pPr marL="0" lvl="0" indent="0" algn="l" rtl="0">
-              <a:spcBef>
-                <a:spcPts val="0"/>
-              </a:spcBef>
-              <a:spcAft>
-                <a:spcPts val="0"/>
-              </a:spcAft>
-              <a:buNone/>
-            </a:pPr>
-            <a:r>
-              <a:rPr lang="zh-TW" sz="2200" b="1">
-                <a:solidFill>
-                  <a:srgbClr val="F20253"/>
-                </a:solidFill>
-                <a:latin typeface="Lato"/>
-                <a:ea typeface="Lato"/>
-                <a:cs typeface="Lato"/>
-                <a:sym typeface="Lato"/>
-              </a:rPr>
-              <a:t>Top 10 most similar words </a:t>
-            </a:r>
-            <a:endParaRPr sz="2200" b="1">
-              <a:solidFill>
-                <a:srgbClr val="F20253"/>
-              </a:solidFill>
-              <a:latin typeface="Lato"/>
-              <a:ea typeface="Lato"/>
-              <a:cs typeface="Lato"/>
-              <a:sym typeface="Lato"/>
-            </a:endParaRPr>
-          </a:p>
-        </p:txBody>
-      </p:sp>
-      <p:pic>
-        <p:nvPicPr>
-          <p:cNvPr id="357" name="Google Shape;357;p32"/>
-          <p:cNvPicPr preferRelativeResize="0"/>
-          <p:nvPr/>
-        </p:nvPicPr>
-        <p:blipFill rotWithShape="1">
-          <a:blip r:embed="rId3">
-            <a:alphaModFix/>
-          </a:blip>
-          <a:srcRect t="3456"/>
-          <a:stretch/>
-        </p:blipFill>
-        <p:spPr>
-          <a:xfrm>
-            <a:off x="1506850" y="720075"/>
-            <a:ext cx="7233599" cy="4308101"/>
-          </a:xfrm>
-          <a:prstGeom prst="rect">
-            <a:avLst/>
-          </a:prstGeom>
-          <a:noFill/>
-          <a:ln>
-            <a:noFill/>
-          </a:ln>
-        </p:spPr>
-      </p:pic>
-      <p:pic>
-        <p:nvPicPr>
-          <p:cNvPr id="358" name="Google Shape;358;p32"/>
-          <p:cNvPicPr preferRelativeResize="0"/>
-          <p:nvPr/>
-        </p:nvPicPr>
-        <p:blipFill>
-          <a:blip r:embed="rId4">
-            <a:alphaModFix/>
-          </a:blip>
-          <a:stretch>
-            <a:fillRect/>
-          </a:stretch>
-        </p:blipFill>
-        <p:spPr>
-          <a:xfrm>
-            <a:off x="242100" y="720075"/>
-            <a:ext cx="1264750" cy="1211613"/>
-          </a:xfrm>
-          <a:prstGeom prst="rect">
-            <a:avLst/>
-          </a:prstGeom>
-          <a:noFill/>
-          <a:ln>
-            <a:noFill/>
-          </a:ln>
-        </p:spPr>
-      </p:pic>
     </p:spTree>
   </p:cSld>
   <p:clrMapOvr>
@@ -8029,7 +7960,7 @@
           <a:lstStyle/>
           <a:p>
             <a:r>
-              <a:rPr lang="ro-RO" err="1"/>
+              <a:rPr lang="ro-RO" dirty="0" err="1"/>
               <a:t>Models</a:t>
             </a:r>
             <a:r>
@@ -8040,7 +7971,7 @@
           <a:p>
             <a:r>
               <a:rPr lang="ro-RO" dirty="0"/>
-              <a:t>TFIDF(1-3 </a:t>
+              <a:t>TFIDF(1 </a:t>
             </a:r>
             <a:r>
               <a:rPr lang="ro-RO" dirty="0" err="1"/>
@@ -8048,6 +7979,22 @@
             </a:r>
             <a:r>
               <a:rPr lang="ro-RO" dirty="0"/>
+              <a:t> </a:t>
+            </a:r>
+            <a:r>
+              <a:rPr lang="ro-RO" dirty="0" err="1"/>
+              <a:t>and</a:t>
+            </a:r>
+            <a:r>
+              <a:rPr lang="ro-RO" dirty="0"/>
+              <a:t> 3 </a:t>
+            </a:r>
+            <a:r>
+              <a:rPr lang="ro-RO" dirty="0" err="1"/>
+              <a:t>grams</a:t>
+            </a:r>
+            <a:r>
+              <a:rPr lang="ro-RO" dirty="0"/>
               <a:t>) , </a:t>
             </a:r>
           </a:p>
@@ -8112,7 +8059,6 @@
               <a:rPr lang="ro-RO" dirty="0"/>
               <a:t>,</a:t>
             </a:r>
-            <a:endParaRPr lang="ro-RO"/>
           </a:p>
           <a:p>
             <a:r>
@@ -8147,7 +8093,7 @@
               </a:rPr>
               <a:t>)</a:t>
             </a:r>
-            <a:endParaRPr lang="ro-RO">
+            <a:endParaRPr lang="ro-RO" dirty="0">
               <a:latin typeface="Gill Sans MT" panose="020B0502020104020203"/>
             </a:endParaRPr>
           </a:p>
@@ -8255,6 +8201,10 @@
               <a:rPr lang="ro-RO" dirty="0" err="1"/>
               <a:t>regression</a:t>
             </a:r>
+            <a:r>
+              <a:rPr lang="ro-RO" dirty="0"/>
+              <a:t> + Word2vec</a:t>
+            </a:r>
           </a:p>
         </p:txBody>
       </p:sp>
@@ -8352,8 +8302,8 @@
         </p:blipFill>
         <p:spPr>
           <a:xfrm>
-            <a:off x="991065" y="1441341"/>
-            <a:ext cx="2980163" cy="532379"/>
+            <a:off x="991064" y="1013915"/>
+            <a:ext cx="5481297" cy="1075223"/>
           </a:xfrm>
           <a:prstGeom prst="rect">
             <a:avLst/>
@@ -8382,8 +8332,8 @@
         </p:blipFill>
         <p:spPr>
           <a:xfrm>
-            <a:off x="991065" y="2244238"/>
-            <a:ext cx="3015010" cy="1261374"/>
+            <a:off x="991064" y="2244238"/>
+            <a:ext cx="5481297" cy="2293182"/>
           </a:xfrm>
           <a:prstGeom prst="rect">
             <a:avLst/>
@@ -8537,8 +8487,8 @@
         </p:blipFill>
         <p:spPr>
           <a:xfrm>
-            <a:off x="970156" y="1451386"/>
-            <a:ext cx="3872260" cy="2338302"/>
+            <a:off x="893699" y="1316213"/>
+            <a:ext cx="5952373" cy="3594399"/>
           </a:xfrm>
           <a:prstGeom prst="rect">
             <a:avLst/>
@@ -8863,6 +8813,23 @@
               <a:rPr lang="ro-RO" dirty="0" err="1"/>
               <a:t>regression</a:t>
             </a:r>
+            <a:r>
+              <a:rPr lang="ro-RO" dirty="0"/>
+              <a:t> + </a:t>
+            </a:r>
+            <a:r>
+              <a:rPr lang="ro-RO" dirty="0" err="1"/>
+              <a:t>bert</a:t>
+            </a:r>
+            <a:r>
+              <a:rPr lang="ro-RO" dirty="0"/>
+              <a:t> </a:t>
+            </a:r>
+            <a:r>
+              <a:rPr lang="ro-RO" dirty="0" err="1"/>
+              <a:t>features</a:t>
+            </a:r>
+            <a:endParaRPr lang="ro-RO" dirty="0"/>
           </a:p>
         </p:txBody>
       </p:sp>
@@ -8887,7 +8854,7 @@
           <a:bodyPr/>
           <a:lstStyle/>
           <a:p>
-            <a:endParaRPr lang="ro-RO"/>
+            <a:endParaRPr lang="ro-RO" dirty="0"/>
           </a:p>
         </p:txBody>
       </p:sp>
@@ -9021,10 +8988,10 @@
       </p:grpSpPr>
       <p:sp>
         <p:nvSpPr>
-          <p:cNvPr id="2" name="Titlu 1">
+          <p:cNvPr id="2" name="Title 1">
             <a:extLst>
               <a:ext uri="{FF2B5EF4-FFF2-40B4-BE49-F238E27FC236}">
-                <a16:creationId xmlns:a16="http://schemas.microsoft.com/office/drawing/2014/main" id="{A1AEEA07-C14D-3DFA-A1D2-F3812CFCA708}"/>
+                <a16:creationId xmlns:a16="http://schemas.microsoft.com/office/drawing/2014/main" id="{29FA1F65-8F37-9C95-9B2F-3FDF2148E41E}"/>
               </a:ext>
             </a:extLst>
           </p:cNvPr>
@@ -9041,18 +9008,22 @@
           <a:lstStyle/>
           <a:p>
             <a:r>
-              <a:rPr lang="ro-RO" dirty="0"/>
-              <a:t>BERT</a:t>
-            </a:r>
-          </a:p>
-        </p:txBody>
-      </p:sp>
-      <p:sp>
-        <p:nvSpPr>
-          <p:cNvPr id="3" name="Substituent text 2">
+              <a:rPr lang="en-GB" dirty="0"/>
+              <a:t>L</a:t>
+            </a:r>
+            <a:r>
+              <a:rPr lang="en-RO" dirty="0"/>
+              <a:t>ogistic regression 1-3 grams with features</a:t>
+            </a:r>
+          </a:p>
+        </p:txBody>
+      </p:sp>
+      <p:sp>
+        <p:nvSpPr>
+          <p:cNvPr id="4" name="Slide Number Placeholder 3">
             <a:extLst>
               <a:ext uri="{FF2B5EF4-FFF2-40B4-BE49-F238E27FC236}">
-                <a16:creationId xmlns:a16="http://schemas.microsoft.com/office/drawing/2014/main" id="{6EC6C64B-000E-F376-663C-82EBD1274304}"/>
+                <a16:creationId xmlns:a16="http://schemas.microsoft.com/office/drawing/2014/main" id="{23A610D6-6A6E-0045-304A-6FD91FF5B100}"/>
               </a:ext>
             </a:extLst>
           </p:cNvPr>
@@ -9060,7 +9031,7 @@
             <a:spLocks noGrp="1"/>
           </p:cNvSpPr>
           <p:nvPr>
-            <p:ph type="body" idx="1"/>
+            <p:ph type="sldNum" idx="12"/>
           </p:nvPr>
         </p:nvSpPr>
         <p:spPr/>
@@ -9068,151 +9039,29 @@
           <a:bodyPr/>
           <a:lstStyle/>
           <a:p>
-            <a:r>
-              <a:rPr lang="ro-RO" dirty="0"/>
-              <a:t>Model : </a:t>
-            </a:r>
-            <a:r>
-              <a:rPr lang="ro-RO" dirty="0" err="1"/>
-              <a:t>bert-base-uncased</a:t>
-            </a:r>
-          </a:p>
-          <a:p>
-            <a:r>
-              <a:rPr lang="ro-RO" dirty="0" err="1"/>
-              <a:t>Applied</a:t>
-            </a:r>
-            <a:r>
-              <a:rPr lang="ro-RO" dirty="0"/>
-              <a:t> on </a:t>
-            </a:r>
-            <a:r>
-              <a:rPr lang="ro-RO" dirty="0" err="1"/>
-              <a:t>raw</a:t>
-            </a:r>
-            <a:r>
-              <a:rPr lang="ro-RO" dirty="0"/>
-              <a:t> data </a:t>
-            </a:r>
-            <a:r>
-              <a:rPr lang="ro-RO" dirty="0" err="1"/>
-              <a:t>with</a:t>
-            </a:r>
-            <a:r>
-              <a:rPr lang="ro-RO" dirty="0"/>
-              <a:t> </a:t>
-            </a:r>
-            <a:r>
-              <a:rPr lang="ro-RO" dirty="0" err="1"/>
-              <a:t>only</a:t>
-            </a:r>
-            <a:r>
-              <a:rPr lang="ro-RO" dirty="0"/>
-              <a:t> </a:t>
-            </a:r>
-            <a:r>
-              <a:rPr lang="ro-RO" dirty="0" err="1"/>
-              <a:t>lowercasing</a:t>
-            </a:r>
-          </a:p>
-          <a:p>
-            <a:r>
-              <a:rPr lang="ro-RO" dirty="0" err="1"/>
-              <a:t>Used</a:t>
-            </a:r>
-            <a:r>
-              <a:rPr lang="ro-RO" dirty="0"/>
-              <a:t> simple-</a:t>
-            </a:r>
-            <a:r>
-              <a:rPr lang="ro-RO" dirty="0" err="1"/>
-              <a:t>transformers</a:t>
-            </a:r>
-            <a:r>
-              <a:rPr lang="ro-RO" dirty="0"/>
-              <a:t> </a:t>
-            </a:r>
-            <a:r>
-              <a:rPr lang="ro-RO" dirty="0" err="1"/>
-              <a:t>library</a:t>
-            </a:r>
-          </a:p>
-          <a:p>
-            <a:r>
-              <a:rPr lang="ro-RO" dirty="0" err="1"/>
-              <a:t>Gives</a:t>
-            </a:r>
-            <a:r>
-              <a:rPr lang="ro-RO" dirty="0"/>
-              <a:t> </a:t>
-            </a:r>
-            <a:r>
-              <a:rPr lang="ro-RO" dirty="0" err="1"/>
-              <a:t>best</a:t>
-            </a:r>
-            <a:r>
-              <a:rPr lang="ro-RO" dirty="0"/>
-              <a:t> </a:t>
-            </a:r>
-            <a:r>
-              <a:rPr lang="ro-RO" dirty="0" err="1"/>
-              <a:t>results</a:t>
-            </a:r>
-          </a:p>
-          <a:p>
-            <a:r>
-              <a:rPr lang="ro-RO" dirty="0"/>
-              <a:t>Limited </a:t>
-            </a:r>
-            <a:r>
-              <a:rPr lang="ro-RO" dirty="0" err="1"/>
-              <a:t>by</a:t>
-            </a:r>
-            <a:r>
-              <a:rPr lang="ro-RO" dirty="0"/>
-              <a:t> </a:t>
-            </a:r>
-            <a:r>
-              <a:rPr lang="ro-RO" dirty="0" err="1"/>
-              <a:t>max</a:t>
-            </a:r>
-            <a:r>
-              <a:rPr lang="ro-RO" dirty="0"/>
-              <a:t> </a:t>
-            </a:r>
-            <a:r>
-              <a:rPr lang="ro-RO" dirty="0" err="1"/>
-              <a:t>length</a:t>
-            </a:r>
-            <a:r>
-              <a:rPr lang="ro-RO" dirty="0"/>
-              <a:t>(out of </a:t>
-            </a:r>
-            <a:r>
-              <a:rPr lang="ro-RO" dirty="0" err="1"/>
-              <a:t>memory</a:t>
-            </a:r>
-            <a:r>
-              <a:rPr lang="ro-RO" dirty="0"/>
-              <a:t> </a:t>
-            </a:r>
-            <a:r>
-              <a:rPr lang="ro-RO" dirty="0" err="1"/>
-              <a:t>cuda</a:t>
-            </a:r>
-            <a:r>
-              <a:rPr lang="ro-RO" dirty="0"/>
-              <a:t>)</a:t>
-            </a:r>
-          </a:p>
-        </p:txBody>
-      </p:sp>
-      <p:sp>
-        <p:nvSpPr>
-          <p:cNvPr id="4" name="Substituent număr diapozitiv 3">
+            <a:pPr marL="0" lvl="0" indent="0" algn="r" rtl="0">
+              <a:spcBef>
+                <a:spcPts val="0"/>
+              </a:spcBef>
+              <a:spcAft>
+                <a:spcPts val="0"/>
+              </a:spcAft>
+              <a:buNone/>
+            </a:pPr>
+            <a:fld id="{00000000-1234-1234-1234-123412341234}" type="slidenum">
+              <a:rPr lang="en-US" altLang="zh-TW" smtClean="0"/>
+              <a:t>21</a:t>
+            </a:fld>
+            <a:endParaRPr lang="zh-TW" altLang="en-US"/>
+          </a:p>
+        </p:txBody>
+      </p:sp>
+      <p:sp>
+        <p:nvSpPr>
+          <p:cNvPr id="5" name="Text Placeholder 2">
             <a:extLst>
               <a:ext uri="{FF2B5EF4-FFF2-40B4-BE49-F238E27FC236}">
-                <a16:creationId xmlns:a16="http://schemas.microsoft.com/office/drawing/2014/main" id="{EC8AF425-8148-98A8-B8D8-327576963799}"/>
+                <a16:creationId xmlns:a16="http://schemas.microsoft.com/office/drawing/2014/main" id="{47B3B35A-25C4-85F3-B2FA-6884B719818A}"/>
               </a:ext>
             </a:extLst>
           </p:cNvPr>
@@ -9220,35 +9069,74 @@
             <a:spLocks noGrp="1"/>
           </p:cNvSpPr>
           <p:nvPr>
-            <p:ph type="sldNum" idx="12"/>
-          </p:nvPr>
-        </p:nvSpPr>
-        <p:spPr/>
+            <p:ph type="body" idx="1"/>
+          </p:nvPr>
+        </p:nvSpPr>
+        <p:spPr>
+          <a:xfrm>
+            <a:off x="963798" y="2021142"/>
+            <a:ext cx="5404949" cy="2664686"/>
+          </a:xfrm>
+        </p:spPr>
         <p:txBody>
           <a:bodyPr/>
           <a:lstStyle/>
           <a:p>
-            <a:pPr marL="0" lvl="0" indent="0" algn="r" rtl="0">
-              <a:spcBef>
-                <a:spcPts val="0"/>
-              </a:spcBef>
-              <a:spcAft>
-                <a:spcPts val="0"/>
-              </a:spcAft>
-              <a:buNone/>
-            </a:pPr>
-            <a:fld id="{00000000-1234-1234-1234-123412341234}" type="slidenum">
-              <a:rPr lang="en-US" altLang="zh-TW"/>
-              <a:t>21</a:t>
-            </a:fld>
-            <a:endParaRPr lang="zh-TW" altLang="en-US"/>
-          </a:p>
-        </p:txBody>
-      </p:sp>
+            <a:endParaRPr lang="en-RO" dirty="0"/>
+          </a:p>
+        </p:txBody>
+      </p:sp>
+      <p:pic>
+        <p:nvPicPr>
+          <p:cNvPr id="2050" name="Picture 2" descr="No description available.">
+            <a:extLst>
+              <a:ext uri="{FF2B5EF4-FFF2-40B4-BE49-F238E27FC236}">
+                <a16:creationId xmlns:a16="http://schemas.microsoft.com/office/drawing/2014/main" id="{2BCDC523-10CC-6709-5DE1-7BC6D808251B}"/>
+              </a:ext>
+            </a:extLst>
+          </p:cNvPr>
+          <p:cNvPicPr>
+            <a:picLocks noChangeAspect="1" noChangeArrowheads="1"/>
+          </p:cNvPicPr>
+          <p:nvPr/>
+        </p:nvPicPr>
+        <p:blipFill>
+          <a:blip r:embed="rId2">
+            <a:extLst>
+              <a:ext uri="{28A0092B-C50C-407E-A947-70E740481C1C}">
+                <a14:useLocalDpi xmlns:a14="http://schemas.microsoft.com/office/drawing/2010/main" val="0"/>
+              </a:ext>
+            </a:extLst>
+          </a:blip>
+          <a:srcRect/>
+          <a:stretch>
+            <a:fillRect/>
+          </a:stretch>
+        </p:blipFill>
+        <p:spPr bwMode="auto">
+          <a:xfrm>
+            <a:off x="594360" y="1344960"/>
+            <a:ext cx="7435088" cy="2453579"/>
+          </a:xfrm>
+          <a:prstGeom prst="rect">
+            <a:avLst/>
+          </a:prstGeom>
+          <a:noFill/>
+          <a:extLst>
+            <a:ext uri="{909E8E84-426E-40DD-AFC4-6F175D3DCCD1}">
+              <a14:hiddenFill xmlns:a14="http://schemas.microsoft.com/office/drawing/2010/main">
+                <a:solidFill>
+                  <a:srgbClr val="FFFFFF"/>
+                </a:solidFill>
+              </a14:hiddenFill>
+            </a:ext>
+          </a:extLst>
+        </p:spPr>
+      </p:pic>
     </p:spTree>
     <p:extLst>
       <p:ext uri="{BB962C8B-B14F-4D97-AF65-F5344CB8AC3E}">
-        <p14:creationId xmlns:p14="http://schemas.microsoft.com/office/powerpoint/2010/main" val="320427921"/>
+        <p14:creationId xmlns:p14="http://schemas.microsoft.com/office/powerpoint/2010/main" val="4186786916"/>
       </p:ext>
     </p:extLst>
   </p:cSld>
@@ -9280,6 +9168,262 @@
           <p:cNvPr id="2" name="Titlu 1">
             <a:extLst>
               <a:ext uri="{FF2B5EF4-FFF2-40B4-BE49-F238E27FC236}">
+                <a16:creationId xmlns:a16="http://schemas.microsoft.com/office/drawing/2014/main" id="{A1AEEA07-C14D-3DFA-A1D2-F3812CFCA708}"/>
+              </a:ext>
+            </a:extLst>
+          </p:cNvPr>
+          <p:cNvSpPr>
+            <a:spLocks noGrp="1"/>
+          </p:cNvSpPr>
+          <p:nvPr>
+            <p:ph type="title"/>
+          </p:nvPr>
+        </p:nvSpPr>
+        <p:spPr/>
+        <p:txBody>
+          <a:bodyPr/>
+          <a:lstStyle/>
+          <a:p>
+            <a:r>
+              <a:rPr lang="ro-RO" dirty="0"/>
+              <a:t>BERT</a:t>
+            </a:r>
+          </a:p>
+        </p:txBody>
+      </p:sp>
+      <p:sp>
+        <p:nvSpPr>
+          <p:cNvPr id="3" name="Substituent text 2">
+            <a:extLst>
+              <a:ext uri="{FF2B5EF4-FFF2-40B4-BE49-F238E27FC236}">
+                <a16:creationId xmlns:a16="http://schemas.microsoft.com/office/drawing/2014/main" id="{6EC6C64B-000E-F376-663C-82EBD1274304}"/>
+              </a:ext>
+            </a:extLst>
+          </p:cNvPr>
+          <p:cNvSpPr>
+            <a:spLocks noGrp="1"/>
+          </p:cNvSpPr>
+          <p:nvPr>
+            <p:ph type="body" idx="1"/>
+          </p:nvPr>
+        </p:nvSpPr>
+        <p:spPr/>
+        <p:txBody>
+          <a:bodyPr/>
+          <a:lstStyle/>
+          <a:p>
+            <a:r>
+              <a:rPr lang="ro-RO" dirty="0"/>
+              <a:t>Model : </a:t>
+            </a:r>
+            <a:r>
+              <a:rPr lang="ro-RO" dirty="0" err="1"/>
+              <a:t>bert-base-uncased</a:t>
+            </a:r>
+          </a:p>
+          <a:p>
+            <a:r>
+              <a:rPr lang="ro-RO" dirty="0" err="1"/>
+              <a:t>Applied</a:t>
+            </a:r>
+            <a:r>
+              <a:rPr lang="ro-RO" dirty="0"/>
+              <a:t> on </a:t>
+            </a:r>
+            <a:r>
+              <a:rPr lang="ro-RO" dirty="0" err="1"/>
+              <a:t>raw</a:t>
+            </a:r>
+            <a:r>
+              <a:rPr lang="ro-RO" dirty="0"/>
+              <a:t> data </a:t>
+            </a:r>
+            <a:r>
+              <a:rPr lang="ro-RO" dirty="0" err="1"/>
+              <a:t>with</a:t>
+            </a:r>
+            <a:r>
+              <a:rPr lang="ro-RO" dirty="0"/>
+              <a:t> </a:t>
+            </a:r>
+            <a:r>
+              <a:rPr lang="ro-RO" dirty="0" err="1"/>
+              <a:t>only</a:t>
+            </a:r>
+            <a:r>
+              <a:rPr lang="ro-RO" dirty="0"/>
+              <a:t> </a:t>
+            </a:r>
+            <a:r>
+              <a:rPr lang="ro-RO" dirty="0" err="1"/>
+              <a:t>lowercasing</a:t>
+            </a:r>
+          </a:p>
+          <a:p>
+            <a:r>
+              <a:rPr lang="ro-RO" dirty="0" err="1"/>
+              <a:t>Used</a:t>
+            </a:r>
+            <a:r>
+              <a:rPr lang="ro-RO" dirty="0"/>
+              <a:t> simple-</a:t>
+            </a:r>
+            <a:r>
+              <a:rPr lang="ro-RO" dirty="0" err="1"/>
+              <a:t>transformers</a:t>
+            </a:r>
+            <a:r>
+              <a:rPr lang="ro-RO" dirty="0"/>
+              <a:t> </a:t>
+            </a:r>
+            <a:r>
+              <a:rPr lang="ro-RO" dirty="0" err="1"/>
+              <a:t>library</a:t>
+            </a:r>
+          </a:p>
+          <a:p>
+            <a:r>
+              <a:rPr lang="ro-RO" dirty="0" err="1"/>
+              <a:t>Gives</a:t>
+            </a:r>
+            <a:r>
+              <a:rPr lang="ro-RO" dirty="0"/>
+              <a:t> </a:t>
+            </a:r>
+            <a:r>
+              <a:rPr lang="ro-RO" dirty="0" err="1"/>
+              <a:t>best</a:t>
+            </a:r>
+            <a:r>
+              <a:rPr lang="ro-RO" dirty="0"/>
+              <a:t> </a:t>
+            </a:r>
+            <a:r>
+              <a:rPr lang="ro-RO" dirty="0" err="1"/>
+              <a:t>results</a:t>
+            </a:r>
+          </a:p>
+          <a:p>
+            <a:r>
+              <a:rPr lang="ro-RO" dirty="0"/>
+              <a:t>Limited </a:t>
+            </a:r>
+            <a:r>
+              <a:rPr lang="ro-RO" dirty="0" err="1"/>
+              <a:t>by</a:t>
+            </a:r>
+            <a:r>
+              <a:rPr lang="ro-RO" dirty="0"/>
+              <a:t> </a:t>
+            </a:r>
+            <a:r>
+              <a:rPr lang="ro-RO" dirty="0" err="1"/>
+              <a:t>max</a:t>
+            </a:r>
+            <a:r>
+              <a:rPr lang="ro-RO" dirty="0"/>
+              <a:t> </a:t>
+            </a:r>
+            <a:r>
+              <a:rPr lang="ro-RO" dirty="0" err="1"/>
+              <a:t>length</a:t>
+            </a:r>
+            <a:r>
+              <a:rPr lang="ro-RO" dirty="0"/>
+              <a:t>(out of </a:t>
+            </a:r>
+            <a:r>
+              <a:rPr lang="ro-RO" dirty="0" err="1"/>
+              <a:t>memory</a:t>
+            </a:r>
+            <a:r>
+              <a:rPr lang="ro-RO" dirty="0"/>
+              <a:t> </a:t>
+            </a:r>
+            <a:r>
+              <a:rPr lang="ro-RO" dirty="0" err="1"/>
+              <a:t>cuda</a:t>
+            </a:r>
+            <a:r>
+              <a:rPr lang="ro-RO" dirty="0"/>
+              <a:t>)</a:t>
+            </a:r>
+          </a:p>
+        </p:txBody>
+      </p:sp>
+      <p:sp>
+        <p:nvSpPr>
+          <p:cNvPr id="4" name="Substituent număr diapozitiv 3">
+            <a:extLst>
+              <a:ext uri="{FF2B5EF4-FFF2-40B4-BE49-F238E27FC236}">
+                <a16:creationId xmlns:a16="http://schemas.microsoft.com/office/drawing/2014/main" id="{EC8AF425-8148-98A8-B8D8-327576963799}"/>
+              </a:ext>
+            </a:extLst>
+          </p:cNvPr>
+          <p:cNvSpPr>
+            <a:spLocks noGrp="1"/>
+          </p:cNvSpPr>
+          <p:nvPr>
+            <p:ph type="sldNum" idx="12"/>
+          </p:nvPr>
+        </p:nvSpPr>
+        <p:spPr/>
+        <p:txBody>
+          <a:bodyPr/>
+          <a:lstStyle/>
+          <a:p>
+            <a:pPr marL="0" lvl="0" indent="0" algn="r" rtl="0">
+              <a:spcBef>
+                <a:spcPts val="0"/>
+              </a:spcBef>
+              <a:spcAft>
+                <a:spcPts val="0"/>
+              </a:spcAft>
+              <a:buNone/>
+            </a:pPr>
+            <a:fld id="{00000000-1234-1234-1234-123412341234}" type="slidenum">
+              <a:rPr lang="en-US" altLang="zh-TW"/>
+              <a:t>22</a:t>
+            </a:fld>
+            <a:endParaRPr lang="zh-TW" altLang="en-US"/>
+          </a:p>
+        </p:txBody>
+      </p:sp>
+    </p:spTree>
+    <p:extLst>
+      <p:ext uri="{BB962C8B-B14F-4D97-AF65-F5344CB8AC3E}">
+        <p14:creationId xmlns:p14="http://schemas.microsoft.com/office/powerpoint/2010/main" val="320427921"/>
+      </p:ext>
+    </p:extLst>
+  </p:cSld>
+  <p:clrMapOvr>
+    <a:masterClrMapping/>
+  </p:clrMapOvr>
+</p:sld>
+</file>
+
+<file path=ppt/slides/slide23.xml><?xml version="1.0" encoding="utf-8"?>
+<p:sld xmlns:a="http://schemas.openxmlformats.org/drawingml/2006/main" xmlns:r="http://schemas.openxmlformats.org/officeDocument/2006/relationships" xmlns:p="http://schemas.openxmlformats.org/presentationml/2006/main">
+  <p:cSld>
+    <p:spTree>
+      <p:nvGrpSpPr>
+        <p:cNvPr id="1" name=""/>
+        <p:cNvGrpSpPr/>
+        <p:nvPr/>
+      </p:nvGrpSpPr>
+      <p:grpSpPr>
+        <a:xfrm>
+          <a:off x="0" y="0"/>
+          <a:ext cx="0" cy="0"/>
+          <a:chOff x="0" y="0"/>
+          <a:chExt cx="0" cy="0"/>
+        </a:xfrm>
+      </p:grpSpPr>
+      <p:sp>
+        <p:nvSpPr>
+          <p:cNvPr id="2" name="Titlu 1">
+            <a:extLst>
+              <a:ext uri="{FF2B5EF4-FFF2-40B4-BE49-F238E27FC236}">
                 <a16:creationId xmlns:a16="http://schemas.microsoft.com/office/drawing/2014/main" id="{91D1C9BB-9EE3-EF77-AA9A-D55A7B42072E}"/>
               </a:ext>
             </a:extLst>
@@ -9360,7 +9504,7 @@
             </a:pPr>
             <a:fld id="{00000000-1234-1234-1234-123412341234}" type="slidenum">
               <a:rPr lang="en-US" altLang="zh-TW"/>
-              <a:t>22</a:t>
+              <a:t>23</a:t>
             </a:fld>
             <a:endParaRPr lang="zh-TW" altLang="en-US"/>
           </a:p>
@@ -9409,599 +9553,6 @@
 </p:sld>
 </file>
 
-<file path=ppt/slides/slide23.xml><?xml version="1.0" encoding="utf-8"?>
-<p:sld xmlns:a="http://schemas.openxmlformats.org/drawingml/2006/main" xmlns:r="http://schemas.openxmlformats.org/officeDocument/2006/relationships" xmlns:p="http://schemas.openxmlformats.org/presentationml/2006/main">
-  <p:cSld>
-    <p:spTree>
-      <p:nvGrpSpPr>
-        <p:cNvPr id="1" name=""/>
-        <p:cNvGrpSpPr/>
-        <p:nvPr/>
-      </p:nvGrpSpPr>
-      <p:grpSpPr>
-        <a:xfrm>
-          <a:off x="0" y="0"/>
-          <a:ext cx="0" cy="0"/>
-          <a:chOff x="0" y="0"/>
-          <a:chExt cx="0" cy="0"/>
-        </a:xfrm>
-      </p:grpSpPr>
-      <p:sp>
-        <p:nvSpPr>
-          <p:cNvPr id="2" name="Titlu 1">
-            <a:extLst>
-              <a:ext uri="{FF2B5EF4-FFF2-40B4-BE49-F238E27FC236}">
-                <a16:creationId xmlns:a16="http://schemas.microsoft.com/office/drawing/2014/main" id="{11A13E1D-008E-42F7-C376-BE26A543FA3E}"/>
-              </a:ext>
-            </a:extLst>
-          </p:cNvPr>
-          <p:cNvSpPr>
-            <a:spLocks noGrp="1"/>
-          </p:cNvSpPr>
-          <p:nvPr>
-            <p:ph type="title"/>
-          </p:nvPr>
-        </p:nvSpPr>
-        <p:spPr/>
-        <p:txBody>
-          <a:bodyPr/>
-          <a:lstStyle/>
-          <a:p>
-            <a:r>
-              <a:rPr lang="ro-RO" dirty="0"/>
-              <a:t>MY RESULTS</a:t>
-            </a:r>
-          </a:p>
-        </p:txBody>
-      </p:sp>
-      <p:sp>
-        <p:nvSpPr>
-          <p:cNvPr id="3" name="Substituent text 2">
-            <a:extLst>
-              <a:ext uri="{FF2B5EF4-FFF2-40B4-BE49-F238E27FC236}">
-                <a16:creationId xmlns:a16="http://schemas.microsoft.com/office/drawing/2014/main" id="{EE4AD676-40AC-0EBC-C481-6DC2828B7405}"/>
-              </a:ext>
-            </a:extLst>
-          </p:cNvPr>
-          <p:cNvSpPr>
-            <a:spLocks noGrp="1"/>
-          </p:cNvSpPr>
-          <p:nvPr>
-            <p:ph type="body" idx="1"/>
-          </p:nvPr>
-        </p:nvSpPr>
-        <p:spPr/>
-        <p:txBody>
-          <a:bodyPr/>
-          <a:lstStyle/>
-          <a:p>
-            <a:r>
-              <a:rPr lang="ro-RO" dirty="0" err="1"/>
-              <a:t>My</a:t>
-            </a:r>
-            <a:r>
-              <a:rPr lang="ro-RO" dirty="0"/>
-              <a:t> </a:t>
-            </a:r>
-            <a:r>
-              <a:rPr lang="ro-RO" dirty="0" err="1"/>
-              <a:t>Results</a:t>
-            </a:r>
-            <a:r>
-              <a:rPr lang="ro-RO" dirty="0"/>
-              <a:t>: F1-score</a:t>
-            </a:r>
-          </a:p>
-          <a:p>
-            <a:pPr marL="38100" indent="0">
-              <a:buNone/>
-            </a:pPr>
-            <a:r>
-              <a:rPr lang="ro-RO" sz="1000" dirty="0">
-                <a:latin typeface="Consolas"/>
-              </a:rPr>
-              <a:t>-CNN + </a:t>
-            </a:r>
-            <a:r>
-              <a:rPr lang="ro-RO" sz="1000" dirty="0" err="1">
-                <a:latin typeface="Consolas"/>
-              </a:rPr>
-              <a:t>features</a:t>
-            </a:r>
-            <a:r>
-              <a:rPr lang="ro-RO" sz="1000" dirty="0">
-                <a:latin typeface="Consolas"/>
-              </a:rPr>
-              <a:t> : 0.7260375022888184</a:t>
-            </a:r>
-          </a:p>
-          <a:p>
-            <a:pPr marL="38100" indent="0">
-              <a:buNone/>
-            </a:pPr>
-            <a:r>
-              <a:rPr lang="ro-RO" sz="1000" dirty="0">
-                <a:latin typeface="Consolas"/>
-              </a:rPr>
-              <a:t>-CNN : 0.696022689342498</a:t>
-            </a:r>
-            <a:endParaRPr lang="ro-RO" sz="1000">
-              <a:latin typeface="Consolas"/>
-            </a:endParaRPr>
-          </a:p>
-          <a:p>
-            <a:pPr marL="38100" indent="0">
-              <a:buNone/>
-            </a:pPr>
-            <a:r>
-              <a:rPr lang="ro-RO" sz="1000" dirty="0">
-                <a:latin typeface="Consolas"/>
-              </a:rPr>
-              <a:t>-GRU: </a:t>
-            </a:r>
-            <a:r>
-              <a:rPr lang="ro-RO" sz="1000" dirty="0">
-                <a:latin typeface="Consolas"/>
-                <a:ea typeface="+mn-lt"/>
-                <a:cs typeface="+mn-lt"/>
-              </a:rPr>
-              <a:t>0.71282350626768</a:t>
-            </a:r>
-          </a:p>
-          <a:p>
-            <a:pPr marL="38100" indent="0">
-              <a:buNone/>
-            </a:pPr>
-            <a:r>
-              <a:rPr lang="ro-RO" sz="1000" dirty="0">
-                <a:latin typeface="Consolas"/>
-              </a:rPr>
-              <a:t>-GRU + </a:t>
-            </a:r>
-            <a:r>
-              <a:rPr lang="ro-RO" sz="1000" dirty="0" err="1">
-                <a:latin typeface="Consolas"/>
-              </a:rPr>
-              <a:t>features</a:t>
-            </a:r>
-            <a:r>
-              <a:rPr lang="ro-RO" sz="1000" dirty="0">
-                <a:latin typeface="Consolas"/>
-              </a:rPr>
-              <a:t>: </a:t>
-            </a:r>
-            <a:r>
-              <a:rPr lang="ro-RO" sz="1000" dirty="0">
-                <a:latin typeface="Consolas"/>
-                <a:ea typeface="+mn-lt"/>
-                <a:cs typeface="+mn-lt"/>
-              </a:rPr>
-              <a:t>0.7385580334375915</a:t>
-            </a:r>
-          </a:p>
-          <a:p>
-            <a:pPr marL="38100" indent="0">
-              <a:buNone/>
-            </a:pPr>
-            <a:r>
-              <a:rPr lang="ro-RO" sz="1000" dirty="0">
-                <a:latin typeface="Consolas"/>
-              </a:rPr>
-              <a:t>- 1-3-grams </a:t>
-            </a:r>
-            <a:r>
-              <a:rPr lang="ro-RO" sz="1000" dirty="0" err="1">
-                <a:latin typeface="Consolas"/>
-              </a:rPr>
-              <a:t>baseline</a:t>
-            </a:r>
-            <a:r>
-              <a:rPr lang="ro-RO" sz="1000" dirty="0">
-                <a:latin typeface="Consolas"/>
-              </a:rPr>
-              <a:t>: 0.7396470588235294 </a:t>
-            </a:r>
-          </a:p>
-          <a:p>
-            <a:pPr marL="38100" indent="0">
-              <a:buNone/>
-            </a:pPr>
-            <a:r>
-              <a:rPr lang="ro-RO" sz="1000" dirty="0">
-                <a:latin typeface="Consolas"/>
-              </a:rPr>
-              <a:t>- 1-3-grams + </a:t>
-            </a:r>
-            <a:r>
-              <a:rPr lang="ro-RO" sz="1000" dirty="0" err="1">
-                <a:latin typeface="Consolas"/>
-              </a:rPr>
-              <a:t>features</a:t>
-            </a:r>
-            <a:r>
-              <a:rPr lang="ro-RO" sz="1000" dirty="0">
-                <a:latin typeface="Consolas"/>
-              </a:rPr>
-              <a:t>: 0.765625</a:t>
-            </a:r>
-          </a:p>
-          <a:p>
-            <a:pPr marL="38100" indent="0">
-              <a:buNone/>
-            </a:pPr>
-            <a:r>
-              <a:rPr lang="ro-RO" sz="1000" dirty="0">
-                <a:latin typeface="Consolas"/>
-              </a:rPr>
-              <a:t>- </a:t>
-            </a:r>
-            <a:r>
-              <a:rPr lang="ro-RO" sz="1000" dirty="0" err="1">
-                <a:latin typeface="Consolas"/>
-              </a:rPr>
-              <a:t>bert</a:t>
-            </a:r>
-            <a:r>
-              <a:rPr lang="ro-RO" sz="1000" dirty="0">
-                <a:latin typeface="Consolas"/>
-              </a:rPr>
-              <a:t>: </a:t>
-            </a:r>
-            <a:r>
-              <a:rPr lang="ro-RO" sz="1000" dirty="0">
-                <a:latin typeface="Consolas"/>
-                <a:ea typeface="+mn-lt"/>
-                <a:cs typeface="+mn-lt"/>
-              </a:rPr>
-              <a:t>0.796713643680769 (</a:t>
-            </a:r>
-            <a:r>
-              <a:rPr lang="ro-RO" sz="1000" dirty="0" err="1">
-                <a:latin typeface="Consolas"/>
-                <a:ea typeface="+mn-lt"/>
-                <a:cs typeface="+mn-lt"/>
-              </a:rPr>
-              <a:t>due</a:t>
-            </a:r>
-            <a:r>
-              <a:rPr lang="ro-RO" sz="1000" dirty="0">
-                <a:latin typeface="Consolas"/>
-                <a:ea typeface="+mn-lt"/>
-                <a:cs typeface="+mn-lt"/>
-              </a:rPr>
-              <a:t> </a:t>
-            </a:r>
-            <a:r>
-              <a:rPr lang="ro-RO" sz="1000" dirty="0" err="1">
-                <a:latin typeface="Consolas"/>
-                <a:ea typeface="+mn-lt"/>
-                <a:cs typeface="+mn-lt"/>
-              </a:rPr>
-              <a:t>to</a:t>
-            </a:r>
-            <a:r>
-              <a:rPr lang="ro-RO" sz="1000" dirty="0">
-                <a:latin typeface="Consolas"/>
-                <a:ea typeface="+mn-lt"/>
-                <a:cs typeface="+mn-lt"/>
-              </a:rPr>
-              <a:t> </a:t>
-            </a:r>
-            <a:r>
-              <a:rPr lang="ro-RO" sz="1000" dirty="0" err="1">
-                <a:latin typeface="Consolas"/>
-                <a:ea typeface="+mn-lt"/>
-                <a:cs typeface="+mn-lt"/>
-              </a:rPr>
-              <a:t>lower</a:t>
-            </a:r>
-            <a:r>
-              <a:rPr lang="ro-RO" sz="1000" dirty="0">
-                <a:latin typeface="Consolas"/>
-                <a:ea typeface="+mn-lt"/>
-                <a:cs typeface="+mn-lt"/>
-              </a:rPr>
-              <a:t> </a:t>
-            </a:r>
-            <a:r>
-              <a:rPr lang="ro-RO" sz="1000" dirty="0" err="1">
-                <a:latin typeface="Consolas"/>
-                <a:ea typeface="+mn-lt"/>
-                <a:cs typeface="+mn-lt"/>
-              </a:rPr>
-              <a:t>sequence</a:t>
-            </a:r>
-            <a:r>
-              <a:rPr lang="ro-RO" sz="1000" dirty="0">
-                <a:latin typeface="Consolas"/>
-                <a:ea typeface="+mn-lt"/>
-                <a:cs typeface="+mn-lt"/>
-              </a:rPr>
-              <a:t> </a:t>
-            </a:r>
-            <a:r>
-              <a:rPr lang="ro-RO" sz="1000" dirty="0" err="1">
-                <a:latin typeface="Consolas"/>
-                <a:ea typeface="+mn-lt"/>
-                <a:cs typeface="+mn-lt"/>
-              </a:rPr>
-              <a:t>length</a:t>
-            </a:r>
-            <a:r>
-              <a:rPr lang="ro-RO" sz="1000" dirty="0">
-                <a:latin typeface="Consolas"/>
-                <a:ea typeface="+mn-lt"/>
-                <a:cs typeface="+mn-lt"/>
-              </a:rPr>
-              <a:t>)</a:t>
-            </a:r>
-          </a:p>
-          <a:p>
-            <a:pPr marL="38100" indent="0">
-              <a:buNone/>
-            </a:pPr>
-            <a:r>
-              <a:rPr lang="ro-RO" sz="1000" dirty="0">
-                <a:latin typeface="Consolas"/>
-              </a:rPr>
-              <a:t>-</a:t>
-            </a:r>
-            <a:r>
-              <a:rPr lang="ro-RO" sz="1000" dirty="0" err="1">
-                <a:latin typeface="Consolas"/>
-              </a:rPr>
-              <a:t>logreg</a:t>
-            </a:r>
-            <a:r>
-              <a:rPr lang="ro-RO" sz="1000" dirty="0">
-                <a:latin typeface="Consolas"/>
-              </a:rPr>
-              <a:t> + </a:t>
-            </a:r>
-            <a:r>
-              <a:rPr lang="ro-RO" sz="1000" dirty="0" err="1">
-                <a:latin typeface="Consolas"/>
-              </a:rPr>
-              <a:t>pretrained</a:t>
-            </a:r>
-            <a:r>
-              <a:rPr lang="ro-RO" sz="1000" dirty="0">
-                <a:latin typeface="Consolas"/>
-              </a:rPr>
-              <a:t> word2vec + </a:t>
-            </a:r>
-            <a:r>
-              <a:rPr lang="ro-RO" sz="1000" dirty="0" err="1">
-                <a:latin typeface="Consolas"/>
-              </a:rPr>
-              <a:t>features</a:t>
-            </a:r>
-            <a:r>
-              <a:rPr lang="ro-RO" sz="1000" dirty="0">
-                <a:latin typeface="Consolas"/>
-              </a:rPr>
-              <a:t>: 0.7716899224806202</a:t>
-            </a:r>
-          </a:p>
-          <a:p>
-            <a:pPr marL="38100" indent="0">
-              <a:buNone/>
-            </a:pPr>
-            <a:r>
-              <a:rPr lang="ro-RO" sz="1000" dirty="0">
-                <a:latin typeface="Consolas"/>
-              </a:rPr>
-              <a:t>-</a:t>
-            </a:r>
-            <a:r>
-              <a:rPr lang="ro-RO" sz="1000" dirty="0" err="1">
-                <a:latin typeface="Consolas"/>
-              </a:rPr>
-              <a:t>logreg</a:t>
-            </a:r>
-            <a:r>
-              <a:rPr lang="ro-RO" sz="1000" dirty="0">
-                <a:latin typeface="Consolas"/>
-              </a:rPr>
-              <a:t> + </a:t>
-            </a:r>
-            <a:r>
-              <a:rPr lang="ro-RO" sz="1000" dirty="0" err="1">
-                <a:latin typeface="Consolas"/>
-              </a:rPr>
-              <a:t>domain</a:t>
-            </a:r>
-            <a:r>
-              <a:rPr lang="ro-RO" sz="1000" dirty="0">
-                <a:latin typeface="Consolas"/>
-              </a:rPr>
-              <a:t> word2vec + </a:t>
-            </a:r>
-            <a:r>
-              <a:rPr lang="ro-RO" sz="1000" dirty="0" err="1">
-                <a:latin typeface="Consolas"/>
-              </a:rPr>
-              <a:t>features</a:t>
-            </a:r>
-            <a:r>
-              <a:rPr lang="ro-RO" sz="1000" dirty="0">
-                <a:latin typeface="Consolas"/>
-              </a:rPr>
-              <a:t>: 0.786038961038961</a:t>
-            </a:r>
-          </a:p>
-          <a:p>
-            <a:pPr marL="38100" indent="0">
-              <a:buNone/>
-            </a:pPr>
-            <a:r>
-              <a:rPr lang="ro-RO" sz="1000" dirty="0">
-                <a:latin typeface="Consolas"/>
-              </a:rPr>
-              <a:t>-</a:t>
-            </a:r>
-            <a:r>
-              <a:rPr lang="ro-RO" sz="1000" dirty="0" err="1">
-                <a:latin typeface="Consolas"/>
-              </a:rPr>
-              <a:t>logreg</a:t>
-            </a:r>
-            <a:r>
-              <a:rPr lang="ro-RO" sz="1000" dirty="0">
-                <a:latin typeface="Consolas"/>
-              </a:rPr>
-              <a:t> + </a:t>
-            </a:r>
-            <a:r>
-              <a:rPr lang="ro-RO" sz="1000" dirty="0" err="1">
-                <a:latin typeface="Consolas"/>
-              </a:rPr>
-              <a:t>bert</a:t>
-            </a:r>
-            <a:r>
-              <a:rPr lang="ro-RO" sz="1000" dirty="0">
-                <a:latin typeface="Consolas"/>
-              </a:rPr>
-              <a:t> </a:t>
-            </a:r>
-            <a:r>
-              <a:rPr lang="ro-RO" sz="1000" dirty="0" err="1">
-                <a:latin typeface="Consolas"/>
-              </a:rPr>
-              <a:t>embeddings</a:t>
-            </a:r>
-            <a:r>
-              <a:rPr lang="ro-RO" sz="1000" dirty="0">
-                <a:latin typeface="Consolas"/>
-              </a:rPr>
-              <a:t> + </a:t>
-            </a:r>
-            <a:r>
-              <a:rPr lang="ro-RO" sz="1000" dirty="0" err="1">
-                <a:latin typeface="Consolas"/>
-              </a:rPr>
-              <a:t>features</a:t>
-            </a:r>
-            <a:r>
-              <a:rPr lang="ro-RO" sz="1000" dirty="0">
-                <a:latin typeface="Consolas"/>
-              </a:rPr>
-              <a:t>: 0.772238961038961 (</a:t>
-            </a:r>
-            <a:r>
-              <a:rPr lang="ro-RO" sz="1000" dirty="0" err="1">
-                <a:latin typeface="Consolas"/>
-              </a:rPr>
-              <a:t>due</a:t>
-            </a:r>
-            <a:r>
-              <a:rPr lang="ro-RO" sz="1000" dirty="0">
-                <a:latin typeface="Consolas"/>
-              </a:rPr>
-              <a:t> </a:t>
-            </a:r>
-            <a:r>
-              <a:rPr lang="ro-RO" sz="1000" dirty="0" err="1">
-                <a:latin typeface="Consolas"/>
-              </a:rPr>
-              <a:t>to</a:t>
-            </a:r>
-            <a:r>
-              <a:rPr lang="ro-RO" sz="1000" dirty="0">
-                <a:latin typeface="Consolas"/>
-              </a:rPr>
-              <a:t> </a:t>
-            </a:r>
-            <a:r>
-              <a:rPr lang="ro-RO" sz="1000" dirty="0" err="1">
-                <a:latin typeface="Consolas"/>
-              </a:rPr>
-              <a:t>lower</a:t>
-            </a:r>
-            <a:r>
-              <a:rPr lang="ro-RO" sz="1000" dirty="0">
-                <a:latin typeface="Consolas"/>
-              </a:rPr>
-              <a:t> </a:t>
-            </a:r>
-            <a:r>
-              <a:rPr lang="ro-RO" sz="1000" dirty="0" err="1">
-                <a:latin typeface="Consolas"/>
-              </a:rPr>
-              <a:t>sequence</a:t>
-            </a:r>
-            <a:r>
-              <a:rPr lang="ro-RO" sz="1000" dirty="0">
-                <a:latin typeface="Consolas"/>
-              </a:rPr>
-              <a:t> </a:t>
-            </a:r>
-            <a:r>
-              <a:rPr lang="ro-RO" sz="1000" dirty="0" err="1">
-                <a:latin typeface="Consolas"/>
-              </a:rPr>
-              <a:t>length</a:t>
-            </a:r>
-            <a:r>
-              <a:rPr lang="ro-RO" sz="1000" dirty="0">
-                <a:latin typeface="Consolas"/>
-              </a:rPr>
-              <a:t>)</a:t>
-            </a:r>
-          </a:p>
-        </p:txBody>
-      </p:sp>
-      <p:sp>
-        <p:nvSpPr>
-          <p:cNvPr id="4" name="Substituent număr diapozitiv 3">
-            <a:extLst>
-              <a:ext uri="{FF2B5EF4-FFF2-40B4-BE49-F238E27FC236}">
-                <a16:creationId xmlns:a16="http://schemas.microsoft.com/office/drawing/2014/main" id="{2A394024-5608-EBFD-B310-B8913151887C}"/>
-              </a:ext>
-            </a:extLst>
-          </p:cNvPr>
-          <p:cNvSpPr>
-            <a:spLocks noGrp="1"/>
-          </p:cNvSpPr>
-          <p:nvPr>
-            <p:ph type="sldNum" idx="12"/>
-          </p:nvPr>
-        </p:nvSpPr>
-        <p:spPr/>
-        <p:txBody>
-          <a:bodyPr/>
-          <a:lstStyle/>
-          <a:p>
-            <a:pPr marL="0" lvl="0" indent="0" algn="r" rtl="0">
-              <a:spcBef>
-                <a:spcPts val="0"/>
-              </a:spcBef>
-              <a:spcAft>
-                <a:spcPts val="0"/>
-              </a:spcAft>
-              <a:buNone/>
-            </a:pPr>
-            <a:fld id="{00000000-1234-1234-1234-123412341234}" type="slidenum">
-              <a:rPr lang="en-US" altLang="zh-TW"/>
-              <a:t>23</a:t>
-            </a:fld>
-            <a:endParaRPr lang="zh-TW" altLang="en-US"/>
-          </a:p>
-        </p:txBody>
-      </p:sp>
-    </p:spTree>
-    <p:extLst>
-      <p:ext uri="{BB962C8B-B14F-4D97-AF65-F5344CB8AC3E}">
-        <p14:creationId xmlns:p14="http://schemas.microsoft.com/office/powerpoint/2010/main" val="3753777705"/>
-      </p:ext>
-    </p:extLst>
-  </p:cSld>
-  <p:clrMapOvr>
-    <a:masterClrMapping/>
-  </p:clrMapOvr>
-</p:sld>
-</file>
-
 <file path=ppt/slides/slide24.xml><?xml version="1.0" encoding="utf-8"?>
 <p:sld xmlns:a="http://schemas.openxmlformats.org/drawingml/2006/main" xmlns:r="http://schemas.openxmlformats.org/officeDocument/2006/relationships" xmlns:p="http://schemas.openxmlformats.org/presentationml/2006/main">
   <p:cSld>
@@ -10024,7 +9575,7 @@
           <p:cNvPr id="2" name="Titlu 1">
             <a:extLst>
               <a:ext uri="{FF2B5EF4-FFF2-40B4-BE49-F238E27FC236}">
-                <a16:creationId xmlns:a16="http://schemas.microsoft.com/office/drawing/2014/main" id="{9663CDBC-612D-2A28-B7D0-A6EFC1BD0326}"/>
+                <a16:creationId xmlns:a16="http://schemas.microsoft.com/office/drawing/2014/main" id="{11A13E1D-008E-42F7-C376-BE26A543FA3E}"/>
               </a:ext>
             </a:extLst>
           </p:cNvPr>
@@ -10042,11 +9593,7 @@
           <a:p>
             <a:r>
               <a:rPr lang="ro-RO" dirty="0"/>
-              <a:t>PAPER </a:t>
-            </a:r>
-            <a:r>
-              <a:rPr lang="ro-RO" dirty="0" err="1"/>
-              <a:t>results</a:t>
+              <a:t>MY RESULTS</a:t>
             </a:r>
           </a:p>
         </p:txBody>
@@ -10056,7 +9603,7 @@
           <p:cNvPr id="3" name="Substituent text 2">
             <a:extLst>
               <a:ext uri="{FF2B5EF4-FFF2-40B4-BE49-F238E27FC236}">
-                <a16:creationId xmlns:a16="http://schemas.microsoft.com/office/drawing/2014/main" id="{306103CE-888C-9BAF-D9EA-F9FD1410FD78}"/>
+                <a16:creationId xmlns:a16="http://schemas.microsoft.com/office/drawing/2014/main" id="{EE4AD676-40AC-0EBC-C481-6DC2828B7405}"/>
               </a:ext>
             </a:extLst>
           </p:cNvPr>
@@ -10074,7 +9621,7 @@
           <a:p>
             <a:r>
               <a:rPr lang="ro-RO" dirty="0" err="1"/>
-              <a:t>Paper</a:t>
+              <a:t>My</a:t>
             </a:r>
             <a:r>
               <a:rPr lang="ro-RO" dirty="0"/>
@@ -10082,11 +9629,502 @@
             </a:r>
             <a:r>
               <a:rPr lang="ro-RO" dirty="0" err="1"/>
-              <a:t>results</a:t>
-            </a:r>
-          </a:p>
-          <a:p>
-            <a:endParaRPr lang="ro-RO" dirty="0"/>
+              <a:t>Results</a:t>
+            </a:r>
+            <a:r>
+              <a:rPr lang="ro-RO" dirty="0"/>
+              <a:t>: F1-score</a:t>
+            </a:r>
+          </a:p>
+          <a:p>
+            <a:pPr marL="38100" indent="0">
+              <a:buNone/>
+            </a:pPr>
+            <a:r>
+              <a:rPr lang="ro-RO" sz="1000" dirty="0">
+                <a:latin typeface="Consolas"/>
+              </a:rPr>
+              <a:t>-CNN + </a:t>
+            </a:r>
+            <a:r>
+              <a:rPr lang="ro-RO" sz="1000" dirty="0" err="1">
+                <a:latin typeface="Consolas"/>
+              </a:rPr>
+              <a:t>features</a:t>
+            </a:r>
+            <a:r>
+              <a:rPr lang="ro-RO" sz="1000" dirty="0">
+                <a:latin typeface="Consolas"/>
+              </a:rPr>
+              <a:t> : 0.7260375022888184</a:t>
+            </a:r>
+          </a:p>
+          <a:p>
+            <a:pPr marL="38100" indent="0">
+              <a:buNone/>
+            </a:pPr>
+            <a:r>
+              <a:rPr lang="ro-RO" sz="1000" dirty="0">
+                <a:latin typeface="Consolas"/>
+              </a:rPr>
+              <a:t>-CNN : 0.696022689342498</a:t>
+            </a:r>
+          </a:p>
+          <a:p>
+            <a:pPr marL="38100" indent="0">
+              <a:buNone/>
+            </a:pPr>
+            <a:r>
+              <a:rPr lang="ro-RO" sz="1000" dirty="0">
+                <a:latin typeface="Consolas"/>
+              </a:rPr>
+              <a:t>-GRU: </a:t>
+            </a:r>
+            <a:r>
+              <a:rPr lang="ro-RO" sz="1000" dirty="0">
+                <a:latin typeface="Consolas"/>
+                <a:ea typeface="+mn-lt"/>
+                <a:cs typeface="+mn-lt"/>
+              </a:rPr>
+              <a:t>0.71282350626768</a:t>
+            </a:r>
+          </a:p>
+          <a:p>
+            <a:pPr marL="38100" indent="0">
+              <a:buNone/>
+            </a:pPr>
+            <a:r>
+              <a:rPr lang="ro-RO" sz="1000" dirty="0">
+                <a:latin typeface="Consolas"/>
+              </a:rPr>
+              <a:t>-GRU + </a:t>
+            </a:r>
+            <a:r>
+              <a:rPr lang="ro-RO" sz="1000" dirty="0" err="1">
+                <a:latin typeface="Consolas"/>
+              </a:rPr>
+              <a:t>features</a:t>
+            </a:r>
+            <a:r>
+              <a:rPr lang="ro-RO" sz="1000" dirty="0">
+                <a:latin typeface="Consolas"/>
+              </a:rPr>
+              <a:t>: </a:t>
+            </a:r>
+            <a:r>
+              <a:rPr lang="ro-RO" sz="1000" dirty="0">
+                <a:latin typeface="Consolas"/>
+                <a:ea typeface="+mn-lt"/>
+                <a:cs typeface="+mn-lt"/>
+              </a:rPr>
+              <a:t>0.7385580334375915</a:t>
+            </a:r>
+          </a:p>
+          <a:p>
+            <a:pPr marL="38100" indent="0">
+              <a:buNone/>
+            </a:pPr>
+            <a:r>
+              <a:rPr lang="ro-RO" sz="1000" dirty="0">
+                <a:latin typeface="Consolas"/>
+              </a:rPr>
+              <a:t>-1-grams </a:t>
+            </a:r>
+            <a:r>
+              <a:rPr lang="ro-RO" sz="1000" dirty="0" err="1">
+                <a:latin typeface="Consolas"/>
+              </a:rPr>
+              <a:t>baseline</a:t>
+            </a:r>
+            <a:r>
+              <a:rPr lang="ro-RO" sz="1000" dirty="0">
+                <a:latin typeface="Consolas"/>
+              </a:rPr>
+              <a:t> </a:t>
+            </a:r>
+            <a:r>
+              <a:rPr lang="ro-RO" sz="1000" dirty="0" err="1">
+                <a:latin typeface="Consolas"/>
+              </a:rPr>
+              <a:t>sklearn</a:t>
+            </a:r>
+            <a:r>
+              <a:rPr lang="ro-RO" sz="1000" dirty="0">
+                <a:latin typeface="Consolas"/>
+              </a:rPr>
+              <a:t> </a:t>
+            </a:r>
+            <a:r>
+              <a:rPr lang="ro-RO" sz="1000" dirty="0" err="1">
+                <a:latin typeface="Consolas"/>
+              </a:rPr>
+              <a:t>models</a:t>
+            </a:r>
+            <a:r>
+              <a:rPr lang="ro-RO" sz="1000" dirty="0">
+                <a:latin typeface="Consolas"/>
+              </a:rPr>
+              <a:t>: 0.7396470588235294 </a:t>
+            </a:r>
+          </a:p>
+          <a:p>
+            <a:pPr marL="38100" indent="0">
+              <a:buNone/>
+            </a:pPr>
+            <a:r>
+              <a:rPr lang="ro-RO" sz="1000" dirty="0">
+                <a:latin typeface="Consolas"/>
+              </a:rPr>
+              <a:t>-</a:t>
+            </a:r>
+            <a:r>
+              <a:rPr lang="ro-RO" sz="1000" dirty="0" err="1">
+                <a:latin typeface="Consolas"/>
+              </a:rPr>
+              <a:t>Logreg</a:t>
+            </a:r>
+            <a:r>
+              <a:rPr lang="ro-RO" sz="1000" dirty="0">
+                <a:latin typeface="Consolas"/>
+              </a:rPr>
+              <a:t> + 1-3-grams + </a:t>
+            </a:r>
+            <a:r>
+              <a:rPr lang="ro-RO" sz="1000" dirty="0" err="1">
+                <a:latin typeface="Consolas"/>
+              </a:rPr>
+              <a:t>features</a:t>
+            </a:r>
+            <a:r>
+              <a:rPr lang="ro-RO" sz="1000" dirty="0">
+                <a:latin typeface="Consolas"/>
+              </a:rPr>
+              <a:t>: 0.765625</a:t>
+            </a:r>
+          </a:p>
+          <a:p>
+            <a:pPr marL="38100" indent="0">
+              <a:buNone/>
+            </a:pPr>
+            <a:r>
+              <a:rPr lang="ro-RO" sz="1000" dirty="0">
+                <a:latin typeface="Consolas"/>
+              </a:rPr>
+              <a:t>-</a:t>
+            </a:r>
+            <a:r>
+              <a:rPr lang="ro-RO" sz="1000" dirty="0" err="1">
+                <a:latin typeface="Consolas"/>
+              </a:rPr>
+              <a:t>bert</a:t>
+            </a:r>
+            <a:r>
+              <a:rPr lang="ro-RO" sz="1000" dirty="0">
+                <a:latin typeface="Consolas"/>
+              </a:rPr>
+              <a:t>: </a:t>
+            </a:r>
+            <a:r>
+              <a:rPr lang="ro-RO" sz="1000" dirty="0">
+                <a:latin typeface="Consolas"/>
+                <a:ea typeface="+mn-lt"/>
+                <a:cs typeface="+mn-lt"/>
+              </a:rPr>
+              <a:t>0.796713643680769 (</a:t>
+            </a:r>
+            <a:r>
+              <a:rPr lang="ro-RO" sz="1000" dirty="0" err="1">
+                <a:latin typeface="Consolas"/>
+                <a:ea typeface="+mn-lt"/>
+                <a:cs typeface="+mn-lt"/>
+              </a:rPr>
+              <a:t>due</a:t>
+            </a:r>
+            <a:r>
+              <a:rPr lang="ro-RO" sz="1000" dirty="0">
+                <a:latin typeface="Consolas"/>
+                <a:ea typeface="+mn-lt"/>
+                <a:cs typeface="+mn-lt"/>
+              </a:rPr>
+              <a:t> </a:t>
+            </a:r>
+            <a:r>
+              <a:rPr lang="ro-RO" sz="1000" dirty="0" err="1">
+                <a:latin typeface="Consolas"/>
+                <a:ea typeface="+mn-lt"/>
+                <a:cs typeface="+mn-lt"/>
+              </a:rPr>
+              <a:t>to</a:t>
+            </a:r>
+            <a:r>
+              <a:rPr lang="ro-RO" sz="1000" dirty="0">
+                <a:latin typeface="Consolas"/>
+                <a:ea typeface="+mn-lt"/>
+                <a:cs typeface="+mn-lt"/>
+              </a:rPr>
+              <a:t> </a:t>
+            </a:r>
+            <a:r>
+              <a:rPr lang="ro-RO" sz="1000" dirty="0" err="1">
+                <a:latin typeface="Consolas"/>
+                <a:ea typeface="+mn-lt"/>
+                <a:cs typeface="+mn-lt"/>
+              </a:rPr>
+              <a:t>lower</a:t>
+            </a:r>
+            <a:r>
+              <a:rPr lang="ro-RO" sz="1000" dirty="0">
+                <a:latin typeface="Consolas"/>
+                <a:ea typeface="+mn-lt"/>
+                <a:cs typeface="+mn-lt"/>
+              </a:rPr>
+              <a:t> </a:t>
+            </a:r>
+            <a:r>
+              <a:rPr lang="ro-RO" sz="1000" dirty="0" err="1">
+                <a:latin typeface="Consolas"/>
+                <a:ea typeface="+mn-lt"/>
+                <a:cs typeface="+mn-lt"/>
+              </a:rPr>
+              <a:t>sequence</a:t>
+            </a:r>
+            <a:r>
+              <a:rPr lang="ro-RO" sz="1000" dirty="0">
+                <a:latin typeface="Consolas"/>
+                <a:ea typeface="+mn-lt"/>
+                <a:cs typeface="+mn-lt"/>
+              </a:rPr>
+              <a:t> </a:t>
+            </a:r>
+            <a:r>
+              <a:rPr lang="ro-RO" sz="1000" dirty="0" err="1">
+                <a:latin typeface="Consolas"/>
+                <a:ea typeface="+mn-lt"/>
+                <a:cs typeface="+mn-lt"/>
+              </a:rPr>
+              <a:t>length</a:t>
+            </a:r>
+            <a:r>
+              <a:rPr lang="ro-RO" sz="1000" dirty="0">
+                <a:latin typeface="Consolas"/>
+                <a:ea typeface="+mn-lt"/>
+                <a:cs typeface="+mn-lt"/>
+              </a:rPr>
+              <a:t>)</a:t>
+            </a:r>
+          </a:p>
+          <a:p>
+            <a:pPr marL="38100" indent="0">
+              <a:buNone/>
+            </a:pPr>
+            <a:r>
+              <a:rPr lang="ro-RO" sz="1000" dirty="0">
+                <a:latin typeface="Consolas"/>
+              </a:rPr>
+              <a:t>-</a:t>
+            </a:r>
+            <a:r>
+              <a:rPr lang="ro-RO" sz="1000" dirty="0" err="1">
+                <a:latin typeface="Consolas"/>
+              </a:rPr>
+              <a:t>logreg</a:t>
+            </a:r>
+            <a:r>
+              <a:rPr lang="ro-RO" sz="1000" dirty="0">
+                <a:latin typeface="Consolas"/>
+              </a:rPr>
+              <a:t> + </a:t>
+            </a:r>
+            <a:r>
+              <a:rPr lang="ro-RO" sz="1000" dirty="0" err="1">
+                <a:latin typeface="Consolas"/>
+              </a:rPr>
+              <a:t>pretrained</a:t>
+            </a:r>
+            <a:r>
+              <a:rPr lang="ro-RO" sz="1000" dirty="0">
+                <a:latin typeface="Consolas"/>
+              </a:rPr>
+              <a:t> word2vec + </a:t>
+            </a:r>
+            <a:r>
+              <a:rPr lang="ro-RO" sz="1000" dirty="0" err="1">
+                <a:latin typeface="Consolas"/>
+              </a:rPr>
+              <a:t>features</a:t>
+            </a:r>
+            <a:r>
+              <a:rPr lang="ro-RO" sz="1000" dirty="0">
+                <a:latin typeface="Consolas"/>
+              </a:rPr>
+              <a:t>: 0.7716899224806202</a:t>
+            </a:r>
+          </a:p>
+          <a:p>
+            <a:pPr marL="38100" indent="0">
+              <a:buNone/>
+            </a:pPr>
+            <a:r>
+              <a:rPr lang="ro-RO" sz="1000" dirty="0">
+                <a:latin typeface="Consolas"/>
+              </a:rPr>
+              <a:t>-</a:t>
+            </a:r>
+            <a:r>
+              <a:rPr lang="ro-RO" sz="1000" dirty="0" err="1">
+                <a:latin typeface="Consolas"/>
+              </a:rPr>
+              <a:t>logreg</a:t>
+            </a:r>
+            <a:r>
+              <a:rPr lang="ro-RO" sz="1000" dirty="0">
+                <a:latin typeface="Consolas"/>
+              </a:rPr>
+              <a:t> + </a:t>
+            </a:r>
+            <a:r>
+              <a:rPr lang="ro-RO" sz="1000" dirty="0" err="1">
+                <a:latin typeface="Consolas"/>
+              </a:rPr>
+              <a:t>domain</a:t>
+            </a:r>
+            <a:r>
+              <a:rPr lang="ro-RO" sz="1000" dirty="0">
+                <a:latin typeface="Consolas"/>
+              </a:rPr>
+              <a:t> word2vec + </a:t>
+            </a:r>
+            <a:r>
+              <a:rPr lang="ro-RO" sz="1000" dirty="0" err="1">
+                <a:latin typeface="Consolas"/>
+              </a:rPr>
+              <a:t>features</a:t>
+            </a:r>
+            <a:r>
+              <a:rPr lang="ro-RO" sz="1000" dirty="0">
+                <a:latin typeface="Consolas"/>
+              </a:rPr>
+              <a:t>: 0.786038961038961</a:t>
+            </a:r>
+          </a:p>
+          <a:p>
+            <a:pPr marL="38100" indent="0">
+              <a:buNone/>
+            </a:pPr>
+            <a:r>
+              <a:rPr lang="ro-RO" sz="1000" dirty="0">
+                <a:latin typeface="Consolas"/>
+              </a:rPr>
+              <a:t>-</a:t>
+            </a:r>
+            <a:r>
+              <a:rPr lang="ro-RO" sz="1000" dirty="0" err="1">
+                <a:latin typeface="Consolas"/>
+              </a:rPr>
+              <a:t>logreg</a:t>
+            </a:r>
+            <a:r>
+              <a:rPr lang="ro-RO" sz="1000" dirty="0">
+                <a:latin typeface="Consolas"/>
+              </a:rPr>
+              <a:t> + </a:t>
+            </a:r>
+            <a:r>
+              <a:rPr lang="ro-RO" sz="1000" dirty="0" err="1">
+                <a:latin typeface="Consolas"/>
+              </a:rPr>
+              <a:t>bert</a:t>
+            </a:r>
+            <a:r>
+              <a:rPr lang="ro-RO" sz="1000" dirty="0">
+                <a:latin typeface="Consolas"/>
+              </a:rPr>
+              <a:t> </a:t>
+            </a:r>
+            <a:r>
+              <a:rPr lang="ro-RO" sz="1000" dirty="0" err="1">
+                <a:latin typeface="Consolas"/>
+              </a:rPr>
+              <a:t>embeddings</a:t>
+            </a:r>
+            <a:r>
+              <a:rPr lang="ro-RO" sz="1000" dirty="0">
+                <a:latin typeface="Consolas"/>
+              </a:rPr>
+              <a:t> + </a:t>
+            </a:r>
+            <a:r>
+              <a:rPr lang="ro-RO" sz="1000" dirty="0" err="1">
+                <a:latin typeface="Consolas"/>
+              </a:rPr>
+              <a:t>features</a:t>
+            </a:r>
+            <a:r>
+              <a:rPr lang="ro-RO" sz="1000" dirty="0">
+                <a:latin typeface="Consolas"/>
+              </a:rPr>
+              <a:t>: 0.772238961038961 (</a:t>
+            </a:r>
+            <a:r>
+              <a:rPr lang="ro-RO" sz="1000" dirty="0" err="1">
+                <a:latin typeface="Consolas"/>
+              </a:rPr>
+              <a:t>due</a:t>
+            </a:r>
+            <a:r>
+              <a:rPr lang="ro-RO" sz="1000" dirty="0">
+                <a:latin typeface="Consolas"/>
+              </a:rPr>
+              <a:t> </a:t>
+            </a:r>
+            <a:r>
+              <a:rPr lang="ro-RO" sz="1000" dirty="0" err="1">
+                <a:latin typeface="Consolas"/>
+              </a:rPr>
+              <a:t>to</a:t>
+            </a:r>
+            <a:r>
+              <a:rPr lang="ro-RO" sz="1000" dirty="0">
+                <a:latin typeface="Consolas"/>
+              </a:rPr>
+              <a:t> </a:t>
+            </a:r>
+            <a:r>
+              <a:rPr lang="ro-RO" sz="1000" dirty="0" err="1">
+                <a:latin typeface="Consolas"/>
+              </a:rPr>
+              <a:t>lower</a:t>
+            </a:r>
+            <a:r>
+              <a:rPr lang="ro-RO" sz="1000" dirty="0">
+                <a:latin typeface="Consolas"/>
+              </a:rPr>
+              <a:t> </a:t>
+            </a:r>
+            <a:r>
+              <a:rPr lang="ro-RO" sz="1000" dirty="0" err="1">
+                <a:latin typeface="Consolas"/>
+              </a:rPr>
+              <a:t>sequence</a:t>
+            </a:r>
+            <a:r>
+              <a:rPr lang="ro-RO" sz="1000" dirty="0">
+                <a:latin typeface="Consolas"/>
+              </a:rPr>
+              <a:t> </a:t>
+            </a:r>
+            <a:r>
+              <a:rPr lang="ro-RO" sz="1000" dirty="0" err="1">
+                <a:latin typeface="Consolas"/>
+              </a:rPr>
+              <a:t>length</a:t>
+            </a:r>
+            <a:r>
+              <a:rPr lang="ro-RO" sz="1000" dirty="0">
+                <a:latin typeface="Consolas"/>
+              </a:rPr>
+              <a:t>)</a:t>
+            </a:r>
           </a:p>
         </p:txBody>
       </p:sp>
@@ -10095,7 +10133,7 @@
           <p:cNvPr id="4" name="Substituent număr diapozitiv 3">
             <a:extLst>
               <a:ext uri="{FF2B5EF4-FFF2-40B4-BE49-F238E27FC236}">
-                <a16:creationId xmlns:a16="http://schemas.microsoft.com/office/drawing/2014/main" id="{95B00D4B-9EFB-5289-0DA3-BD77E086C335}"/>
+                <a16:creationId xmlns:a16="http://schemas.microsoft.com/office/drawing/2014/main" id="{2A394024-5608-EBFD-B310-B8913151887C}"/>
               </a:ext>
             </a:extLst>
           </p:cNvPr>
@@ -10128,40 +10166,10 @@
           </a:p>
         </p:txBody>
       </p:sp>
-      <p:pic>
-        <p:nvPicPr>
-          <p:cNvPr id="5" name="Imagine 5" descr="O imagine care conține masă&#10;&#10;Descriere generată automat">
-            <a:extLst>
-              <a:ext uri="{FF2B5EF4-FFF2-40B4-BE49-F238E27FC236}">
-                <a16:creationId xmlns:a16="http://schemas.microsoft.com/office/drawing/2014/main" id="{0FEA490D-BE9F-9940-A9DE-84D7AA085992}"/>
-              </a:ext>
-            </a:extLst>
-          </p:cNvPr>
-          <p:cNvPicPr>
-            <a:picLocks noChangeAspect="1"/>
-          </p:cNvPicPr>
-          <p:nvPr/>
-        </p:nvPicPr>
-        <p:blipFill>
-          <a:blip r:embed="rId2"/>
-          <a:stretch>
-            <a:fillRect/>
-          </a:stretch>
-        </p:blipFill>
-        <p:spPr>
-          <a:xfrm>
-            <a:off x="1276815" y="1930692"/>
-            <a:ext cx="2743200" cy="1240298"/>
-          </a:xfrm>
-          <a:prstGeom prst="rect">
-            <a:avLst/>
-          </a:prstGeom>
-        </p:spPr>
-      </p:pic>
     </p:spTree>
     <p:extLst>
       <p:ext uri="{BB962C8B-B14F-4D97-AF65-F5344CB8AC3E}">
-        <p14:creationId xmlns:p14="http://schemas.microsoft.com/office/powerpoint/2010/main" val="2316788553"/>
+        <p14:creationId xmlns:p14="http://schemas.microsoft.com/office/powerpoint/2010/main" val="3753777705"/>
       </p:ext>
     </p:extLst>
   </p:cSld>
@@ -10193,6 +10201,175 @@
           <p:cNvPr id="2" name="Titlu 1">
             <a:extLst>
               <a:ext uri="{FF2B5EF4-FFF2-40B4-BE49-F238E27FC236}">
+                <a16:creationId xmlns:a16="http://schemas.microsoft.com/office/drawing/2014/main" id="{9663CDBC-612D-2A28-B7D0-A6EFC1BD0326}"/>
+              </a:ext>
+            </a:extLst>
+          </p:cNvPr>
+          <p:cNvSpPr>
+            <a:spLocks noGrp="1"/>
+          </p:cNvSpPr>
+          <p:nvPr>
+            <p:ph type="title"/>
+          </p:nvPr>
+        </p:nvSpPr>
+        <p:spPr/>
+        <p:txBody>
+          <a:bodyPr/>
+          <a:lstStyle/>
+          <a:p>
+            <a:r>
+              <a:rPr lang="ro-RO" dirty="0"/>
+              <a:t>PAPER </a:t>
+            </a:r>
+            <a:r>
+              <a:rPr lang="ro-RO" dirty="0" err="1"/>
+              <a:t>results</a:t>
+            </a:r>
+          </a:p>
+        </p:txBody>
+      </p:sp>
+      <p:sp>
+        <p:nvSpPr>
+          <p:cNvPr id="3" name="Substituent text 2">
+            <a:extLst>
+              <a:ext uri="{FF2B5EF4-FFF2-40B4-BE49-F238E27FC236}">
+                <a16:creationId xmlns:a16="http://schemas.microsoft.com/office/drawing/2014/main" id="{306103CE-888C-9BAF-D9EA-F9FD1410FD78}"/>
+              </a:ext>
+            </a:extLst>
+          </p:cNvPr>
+          <p:cNvSpPr>
+            <a:spLocks noGrp="1"/>
+          </p:cNvSpPr>
+          <p:nvPr>
+            <p:ph type="body" idx="1"/>
+          </p:nvPr>
+        </p:nvSpPr>
+        <p:spPr/>
+        <p:txBody>
+          <a:bodyPr/>
+          <a:lstStyle/>
+          <a:p>
+            <a:r>
+              <a:rPr lang="ro-RO" dirty="0" err="1"/>
+              <a:t>Paper</a:t>
+            </a:r>
+            <a:r>
+              <a:rPr lang="ro-RO" dirty="0"/>
+              <a:t> </a:t>
+            </a:r>
+            <a:r>
+              <a:rPr lang="ro-RO" dirty="0" err="1"/>
+              <a:t>results</a:t>
+            </a:r>
+          </a:p>
+          <a:p>
+            <a:endParaRPr lang="ro-RO" dirty="0"/>
+          </a:p>
+        </p:txBody>
+      </p:sp>
+      <p:sp>
+        <p:nvSpPr>
+          <p:cNvPr id="4" name="Substituent număr diapozitiv 3">
+            <a:extLst>
+              <a:ext uri="{FF2B5EF4-FFF2-40B4-BE49-F238E27FC236}">
+                <a16:creationId xmlns:a16="http://schemas.microsoft.com/office/drawing/2014/main" id="{95B00D4B-9EFB-5289-0DA3-BD77E086C335}"/>
+              </a:ext>
+            </a:extLst>
+          </p:cNvPr>
+          <p:cNvSpPr>
+            <a:spLocks noGrp="1"/>
+          </p:cNvSpPr>
+          <p:nvPr>
+            <p:ph type="sldNum" idx="12"/>
+          </p:nvPr>
+        </p:nvSpPr>
+        <p:spPr/>
+        <p:txBody>
+          <a:bodyPr/>
+          <a:lstStyle/>
+          <a:p>
+            <a:pPr marL="0" lvl="0" indent="0" algn="r" rtl="0">
+              <a:spcBef>
+                <a:spcPts val="0"/>
+              </a:spcBef>
+              <a:spcAft>
+                <a:spcPts val="0"/>
+              </a:spcAft>
+              <a:buNone/>
+            </a:pPr>
+            <a:fld id="{00000000-1234-1234-1234-123412341234}" type="slidenum">
+              <a:rPr lang="en-US" altLang="zh-TW"/>
+              <a:t>25</a:t>
+            </a:fld>
+            <a:endParaRPr lang="zh-TW" altLang="en-US"/>
+          </a:p>
+        </p:txBody>
+      </p:sp>
+      <p:pic>
+        <p:nvPicPr>
+          <p:cNvPr id="5" name="Imagine 5" descr="O imagine care conține masă&#10;&#10;Descriere generată automat">
+            <a:extLst>
+              <a:ext uri="{FF2B5EF4-FFF2-40B4-BE49-F238E27FC236}">
+                <a16:creationId xmlns:a16="http://schemas.microsoft.com/office/drawing/2014/main" id="{0FEA490D-BE9F-9940-A9DE-84D7AA085992}"/>
+              </a:ext>
+            </a:extLst>
+          </p:cNvPr>
+          <p:cNvPicPr>
+            <a:picLocks noChangeAspect="1"/>
+          </p:cNvPicPr>
+          <p:nvPr/>
+        </p:nvPicPr>
+        <p:blipFill>
+          <a:blip r:embed="rId2"/>
+          <a:stretch>
+            <a:fillRect/>
+          </a:stretch>
+        </p:blipFill>
+        <p:spPr>
+          <a:xfrm>
+            <a:off x="1276815" y="1930692"/>
+            <a:ext cx="5616966" cy="2539630"/>
+          </a:xfrm>
+          <a:prstGeom prst="rect">
+            <a:avLst/>
+          </a:prstGeom>
+        </p:spPr>
+      </p:pic>
+    </p:spTree>
+    <p:extLst>
+      <p:ext uri="{BB962C8B-B14F-4D97-AF65-F5344CB8AC3E}">
+        <p14:creationId xmlns:p14="http://schemas.microsoft.com/office/powerpoint/2010/main" val="2316788553"/>
+      </p:ext>
+    </p:extLst>
+  </p:cSld>
+  <p:clrMapOvr>
+    <a:masterClrMapping/>
+  </p:clrMapOvr>
+</p:sld>
+</file>
+
+<file path=ppt/slides/slide26.xml><?xml version="1.0" encoding="utf-8"?>
+<p:sld xmlns:a="http://schemas.openxmlformats.org/drawingml/2006/main" xmlns:r="http://schemas.openxmlformats.org/officeDocument/2006/relationships" xmlns:p="http://schemas.openxmlformats.org/presentationml/2006/main">
+  <p:cSld>
+    <p:spTree>
+      <p:nvGrpSpPr>
+        <p:cNvPr id="1" name=""/>
+        <p:cNvGrpSpPr/>
+        <p:nvPr/>
+      </p:nvGrpSpPr>
+      <p:grpSpPr>
+        <a:xfrm>
+          <a:off x="0" y="0"/>
+          <a:ext cx="0" cy="0"/>
+          <a:chOff x="0" y="0"/>
+          <a:chExt cx="0" cy="0"/>
+        </a:xfrm>
+      </p:grpSpPr>
+      <p:sp>
+        <p:nvSpPr>
+          <p:cNvPr id="2" name="Titlu 1">
+            <a:extLst>
+              <a:ext uri="{FF2B5EF4-FFF2-40B4-BE49-F238E27FC236}">
                 <a16:creationId xmlns:a16="http://schemas.microsoft.com/office/drawing/2014/main" id="{059E6F23-A23E-95BE-0545-84CD9D8B247F}"/>
               </a:ext>
             </a:extLst>
@@ -10252,7 +10429,7 @@
             </a:pPr>
             <a:fld id="{00000000-1234-1234-1234-123412341234}" type="slidenum">
               <a:rPr lang="en-US" altLang="zh-TW"/>
-              <a:t>25</a:t>
+              <a:t>26</a:t>
             </a:fld>
             <a:endParaRPr lang="zh-TW" altLang="en-US"/>
           </a:p>
@@ -11647,8 +11824,8 @@
         </p:blipFill>
         <p:spPr>
           <a:xfrm>
-            <a:off x="1938918" y="2704435"/>
-            <a:ext cx="2743200" cy="1184289"/>
+            <a:off x="2924879" y="2370481"/>
+            <a:ext cx="4676567" cy="2018958"/>
           </a:xfrm>
           <a:prstGeom prst="rect">
             <a:avLst/>

--- a/bionlp.pptx
+++ b/bionlp.pptx
@@ -5,7 +5,7 @@
     <p:sldMasterId id="2147483702" r:id="rId1"/>
   </p:sldMasterIdLst>
   <p:notesMasterIdLst>
-    <p:notesMasterId r:id="rId28"/>
+    <p:notesMasterId r:id="rId27"/>
   </p:notesMasterIdLst>
   <p:sldIdLst>
     <p:sldId id="256" r:id="rId2"/>
@@ -13,65 +13,64 @@
     <p:sldId id="260" r:id="rId4"/>
     <p:sldId id="289" r:id="rId5"/>
     <p:sldId id="288" r:id="rId6"/>
-    <p:sldId id="292" r:id="rId7"/>
-    <p:sldId id="291" r:id="rId8"/>
-    <p:sldId id="259" r:id="rId9"/>
-    <p:sldId id="271" r:id="rId10"/>
-    <p:sldId id="272" r:id="rId11"/>
-    <p:sldId id="275" r:id="rId12"/>
-    <p:sldId id="274" r:id="rId13"/>
-    <p:sldId id="276" r:id="rId14"/>
-    <p:sldId id="277" r:id="rId15"/>
-    <p:sldId id="278" r:id="rId16"/>
-    <p:sldId id="279" r:id="rId17"/>
-    <p:sldId id="280" r:id="rId18"/>
-    <p:sldId id="281" r:id="rId19"/>
-    <p:sldId id="282" r:id="rId20"/>
-    <p:sldId id="283" r:id="rId21"/>
-    <p:sldId id="293" r:id="rId22"/>
-    <p:sldId id="284" r:id="rId23"/>
-    <p:sldId id="285" r:id="rId24"/>
-    <p:sldId id="290" r:id="rId25"/>
-    <p:sldId id="286" r:id="rId26"/>
-    <p:sldId id="287" r:id="rId27"/>
+    <p:sldId id="291" r:id="rId7"/>
+    <p:sldId id="259" r:id="rId8"/>
+    <p:sldId id="271" r:id="rId9"/>
+    <p:sldId id="272" r:id="rId10"/>
+    <p:sldId id="275" r:id="rId11"/>
+    <p:sldId id="274" r:id="rId12"/>
+    <p:sldId id="276" r:id="rId13"/>
+    <p:sldId id="277" r:id="rId14"/>
+    <p:sldId id="278" r:id="rId15"/>
+    <p:sldId id="279" r:id="rId16"/>
+    <p:sldId id="280" r:id="rId17"/>
+    <p:sldId id="281" r:id="rId18"/>
+    <p:sldId id="282" r:id="rId19"/>
+    <p:sldId id="283" r:id="rId20"/>
+    <p:sldId id="293" r:id="rId21"/>
+    <p:sldId id="284" r:id="rId22"/>
+    <p:sldId id="285" r:id="rId23"/>
+    <p:sldId id="290" r:id="rId24"/>
+    <p:sldId id="286" r:id="rId25"/>
+    <p:sldId id="287" r:id="rId26"/>
   </p:sldIdLst>
   <p:sldSz cx="9144000" cy="5143500" type="screen16x9"/>
   <p:notesSz cx="6858000" cy="9144000"/>
   <p:embeddedFontLst>
     <p:embeddedFont>
       <p:font typeface="Calibri" panose="020F0502020204030204" pitchFamily="34" charset="0"/>
-      <p:regular r:id="rId29"/>
-      <p:bold r:id="rId30"/>
-      <p:italic r:id="rId31"/>
-      <p:boldItalic r:id="rId32"/>
+      <p:regular r:id="rId28"/>
+      <p:bold r:id="rId29"/>
+      <p:italic r:id="rId30"/>
+      <p:boldItalic r:id="rId31"/>
     </p:embeddedFont>
     <p:embeddedFont>
       <p:font typeface="Consolas" panose="020B0609020204030204" pitchFamily="49" charset="0"/>
-      <p:regular r:id="rId33"/>
-      <p:bold r:id="rId34"/>
-      <p:italic r:id="rId35"/>
-      <p:boldItalic r:id="rId36"/>
+      <p:regular r:id="rId32"/>
+      <p:bold r:id="rId33"/>
+      <p:italic r:id="rId34"/>
+      <p:boldItalic r:id="rId35"/>
     </p:embeddedFont>
     <p:embeddedFont>
       <p:font typeface="Gill Sans MT" panose="020B0502020104020203" pitchFamily="34" charset="77"/>
-      <p:regular r:id="rId37"/>
-      <p:bold r:id="rId38"/>
-      <p:italic r:id="rId39"/>
-      <p:boldItalic r:id="rId40"/>
+      <p:regular r:id="rId36"/>
+      <p:bold r:id="rId37"/>
+      <p:italic r:id="rId38"/>
+      <p:boldItalic r:id="rId39"/>
     </p:embeddedFont>
     <p:embeddedFont>
       <p:font typeface="Lato" panose="020F0502020204030203" pitchFamily="34" charset="0"/>
-      <p:regular r:id="rId41"/>
-      <p:bold r:id="rId42"/>
-      <p:italic r:id="rId43"/>
-      <p:boldItalic r:id="rId44"/>
+      <p:regular r:id="rId40"/>
+      <p:bold r:id="rId41"/>
+      <p:italic r:id="rId42"/>
+      <p:boldItalic r:id="rId43"/>
     </p:embeddedFont>
     <p:embeddedFont>
       <p:font typeface="Roboto" panose="02000000000000000000" pitchFamily="2" charset="0"/>
-      <p:regular r:id="rId45"/>
-      <p:bold r:id="rId46"/>
-      <p:italic r:id="rId47"/>
-      <p:boldItalic r:id="rId48"/>
+      <p:regular r:id="rId44"/>
+      <p:bold r:id="rId45"/>
+      <p:italic r:id="rId46"/>
+      <p:boldItalic r:id="rId47"/>
     </p:embeddedFont>
   </p:embeddedFontLst>
   <p:defaultTextStyle>
@@ -186,15 +185,6 @@
     </p:ext>
   </p:extLst>
 </p:presentation>
-</file>
-
-<file path=ppt/revisionInfo.xml><?xml version="1.0" encoding="utf-8"?>
-<p1510:revInfo xmlns:a="http://schemas.openxmlformats.org/drawingml/2006/main" xmlns:r="http://schemas.openxmlformats.org/officeDocument/2006/relationships" xmlns:p1510="http://schemas.microsoft.com/office/powerpoint/2015/10/main">
-  <p1510:revLst>
-    <p1510:client id="{A8C6A93C-2BC5-8AE5-98AA-32886BBFF976}" v="363" dt="2022-05-19T14:05:59.851"/>
-    <p1510:client id="{B5592EEE-04DC-223A-E2AA-649791DFE7C2}" v="423" dt="2022-05-18T20:49:14.760"/>
-  </p1510:revLst>
-</p1510:revInfo>
 </file>
 
 <file path=ppt/notesMasters/notesMaster1.xml><?xml version="1.0" encoding="utf-8"?>
@@ -5904,243 +5894,6 @@
   <p:cSld>
     <p:spTree>
       <p:nvGrpSpPr>
-        <p:cNvPr id="1" name="Shape 318"/>
-        <p:cNvGrpSpPr/>
-        <p:nvPr/>
-      </p:nvGrpSpPr>
-      <p:grpSpPr>
-        <a:xfrm>
-          <a:off x="0" y="0"/>
-          <a:ext cx="0" cy="0"/>
-          <a:chOff x="0" y="0"/>
-          <a:chExt cx="0" cy="0"/>
-        </a:xfrm>
-      </p:grpSpPr>
-      <p:sp>
-        <p:nvSpPr>
-          <p:cNvPr id="319" name="Google Shape;319;p29"/>
-          <p:cNvSpPr txBox="1">
-            <a:spLocks noGrp="1"/>
-          </p:cNvSpPr>
-          <p:nvPr>
-            <p:ph type="title"/>
-          </p:nvPr>
-        </p:nvSpPr>
-        <p:spPr>
-          <a:xfrm>
-            <a:off x="870875" y="125975"/>
-            <a:ext cx="6855900" cy="702000"/>
-          </a:xfrm>
-          <a:prstGeom prst="rect">
-            <a:avLst/>
-          </a:prstGeom>
-        </p:spPr>
-        <p:txBody>
-          <a:bodyPr spcFirstLastPara="1" wrap="square" lIns="91425" tIns="91425" rIns="91425" bIns="91425" anchor="b" anchorCtr="0">
-            <a:noAutofit/>
-          </a:bodyPr>
-          <a:lstStyle/>
-          <a:p>
-            <a:pPr marL="0" lvl="0" indent="0" algn="l" rtl="0">
-              <a:spcBef>
-                <a:spcPts val="0"/>
-              </a:spcBef>
-              <a:spcAft>
-                <a:spcPts val="0"/>
-              </a:spcAft>
-              <a:buClr>
-                <a:schemeClr val="dk1"/>
-              </a:buClr>
-              <a:buSzPts val="1100"/>
-              <a:buFont typeface="Arial"/>
-              <a:buNone/>
-            </a:pPr>
-            <a:r>
-              <a:rPr lang="zh-TW" sz="3200" b="1">
-                <a:solidFill>
-                  <a:srgbClr val="677480"/>
-                </a:solidFill>
-              </a:rPr>
-              <a:t>TF-IDF Top 20 Words in 2 labels</a:t>
-            </a:r>
-            <a:endParaRPr sz="3200"/>
-          </a:p>
-        </p:txBody>
-      </p:sp>
-      <p:sp>
-        <p:nvSpPr>
-          <p:cNvPr id="320" name="Google Shape;320;p29"/>
-          <p:cNvSpPr txBox="1">
-            <a:spLocks noGrp="1"/>
-          </p:cNvSpPr>
-          <p:nvPr>
-            <p:ph type="sldNum" idx="12"/>
-          </p:nvPr>
-        </p:nvSpPr>
-        <p:spPr>
-          <a:prstGeom prst="rect">
-            <a:avLst/>
-          </a:prstGeom>
-        </p:spPr>
-        <p:txBody>
-          <a:bodyPr spcFirstLastPara="1" wrap="square" lIns="91425" tIns="91425" rIns="91425" bIns="91425" anchor="t" anchorCtr="0">
-            <a:noAutofit/>
-          </a:bodyPr>
-          <a:lstStyle/>
-          <a:p>
-            <a:pPr marL="0" lvl="0" indent="0" algn="r" rtl="0">
-              <a:spcBef>
-                <a:spcPts val="0"/>
-              </a:spcBef>
-              <a:spcAft>
-                <a:spcPts val="0"/>
-              </a:spcAft>
-              <a:buNone/>
-            </a:pPr>
-            <a:fld id="{00000000-1234-1234-1234-123412341234}" type="slidenum">
-              <a:rPr lang="en-US" altLang="zh-TW"/>
-              <a:t>10</a:t>
-            </a:fld>
-            <a:endParaRPr/>
-          </a:p>
-        </p:txBody>
-      </p:sp>
-      <p:pic>
-        <p:nvPicPr>
-          <p:cNvPr id="321" name="Google Shape;321;p29"/>
-          <p:cNvPicPr preferRelativeResize="0"/>
-          <p:nvPr/>
-        </p:nvPicPr>
-        <p:blipFill rotWithShape="1">
-          <a:blip r:embed="rId3">
-            <a:alphaModFix/>
-          </a:blip>
-          <a:srcRect t="4825"/>
-          <a:stretch/>
-        </p:blipFill>
-        <p:spPr>
-          <a:xfrm>
-            <a:off x="802275" y="827975"/>
-            <a:ext cx="6855899" cy="4124659"/>
-          </a:xfrm>
-          <a:prstGeom prst="rect">
-            <a:avLst/>
-          </a:prstGeom>
-          <a:noFill/>
-          <a:ln>
-            <a:noFill/>
-          </a:ln>
-        </p:spPr>
-      </p:pic>
-      <p:sp>
-        <p:nvSpPr>
-          <p:cNvPr id="322" name="Google Shape;322;p29"/>
-          <p:cNvSpPr/>
-          <p:nvPr/>
-        </p:nvSpPr>
-        <p:spPr>
-          <a:xfrm>
-            <a:off x="4732025" y="4394125"/>
-            <a:ext cx="411600" cy="251400"/>
-          </a:xfrm>
-          <a:prstGeom prst="ellipse">
-            <a:avLst/>
-          </a:prstGeom>
-          <a:noFill/>
-          <a:ln w="28575" cap="flat" cmpd="sng">
-            <a:solidFill>
-              <a:srgbClr val="F20253"/>
-            </a:solidFill>
-            <a:prstDash val="solid"/>
-            <a:round/>
-            <a:headEnd type="none" w="sm" len="sm"/>
-            <a:tailEnd type="none" w="sm" len="sm"/>
-          </a:ln>
-        </p:spPr>
-        <p:txBody>
-          <a:bodyPr spcFirstLastPara="1" wrap="square" lIns="91425" tIns="91425" rIns="91425" bIns="91425" anchor="ctr" anchorCtr="0">
-            <a:noAutofit/>
-          </a:bodyPr>
-          <a:lstStyle/>
-          <a:p>
-            <a:pPr marL="0" lvl="0" indent="0" algn="l" rtl="0">
-              <a:spcBef>
-                <a:spcPts val="0"/>
-              </a:spcBef>
-              <a:spcAft>
-                <a:spcPts val="0"/>
-              </a:spcAft>
-              <a:buNone/>
-            </a:pPr>
-            <a:endParaRPr>
-              <a:solidFill>
-                <a:srgbClr val="F20253"/>
-              </a:solidFill>
-            </a:endParaRPr>
-          </a:p>
-        </p:txBody>
-      </p:sp>
-      <p:sp>
-        <p:nvSpPr>
-          <p:cNvPr id="323" name="Google Shape;323;p29"/>
-          <p:cNvSpPr/>
-          <p:nvPr/>
-        </p:nvSpPr>
-        <p:spPr>
-          <a:xfrm>
-            <a:off x="1123950" y="4055050"/>
-            <a:ext cx="411600" cy="251400"/>
-          </a:xfrm>
-          <a:prstGeom prst="ellipse">
-            <a:avLst/>
-          </a:prstGeom>
-          <a:noFill/>
-          <a:ln w="28575" cap="flat" cmpd="sng">
-            <a:solidFill>
-              <a:srgbClr val="F20253"/>
-            </a:solidFill>
-            <a:prstDash val="solid"/>
-            <a:round/>
-            <a:headEnd type="none" w="sm" len="sm"/>
-            <a:tailEnd type="none" w="sm" len="sm"/>
-          </a:ln>
-        </p:spPr>
-        <p:txBody>
-          <a:bodyPr spcFirstLastPara="1" wrap="square" lIns="91425" tIns="91425" rIns="91425" bIns="91425" anchor="ctr" anchorCtr="0">
-            <a:noAutofit/>
-          </a:bodyPr>
-          <a:lstStyle/>
-          <a:p>
-            <a:pPr marL="0" lvl="0" indent="0" algn="l" rtl="0">
-              <a:spcBef>
-                <a:spcPts val="0"/>
-              </a:spcBef>
-              <a:spcAft>
-                <a:spcPts val="0"/>
-              </a:spcAft>
-              <a:buNone/>
-            </a:pPr>
-            <a:endParaRPr>
-              <a:solidFill>
-                <a:srgbClr val="F20253"/>
-              </a:solidFill>
-            </a:endParaRPr>
-          </a:p>
-        </p:txBody>
-      </p:sp>
-    </p:spTree>
-  </p:cSld>
-  <p:clrMapOvr>
-    <a:masterClrMapping/>
-  </p:clrMapOvr>
-</p:sld>
-</file>
-
-<file path=ppt/slides/slide11.xml><?xml version="1.0" encoding="utf-8"?>
-<p:sld xmlns:a="http://schemas.openxmlformats.org/drawingml/2006/main" xmlns:r="http://schemas.openxmlformats.org/officeDocument/2006/relationships" xmlns:p="http://schemas.openxmlformats.org/presentationml/2006/main">
-  <p:cSld>
-    <p:spTree>
-      <p:nvGrpSpPr>
         <p:cNvPr id="1" name="Shape 353"/>
         <p:cNvGrpSpPr/>
         <p:nvPr/>
@@ -6236,7 +5989,7 @@
             </a:pPr>
             <a:fld id="{00000000-1234-1234-1234-123412341234}" type="slidenum">
               <a:rPr lang="en-US" altLang="zh-TW"/>
-              <a:t>11</a:t>
+              <a:t>10</a:t>
             </a:fld>
             <a:endParaRPr/>
           </a:p>
@@ -6363,7 +6116,7 @@
 </p:sld>
 </file>
 
-<file path=ppt/slides/slide12.xml><?xml version="1.0" encoding="utf-8"?>
+<file path=ppt/slides/slide11.xml><?xml version="1.0" encoding="utf-8"?>
 <p:sld xmlns:a="http://schemas.openxmlformats.org/drawingml/2006/main" xmlns:r="http://schemas.openxmlformats.org/officeDocument/2006/relationships" xmlns:p="http://schemas.openxmlformats.org/presentationml/2006/main">
   <p:cSld>
     <p:spTree>
@@ -6505,7 +6258,7 @@
             </a:pPr>
             <a:fld id="{00000000-1234-1234-1234-123412341234}" type="slidenum">
               <a:rPr lang="en-US" altLang="zh-TW"/>
-              <a:t>12</a:t>
+              <a:t>11</a:t>
             </a:fld>
             <a:endParaRPr/>
           </a:p>
@@ -6693,7 +6446,7 @@
 </p:sld>
 </file>
 
-<file path=ppt/slides/slide13.xml><?xml version="1.0" encoding="utf-8"?>
+<file path=ppt/slides/slide12.xml><?xml version="1.0" encoding="utf-8"?>
 <p:sld xmlns:a="http://schemas.openxmlformats.org/drawingml/2006/main" xmlns:r="http://schemas.openxmlformats.org/officeDocument/2006/relationships" xmlns:p="http://schemas.openxmlformats.org/presentationml/2006/main">
   <p:cSld>
     <p:spTree>
@@ -6853,7 +6606,7 @@
             </a:pPr>
             <a:fld id="{00000000-1234-1234-1234-123412341234}" type="slidenum">
               <a:rPr lang="en-US" altLang="zh-TW"/>
-              <a:t>13</a:t>
+              <a:t>12</a:t>
             </a:fld>
             <a:endParaRPr lang="zh-TW" altLang="en-US"/>
           </a:p>
@@ -6962,6 +6715,347 @@
 </p:sld>
 </file>
 
+<file path=ppt/slides/slide13.xml><?xml version="1.0" encoding="utf-8"?>
+<p:sld xmlns:a="http://schemas.openxmlformats.org/drawingml/2006/main" xmlns:r="http://schemas.openxmlformats.org/officeDocument/2006/relationships" xmlns:p="http://schemas.openxmlformats.org/presentationml/2006/main">
+  <p:cSld>
+    <p:spTree>
+      <p:nvGrpSpPr>
+        <p:cNvPr id="1" name=""/>
+        <p:cNvGrpSpPr/>
+        <p:nvPr/>
+      </p:nvGrpSpPr>
+      <p:grpSpPr>
+        <a:xfrm>
+          <a:off x="0" y="0"/>
+          <a:ext cx="0" cy="0"/>
+          <a:chOff x="0" y="0"/>
+          <a:chExt cx="0" cy="0"/>
+        </a:xfrm>
+      </p:grpSpPr>
+      <p:sp>
+        <p:nvSpPr>
+          <p:cNvPr id="2" name="Titlu 1">
+            <a:extLst>
+              <a:ext uri="{FF2B5EF4-FFF2-40B4-BE49-F238E27FC236}">
+                <a16:creationId xmlns:a16="http://schemas.microsoft.com/office/drawing/2014/main" id="{79F021E2-161F-FC98-B26E-B26568F89578}"/>
+              </a:ext>
+            </a:extLst>
+          </p:cNvPr>
+          <p:cNvSpPr>
+            <a:spLocks noGrp="1"/>
+          </p:cNvSpPr>
+          <p:nvPr>
+            <p:ph type="title"/>
+          </p:nvPr>
+        </p:nvSpPr>
+        <p:spPr/>
+        <p:txBody>
+          <a:bodyPr/>
+          <a:lstStyle/>
+          <a:p>
+            <a:r>
+              <a:rPr lang="ro-RO" dirty="0"/>
+              <a:t>BILSTM</a:t>
+            </a:r>
+          </a:p>
+        </p:txBody>
+      </p:sp>
+      <p:sp>
+        <p:nvSpPr>
+          <p:cNvPr id="3" name="Substituent text 2">
+            <a:extLst>
+              <a:ext uri="{FF2B5EF4-FFF2-40B4-BE49-F238E27FC236}">
+                <a16:creationId xmlns:a16="http://schemas.microsoft.com/office/drawing/2014/main" id="{E0C79433-B151-C080-6957-9B509180643B}"/>
+              </a:ext>
+            </a:extLst>
+          </p:cNvPr>
+          <p:cNvSpPr>
+            <a:spLocks noGrp="1"/>
+          </p:cNvSpPr>
+          <p:nvPr>
+            <p:ph type="body" idx="1"/>
+          </p:nvPr>
+        </p:nvSpPr>
+        <p:spPr/>
+        <p:txBody>
+          <a:bodyPr/>
+          <a:lstStyle/>
+          <a:p>
+            <a:r>
+              <a:rPr lang="ro-RO" dirty="0"/>
+              <a:t>- </a:t>
+            </a:r>
+            <a:r>
+              <a:rPr lang="ro-RO" dirty="0">
+                <a:latin typeface="Consolas"/>
+              </a:rPr>
+              <a:t>GoogleNews-vectors-negative300.bin as input word2vec</a:t>
+            </a:r>
+            <a:endParaRPr lang="ro-RO" dirty="0">
+              <a:latin typeface="Gill Sans MT" panose="020B0502020104020203"/>
+            </a:endParaRPr>
+          </a:p>
+          <a:p>
+            <a:r>
+              <a:rPr lang="ro-RO" dirty="0">
+                <a:latin typeface="Consolas"/>
+              </a:rPr>
+              <a:t>-</a:t>
+            </a:r>
+            <a:r>
+              <a:rPr lang="ro-RO" dirty="0" err="1">
+                <a:latin typeface="Consolas"/>
+              </a:rPr>
+              <a:t>Early</a:t>
+            </a:r>
+            <a:r>
+              <a:rPr lang="ro-RO" dirty="0">
+                <a:latin typeface="Consolas"/>
+              </a:rPr>
+              <a:t> </a:t>
+            </a:r>
+            <a:r>
+              <a:rPr lang="ro-RO" dirty="0" err="1">
+                <a:latin typeface="Consolas"/>
+              </a:rPr>
+              <a:t>stopping</a:t>
+            </a:r>
+            <a:r>
+              <a:rPr lang="ro-RO" dirty="0">
+                <a:latin typeface="Consolas"/>
+              </a:rPr>
+              <a:t> </a:t>
+            </a:r>
+            <a:r>
+              <a:rPr lang="ro-RO" dirty="0" err="1">
+                <a:latin typeface="Consolas"/>
+              </a:rPr>
+              <a:t>with</a:t>
+            </a:r>
+            <a:r>
+              <a:rPr lang="ro-RO" dirty="0">
+                <a:latin typeface="Consolas"/>
+              </a:rPr>
+              <a:t> </a:t>
+            </a:r>
+            <a:r>
+              <a:rPr lang="ro-RO" dirty="0" err="1">
+                <a:latin typeface="Consolas"/>
+              </a:rPr>
+              <a:t>patience</a:t>
+            </a:r>
+            <a:r>
+              <a:rPr lang="ro-RO" dirty="0">
+                <a:latin typeface="Consolas"/>
+              </a:rPr>
+              <a:t> = 5</a:t>
+            </a:r>
+          </a:p>
+          <a:p>
+            <a:r>
+              <a:rPr lang="ro-RO" dirty="0">
+                <a:latin typeface="Consolas"/>
+              </a:rPr>
+              <a:t>-</a:t>
+            </a:r>
+            <a:r>
+              <a:rPr lang="ro-RO" dirty="0" err="1">
+                <a:latin typeface="Consolas"/>
+              </a:rPr>
+              <a:t>Learning</a:t>
+            </a:r>
+            <a:r>
+              <a:rPr lang="ro-RO" dirty="0">
+                <a:latin typeface="Consolas"/>
+              </a:rPr>
+              <a:t> rate 0.0001 </a:t>
+            </a:r>
+            <a:r>
+              <a:rPr lang="ro-RO" dirty="0" err="1">
+                <a:latin typeface="Consolas"/>
+              </a:rPr>
+              <a:t>with</a:t>
+            </a:r>
+            <a:r>
+              <a:rPr lang="ro-RO" dirty="0">
+                <a:latin typeface="Consolas"/>
+              </a:rPr>
+              <a:t> Adam </a:t>
+            </a:r>
+            <a:r>
+              <a:rPr lang="ro-RO" dirty="0" err="1">
+                <a:latin typeface="Consolas"/>
+              </a:rPr>
+              <a:t>Optimizer</a:t>
+            </a:r>
+          </a:p>
+          <a:p>
+            <a:r>
+              <a:rPr lang="ro-RO" dirty="0">
+                <a:latin typeface="Consolas"/>
+              </a:rPr>
+              <a:t>-</a:t>
+            </a:r>
+            <a:r>
+              <a:rPr lang="ro-RO" dirty="0" err="1">
+                <a:latin typeface="Consolas"/>
+              </a:rPr>
+              <a:t>Sequence</a:t>
+            </a:r>
+            <a:r>
+              <a:rPr lang="ro-RO" dirty="0">
+                <a:latin typeface="Consolas"/>
+              </a:rPr>
+              <a:t> </a:t>
+            </a:r>
+            <a:r>
+              <a:rPr lang="ro-RO" dirty="0" err="1">
+                <a:latin typeface="Consolas"/>
+              </a:rPr>
+              <a:t>Length</a:t>
+            </a:r>
+            <a:r>
+              <a:rPr lang="ro-RO" dirty="0">
+                <a:latin typeface="Consolas"/>
+              </a:rPr>
+              <a:t> of 512</a:t>
+            </a:r>
+          </a:p>
+          <a:p>
+            <a:r>
+              <a:rPr lang="ro-RO" dirty="0">
+                <a:latin typeface="Consolas"/>
+              </a:rPr>
+              <a:t>-</a:t>
+            </a:r>
+            <a:r>
+              <a:rPr lang="ro-RO" dirty="0" err="1">
+                <a:latin typeface="Consolas"/>
+              </a:rPr>
+              <a:t>Batch</a:t>
+            </a:r>
+            <a:r>
+              <a:rPr lang="ro-RO" dirty="0">
+                <a:latin typeface="Consolas"/>
+              </a:rPr>
+              <a:t> </a:t>
+            </a:r>
+            <a:r>
+              <a:rPr lang="ro-RO" dirty="0" err="1">
+                <a:latin typeface="Consolas"/>
+              </a:rPr>
+              <a:t>size</a:t>
+            </a:r>
+            <a:r>
+              <a:rPr lang="ro-RO" dirty="0">
+                <a:latin typeface="Consolas"/>
+              </a:rPr>
+              <a:t> 64</a:t>
+            </a:r>
+          </a:p>
+          <a:p>
+            <a:r>
+              <a:rPr lang="ro-RO" dirty="0">
+                <a:latin typeface="Consolas"/>
+              </a:rPr>
+              <a:t>-</a:t>
+            </a:r>
+            <a:r>
+              <a:rPr lang="ro-RO" dirty="0" err="1">
+                <a:latin typeface="Consolas"/>
+              </a:rPr>
+              <a:t>Weight</a:t>
+            </a:r>
+            <a:r>
+              <a:rPr lang="ro-RO" dirty="0">
+                <a:latin typeface="Consolas"/>
+              </a:rPr>
+              <a:t> </a:t>
+            </a:r>
+            <a:r>
+              <a:rPr lang="ro-RO" dirty="0" err="1">
+                <a:latin typeface="Consolas"/>
+              </a:rPr>
+              <a:t>Decay</a:t>
+            </a:r>
+            <a:r>
+              <a:rPr lang="ro-RO" dirty="0">
+                <a:latin typeface="Consolas"/>
+              </a:rPr>
+              <a:t> </a:t>
+            </a:r>
+            <a:r>
+              <a:rPr lang="ro-RO" dirty="0" err="1">
+                <a:latin typeface="Consolas"/>
+              </a:rPr>
+              <a:t>with</a:t>
+            </a:r>
+            <a:r>
+              <a:rPr lang="ro-RO" dirty="0">
+                <a:latin typeface="Consolas"/>
+              </a:rPr>
+              <a:t> </a:t>
+            </a:r>
+            <a:r>
+              <a:rPr lang="ro-RO" dirty="0" err="1">
+                <a:latin typeface="Consolas"/>
+              </a:rPr>
+              <a:t>ReduceLROnPlateau</a:t>
+            </a:r>
+          </a:p>
+        </p:txBody>
+      </p:sp>
+      <p:sp>
+        <p:nvSpPr>
+          <p:cNvPr id="4" name="Substituent număr diapozitiv 3">
+            <a:extLst>
+              <a:ext uri="{FF2B5EF4-FFF2-40B4-BE49-F238E27FC236}">
+                <a16:creationId xmlns:a16="http://schemas.microsoft.com/office/drawing/2014/main" id="{4787F795-C480-2297-6F98-A2721455B6E5}"/>
+              </a:ext>
+            </a:extLst>
+          </p:cNvPr>
+          <p:cNvSpPr>
+            <a:spLocks noGrp="1"/>
+          </p:cNvSpPr>
+          <p:nvPr>
+            <p:ph type="sldNum" idx="12"/>
+          </p:nvPr>
+        </p:nvSpPr>
+        <p:spPr/>
+        <p:txBody>
+          <a:bodyPr/>
+          <a:lstStyle/>
+          <a:p>
+            <a:pPr marL="0" lvl="0" indent="0" algn="r" rtl="0">
+              <a:spcBef>
+                <a:spcPts val="0"/>
+              </a:spcBef>
+              <a:spcAft>
+                <a:spcPts val="0"/>
+              </a:spcAft>
+              <a:buNone/>
+            </a:pPr>
+            <a:fld id="{00000000-1234-1234-1234-123412341234}" type="slidenum">
+              <a:rPr lang="en-US" altLang="zh-TW"/>
+              <a:t>13</a:t>
+            </a:fld>
+            <a:endParaRPr lang="zh-TW" altLang="en-US"/>
+          </a:p>
+        </p:txBody>
+      </p:sp>
+    </p:spTree>
+    <p:extLst>
+      <p:ext uri="{BB962C8B-B14F-4D97-AF65-F5344CB8AC3E}">
+        <p14:creationId xmlns:p14="http://schemas.microsoft.com/office/powerpoint/2010/main" val="413786884"/>
+      </p:ext>
+    </p:extLst>
+  </p:cSld>
+  <p:clrMapOvr>
+    <a:masterClrMapping/>
+  </p:clrMapOvr>
+</p:sld>
+</file>
+
 <file path=ppt/slides/slide14.xml><?xml version="1.0" encoding="utf-8"?>
 <p:sld xmlns:a="http://schemas.openxmlformats.org/drawingml/2006/main" xmlns:r="http://schemas.openxmlformats.org/officeDocument/2006/relationships" xmlns:p="http://schemas.openxmlformats.org/presentationml/2006/main">
   <p:cSld>
@@ -6984,347 +7078,6 @@
           <p:cNvPr id="2" name="Titlu 1">
             <a:extLst>
               <a:ext uri="{FF2B5EF4-FFF2-40B4-BE49-F238E27FC236}">
-                <a16:creationId xmlns:a16="http://schemas.microsoft.com/office/drawing/2014/main" id="{79F021E2-161F-FC98-B26E-B26568F89578}"/>
-              </a:ext>
-            </a:extLst>
-          </p:cNvPr>
-          <p:cNvSpPr>
-            <a:spLocks noGrp="1"/>
-          </p:cNvSpPr>
-          <p:nvPr>
-            <p:ph type="title"/>
-          </p:nvPr>
-        </p:nvSpPr>
-        <p:spPr/>
-        <p:txBody>
-          <a:bodyPr/>
-          <a:lstStyle/>
-          <a:p>
-            <a:r>
-              <a:rPr lang="ro-RO" dirty="0"/>
-              <a:t>BILSTM</a:t>
-            </a:r>
-          </a:p>
-        </p:txBody>
-      </p:sp>
-      <p:sp>
-        <p:nvSpPr>
-          <p:cNvPr id="3" name="Substituent text 2">
-            <a:extLst>
-              <a:ext uri="{FF2B5EF4-FFF2-40B4-BE49-F238E27FC236}">
-                <a16:creationId xmlns:a16="http://schemas.microsoft.com/office/drawing/2014/main" id="{E0C79433-B151-C080-6957-9B509180643B}"/>
-              </a:ext>
-            </a:extLst>
-          </p:cNvPr>
-          <p:cNvSpPr>
-            <a:spLocks noGrp="1"/>
-          </p:cNvSpPr>
-          <p:nvPr>
-            <p:ph type="body" idx="1"/>
-          </p:nvPr>
-        </p:nvSpPr>
-        <p:spPr/>
-        <p:txBody>
-          <a:bodyPr/>
-          <a:lstStyle/>
-          <a:p>
-            <a:r>
-              <a:rPr lang="ro-RO" dirty="0"/>
-              <a:t>- </a:t>
-            </a:r>
-            <a:r>
-              <a:rPr lang="ro-RO" dirty="0">
-                <a:latin typeface="Consolas"/>
-              </a:rPr>
-              <a:t>GoogleNews-vectors-negative300.bin as input word2vec</a:t>
-            </a:r>
-            <a:endParaRPr lang="ro-RO" dirty="0">
-              <a:latin typeface="Gill Sans MT" panose="020B0502020104020203"/>
-            </a:endParaRPr>
-          </a:p>
-          <a:p>
-            <a:r>
-              <a:rPr lang="ro-RO" dirty="0">
-                <a:latin typeface="Consolas"/>
-              </a:rPr>
-              <a:t>-</a:t>
-            </a:r>
-            <a:r>
-              <a:rPr lang="ro-RO" dirty="0" err="1">
-                <a:latin typeface="Consolas"/>
-              </a:rPr>
-              <a:t>Early</a:t>
-            </a:r>
-            <a:r>
-              <a:rPr lang="ro-RO" dirty="0">
-                <a:latin typeface="Consolas"/>
-              </a:rPr>
-              <a:t> </a:t>
-            </a:r>
-            <a:r>
-              <a:rPr lang="ro-RO" dirty="0" err="1">
-                <a:latin typeface="Consolas"/>
-              </a:rPr>
-              <a:t>stopping</a:t>
-            </a:r>
-            <a:r>
-              <a:rPr lang="ro-RO" dirty="0">
-                <a:latin typeface="Consolas"/>
-              </a:rPr>
-              <a:t> </a:t>
-            </a:r>
-            <a:r>
-              <a:rPr lang="ro-RO" dirty="0" err="1">
-                <a:latin typeface="Consolas"/>
-              </a:rPr>
-              <a:t>with</a:t>
-            </a:r>
-            <a:r>
-              <a:rPr lang="ro-RO" dirty="0">
-                <a:latin typeface="Consolas"/>
-              </a:rPr>
-              <a:t> </a:t>
-            </a:r>
-            <a:r>
-              <a:rPr lang="ro-RO" dirty="0" err="1">
-                <a:latin typeface="Consolas"/>
-              </a:rPr>
-              <a:t>patience</a:t>
-            </a:r>
-            <a:r>
-              <a:rPr lang="ro-RO" dirty="0">
-                <a:latin typeface="Consolas"/>
-              </a:rPr>
-              <a:t> = 5</a:t>
-            </a:r>
-          </a:p>
-          <a:p>
-            <a:r>
-              <a:rPr lang="ro-RO" dirty="0">
-                <a:latin typeface="Consolas"/>
-              </a:rPr>
-              <a:t>-</a:t>
-            </a:r>
-            <a:r>
-              <a:rPr lang="ro-RO" dirty="0" err="1">
-                <a:latin typeface="Consolas"/>
-              </a:rPr>
-              <a:t>Learning</a:t>
-            </a:r>
-            <a:r>
-              <a:rPr lang="ro-RO" dirty="0">
-                <a:latin typeface="Consolas"/>
-              </a:rPr>
-              <a:t> rate 0.0001 </a:t>
-            </a:r>
-            <a:r>
-              <a:rPr lang="ro-RO" dirty="0" err="1">
-                <a:latin typeface="Consolas"/>
-              </a:rPr>
-              <a:t>with</a:t>
-            </a:r>
-            <a:r>
-              <a:rPr lang="ro-RO" dirty="0">
-                <a:latin typeface="Consolas"/>
-              </a:rPr>
-              <a:t> Adam </a:t>
-            </a:r>
-            <a:r>
-              <a:rPr lang="ro-RO" dirty="0" err="1">
-                <a:latin typeface="Consolas"/>
-              </a:rPr>
-              <a:t>Optimizer</a:t>
-            </a:r>
-          </a:p>
-          <a:p>
-            <a:r>
-              <a:rPr lang="ro-RO" dirty="0">
-                <a:latin typeface="Consolas"/>
-              </a:rPr>
-              <a:t>-</a:t>
-            </a:r>
-            <a:r>
-              <a:rPr lang="ro-RO" dirty="0" err="1">
-                <a:latin typeface="Consolas"/>
-              </a:rPr>
-              <a:t>Sequence</a:t>
-            </a:r>
-            <a:r>
-              <a:rPr lang="ro-RO" dirty="0">
-                <a:latin typeface="Consolas"/>
-              </a:rPr>
-              <a:t> </a:t>
-            </a:r>
-            <a:r>
-              <a:rPr lang="ro-RO" dirty="0" err="1">
-                <a:latin typeface="Consolas"/>
-              </a:rPr>
-              <a:t>Length</a:t>
-            </a:r>
-            <a:r>
-              <a:rPr lang="ro-RO" dirty="0">
-                <a:latin typeface="Consolas"/>
-              </a:rPr>
-              <a:t> of 512</a:t>
-            </a:r>
-          </a:p>
-          <a:p>
-            <a:r>
-              <a:rPr lang="ro-RO" dirty="0">
-                <a:latin typeface="Consolas"/>
-              </a:rPr>
-              <a:t>-</a:t>
-            </a:r>
-            <a:r>
-              <a:rPr lang="ro-RO" dirty="0" err="1">
-                <a:latin typeface="Consolas"/>
-              </a:rPr>
-              <a:t>Batch</a:t>
-            </a:r>
-            <a:r>
-              <a:rPr lang="ro-RO" dirty="0">
-                <a:latin typeface="Consolas"/>
-              </a:rPr>
-              <a:t> </a:t>
-            </a:r>
-            <a:r>
-              <a:rPr lang="ro-RO" dirty="0" err="1">
-                <a:latin typeface="Consolas"/>
-              </a:rPr>
-              <a:t>size</a:t>
-            </a:r>
-            <a:r>
-              <a:rPr lang="ro-RO" dirty="0">
-                <a:latin typeface="Consolas"/>
-              </a:rPr>
-              <a:t> 64</a:t>
-            </a:r>
-          </a:p>
-          <a:p>
-            <a:r>
-              <a:rPr lang="ro-RO" dirty="0">
-                <a:latin typeface="Consolas"/>
-              </a:rPr>
-              <a:t>-</a:t>
-            </a:r>
-            <a:r>
-              <a:rPr lang="ro-RO" dirty="0" err="1">
-                <a:latin typeface="Consolas"/>
-              </a:rPr>
-              <a:t>Weight</a:t>
-            </a:r>
-            <a:r>
-              <a:rPr lang="ro-RO" dirty="0">
-                <a:latin typeface="Consolas"/>
-              </a:rPr>
-              <a:t> </a:t>
-            </a:r>
-            <a:r>
-              <a:rPr lang="ro-RO" dirty="0" err="1">
-                <a:latin typeface="Consolas"/>
-              </a:rPr>
-              <a:t>Decay</a:t>
-            </a:r>
-            <a:r>
-              <a:rPr lang="ro-RO" dirty="0">
-                <a:latin typeface="Consolas"/>
-              </a:rPr>
-              <a:t> </a:t>
-            </a:r>
-            <a:r>
-              <a:rPr lang="ro-RO" dirty="0" err="1">
-                <a:latin typeface="Consolas"/>
-              </a:rPr>
-              <a:t>with</a:t>
-            </a:r>
-            <a:r>
-              <a:rPr lang="ro-RO" dirty="0">
-                <a:latin typeface="Consolas"/>
-              </a:rPr>
-              <a:t> </a:t>
-            </a:r>
-            <a:r>
-              <a:rPr lang="ro-RO" dirty="0" err="1">
-                <a:latin typeface="Consolas"/>
-              </a:rPr>
-              <a:t>ReduceLROnPlateau</a:t>
-            </a:r>
-          </a:p>
-        </p:txBody>
-      </p:sp>
-      <p:sp>
-        <p:nvSpPr>
-          <p:cNvPr id="4" name="Substituent număr diapozitiv 3">
-            <a:extLst>
-              <a:ext uri="{FF2B5EF4-FFF2-40B4-BE49-F238E27FC236}">
-                <a16:creationId xmlns:a16="http://schemas.microsoft.com/office/drawing/2014/main" id="{4787F795-C480-2297-6F98-A2721455B6E5}"/>
-              </a:ext>
-            </a:extLst>
-          </p:cNvPr>
-          <p:cNvSpPr>
-            <a:spLocks noGrp="1"/>
-          </p:cNvSpPr>
-          <p:nvPr>
-            <p:ph type="sldNum" idx="12"/>
-          </p:nvPr>
-        </p:nvSpPr>
-        <p:spPr/>
-        <p:txBody>
-          <a:bodyPr/>
-          <a:lstStyle/>
-          <a:p>
-            <a:pPr marL="0" lvl="0" indent="0" algn="r" rtl="0">
-              <a:spcBef>
-                <a:spcPts val="0"/>
-              </a:spcBef>
-              <a:spcAft>
-                <a:spcPts val="0"/>
-              </a:spcAft>
-              <a:buNone/>
-            </a:pPr>
-            <a:fld id="{00000000-1234-1234-1234-123412341234}" type="slidenum">
-              <a:rPr lang="en-US" altLang="zh-TW"/>
-              <a:t>14</a:t>
-            </a:fld>
-            <a:endParaRPr lang="zh-TW" altLang="en-US"/>
-          </a:p>
-        </p:txBody>
-      </p:sp>
-    </p:spTree>
-    <p:extLst>
-      <p:ext uri="{BB962C8B-B14F-4D97-AF65-F5344CB8AC3E}">
-        <p14:creationId xmlns:p14="http://schemas.microsoft.com/office/powerpoint/2010/main" val="413786884"/>
-      </p:ext>
-    </p:extLst>
-  </p:cSld>
-  <p:clrMapOvr>
-    <a:masterClrMapping/>
-  </p:clrMapOvr>
-</p:sld>
-</file>
-
-<file path=ppt/slides/slide15.xml><?xml version="1.0" encoding="utf-8"?>
-<p:sld xmlns:a="http://schemas.openxmlformats.org/drawingml/2006/main" xmlns:r="http://schemas.openxmlformats.org/officeDocument/2006/relationships" xmlns:p="http://schemas.openxmlformats.org/presentationml/2006/main">
-  <p:cSld>
-    <p:spTree>
-      <p:nvGrpSpPr>
-        <p:cNvPr id="1" name=""/>
-        <p:cNvGrpSpPr/>
-        <p:nvPr/>
-      </p:nvGrpSpPr>
-      <p:grpSpPr>
-        <a:xfrm>
-          <a:off x="0" y="0"/>
-          <a:ext cx="0" cy="0"/>
-          <a:chOff x="0" y="0"/>
-          <a:chExt cx="0" cy="0"/>
-        </a:xfrm>
-      </p:grpSpPr>
-      <p:sp>
-        <p:nvSpPr>
-          <p:cNvPr id="2" name="Titlu 1">
-            <a:extLst>
-              <a:ext uri="{FF2B5EF4-FFF2-40B4-BE49-F238E27FC236}">
                 <a16:creationId xmlns:a16="http://schemas.microsoft.com/office/drawing/2014/main" id="{1EE29A36-25E8-6C1E-F2D2-B3246770D294}"/>
               </a:ext>
             </a:extLst>
@@ -7442,7 +7195,7 @@
             </a:pPr>
             <a:fld id="{00000000-1234-1234-1234-123412341234}" type="slidenum">
               <a:rPr lang="en-US" altLang="zh-TW"/>
-              <a:t>15</a:t>
+              <a:t>14</a:t>
             </a:fld>
             <a:endParaRPr lang="zh-TW" altLang="en-US"/>
           </a:p>
@@ -7521,6 +7274,374 @@
 </p:sld>
 </file>
 
+<file path=ppt/slides/slide15.xml><?xml version="1.0" encoding="utf-8"?>
+<p:sld xmlns:a="http://schemas.openxmlformats.org/drawingml/2006/main" xmlns:r="http://schemas.openxmlformats.org/officeDocument/2006/relationships" xmlns:p="http://schemas.openxmlformats.org/presentationml/2006/main">
+  <p:cSld>
+    <p:spTree>
+      <p:nvGrpSpPr>
+        <p:cNvPr id="1" name=""/>
+        <p:cNvGrpSpPr/>
+        <p:nvPr/>
+      </p:nvGrpSpPr>
+      <p:grpSpPr>
+        <a:xfrm>
+          <a:off x="0" y="0"/>
+          <a:ext cx="0" cy="0"/>
+          <a:chOff x="0" y="0"/>
+          <a:chExt cx="0" cy="0"/>
+        </a:xfrm>
+      </p:grpSpPr>
+      <p:sp>
+        <p:nvSpPr>
+          <p:cNvPr id="2" name="Titlu 1">
+            <a:extLst>
+              <a:ext uri="{FF2B5EF4-FFF2-40B4-BE49-F238E27FC236}">
+                <a16:creationId xmlns:a16="http://schemas.microsoft.com/office/drawing/2014/main" id="{2F010B8C-396E-F923-5F19-FAD56E775981}"/>
+              </a:ext>
+            </a:extLst>
+          </p:cNvPr>
+          <p:cNvSpPr>
+            <a:spLocks noGrp="1"/>
+          </p:cNvSpPr>
+          <p:nvPr>
+            <p:ph type="title"/>
+          </p:nvPr>
+        </p:nvSpPr>
+        <p:spPr/>
+        <p:txBody>
+          <a:bodyPr/>
+          <a:lstStyle/>
+          <a:p>
+            <a:r>
+              <a:rPr lang="ro-RO" dirty="0"/>
+              <a:t>CNN</a:t>
+            </a:r>
+          </a:p>
+        </p:txBody>
+      </p:sp>
+      <p:sp>
+        <p:nvSpPr>
+          <p:cNvPr id="3" name="Substituent text 2">
+            <a:extLst>
+              <a:ext uri="{FF2B5EF4-FFF2-40B4-BE49-F238E27FC236}">
+                <a16:creationId xmlns:a16="http://schemas.microsoft.com/office/drawing/2014/main" id="{58358D2E-3694-6AED-5BBA-C6B5B74C04C1}"/>
+              </a:ext>
+            </a:extLst>
+          </p:cNvPr>
+          <p:cNvSpPr>
+            <a:spLocks noGrp="1"/>
+          </p:cNvSpPr>
+          <p:nvPr>
+            <p:ph type="body" idx="1"/>
+          </p:nvPr>
+        </p:nvSpPr>
+        <p:spPr/>
+        <p:txBody>
+          <a:bodyPr/>
+          <a:lstStyle/>
+          <a:p>
+            <a:r>
+              <a:rPr lang="ro-RO" dirty="0">
+                <a:ea typeface="+mn-lt"/>
+                <a:cs typeface="+mn-lt"/>
+              </a:rPr>
+              <a:t>- </a:t>
+            </a:r>
+            <a:r>
+              <a:rPr lang="ro-RO" dirty="0">
+                <a:latin typeface="Consolas"/>
+              </a:rPr>
+              <a:t>GoogleNews-vectors-negative300.bin as input word2vec</a:t>
+            </a:r>
+            <a:endParaRPr lang="ro-RO" dirty="0">
+              <a:ea typeface="+mn-lt"/>
+              <a:cs typeface="+mn-lt"/>
+            </a:endParaRPr>
+          </a:p>
+          <a:p>
+            <a:r>
+              <a:rPr lang="ro-RO" dirty="0">
+                <a:latin typeface="Consolas"/>
+              </a:rPr>
+              <a:t>-</a:t>
+            </a:r>
+            <a:r>
+              <a:rPr lang="ro-RO" dirty="0" err="1">
+                <a:latin typeface="Consolas"/>
+              </a:rPr>
+              <a:t>Early</a:t>
+            </a:r>
+            <a:r>
+              <a:rPr lang="ro-RO" dirty="0">
+                <a:latin typeface="Consolas"/>
+              </a:rPr>
+              <a:t> </a:t>
+            </a:r>
+            <a:r>
+              <a:rPr lang="ro-RO" dirty="0" err="1">
+                <a:latin typeface="Consolas"/>
+              </a:rPr>
+              <a:t>stopping</a:t>
+            </a:r>
+            <a:r>
+              <a:rPr lang="ro-RO" dirty="0">
+                <a:latin typeface="Consolas"/>
+              </a:rPr>
+              <a:t> </a:t>
+            </a:r>
+            <a:r>
+              <a:rPr lang="ro-RO" dirty="0" err="1">
+                <a:latin typeface="Consolas"/>
+              </a:rPr>
+              <a:t>with</a:t>
+            </a:r>
+            <a:r>
+              <a:rPr lang="ro-RO" dirty="0">
+                <a:latin typeface="Consolas"/>
+              </a:rPr>
+              <a:t> </a:t>
+            </a:r>
+            <a:r>
+              <a:rPr lang="ro-RO" dirty="0" err="1">
+                <a:latin typeface="Consolas"/>
+              </a:rPr>
+              <a:t>patience</a:t>
+            </a:r>
+            <a:r>
+              <a:rPr lang="ro-RO" dirty="0">
+                <a:latin typeface="Consolas"/>
+              </a:rPr>
+              <a:t> = 5</a:t>
+            </a:r>
+            <a:endParaRPr lang="en-US" dirty="0">
+              <a:ea typeface="+mn-lt"/>
+              <a:cs typeface="+mn-lt"/>
+            </a:endParaRPr>
+          </a:p>
+          <a:p>
+            <a:r>
+              <a:rPr lang="ro-RO" dirty="0">
+                <a:latin typeface="Consolas"/>
+              </a:rPr>
+              <a:t>-</a:t>
+            </a:r>
+            <a:r>
+              <a:rPr lang="ro-RO" dirty="0" err="1">
+                <a:latin typeface="Consolas"/>
+              </a:rPr>
+              <a:t>Learning</a:t>
+            </a:r>
+            <a:r>
+              <a:rPr lang="ro-RO" dirty="0">
+                <a:latin typeface="Consolas"/>
+              </a:rPr>
+              <a:t> rate 0.0001 </a:t>
+            </a:r>
+            <a:r>
+              <a:rPr lang="ro-RO" dirty="0" err="1">
+                <a:latin typeface="Consolas"/>
+              </a:rPr>
+              <a:t>with</a:t>
+            </a:r>
+            <a:r>
+              <a:rPr lang="ro-RO" dirty="0">
+                <a:latin typeface="Consolas"/>
+              </a:rPr>
+              <a:t> Adam </a:t>
+            </a:r>
+            <a:r>
+              <a:rPr lang="ro-RO" dirty="0" err="1">
+                <a:latin typeface="Consolas"/>
+              </a:rPr>
+              <a:t>Optimizer</a:t>
+            </a:r>
+            <a:endParaRPr lang="en-US" dirty="0" err="1">
+              <a:ea typeface="+mn-lt"/>
+              <a:cs typeface="+mn-lt"/>
+            </a:endParaRPr>
+          </a:p>
+          <a:p>
+            <a:r>
+              <a:rPr lang="ro-RO" dirty="0">
+                <a:latin typeface="Consolas"/>
+              </a:rPr>
+              <a:t>-</a:t>
+            </a:r>
+            <a:r>
+              <a:rPr lang="ro-RO" dirty="0" err="1">
+                <a:latin typeface="Consolas"/>
+              </a:rPr>
+              <a:t>Sequence</a:t>
+            </a:r>
+            <a:r>
+              <a:rPr lang="ro-RO" dirty="0">
+                <a:latin typeface="Consolas"/>
+              </a:rPr>
+              <a:t> </a:t>
+            </a:r>
+            <a:r>
+              <a:rPr lang="ro-RO" dirty="0" err="1">
+                <a:latin typeface="Consolas"/>
+              </a:rPr>
+              <a:t>Length</a:t>
+            </a:r>
+            <a:r>
+              <a:rPr lang="ro-RO" dirty="0">
+                <a:latin typeface="Consolas"/>
+              </a:rPr>
+              <a:t> of 512</a:t>
+            </a:r>
+            <a:endParaRPr lang="en-US" dirty="0">
+              <a:ea typeface="+mn-lt"/>
+              <a:cs typeface="+mn-lt"/>
+            </a:endParaRPr>
+          </a:p>
+          <a:p>
+            <a:r>
+              <a:rPr lang="ro-RO" dirty="0">
+                <a:latin typeface="Consolas"/>
+              </a:rPr>
+              <a:t>-</a:t>
+            </a:r>
+            <a:r>
+              <a:rPr lang="ro-RO" dirty="0" err="1">
+                <a:latin typeface="Consolas"/>
+              </a:rPr>
+              <a:t>Batch</a:t>
+            </a:r>
+            <a:r>
+              <a:rPr lang="ro-RO" dirty="0">
+                <a:latin typeface="Consolas"/>
+              </a:rPr>
+              <a:t> </a:t>
+            </a:r>
+            <a:r>
+              <a:rPr lang="ro-RO" dirty="0" err="1">
+                <a:latin typeface="Consolas"/>
+              </a:rPr>
+              <a:t>size</a:t>
+            </a:r>
+            <a:r>
+              <a:rPr lang="ro-RO" dirty="0">
+                <a:latin typeface="Consolas"/>
+              </a:rPr>
+              <a:t> 64</a:t>
+            </a:r>
+            <a:endParaRPr lang="en-US" dirty="0">
+              <a:ea typeface="+mn-lt"/>
+              <a:cs typeface="+mn-lt"/>
+            </a:endParaRPr>
+          </a:p>
+          <a:p>
+            <a:r>
+              <a:rPr lang="ro-RO" dirty="0">
+                <a:latin typeface="Consolas"/>
+              </a:rPr>
+              <a:t>-</a:t>
+            </a:r>
+            <a:r>
+              <a:rPr lang="ro-RO" dirty="0" err="1">
+                <a:latin typeface="Consolas"/>
+              </a:rPr>
+              <a:t>Weight</a:t>
+            </a:r>
+            <a:r>
+              <a:rPr lang="ro-RO" dirty="0">
+                <a:latin typeface="Consolas"/>
+              </a:rPr>
+              <a:t> </a:t>
+            </a:r>
+            <a:r>
+              <a:rPr lang="ro-RO" dirty="0" err="1">
+                <a:latin typeface="Consolas"/>
+              </a:rPr>
+              <a:t>Decay</a:t>
+            </a:r>
+            <a:r>
+              <a:rPr lang="ro-RO" dirty="0">
+                <a:latin typeface="Consolas"/>
+              </a:rPr>
+              <a:t> </a:t>
+            </a:r>
+            <a:r>
+              <a:rPr lang="ro-RO" dirty="0" err="1">
+                <a:latin typeface="Consolas"/>
+              </a:rPr>
+              <a:t>with</a:t>
+            </a:r>
+            <a:r>
+              <a:rPr lang="ro-RO" dirty="0">
+                <a:latin typeface="Consolas"/>
+              </a:rPr>
+              <a:t> </a:t>
+            </a:r>
+            <a:r>
+              <a:rPr lang="ro-RO" dirty="0" err="1">
+                <a:latin typeface="Consolas"/>
+              </a:rPr>
+              <a:t>ReduceLROnPlateau</a:t>
+            </a:r>
+            <a:endParaRPr lang="en-US" dirty="0" err="1">
+              <a:ea typeface="+mn-lt"/>
+              <a:cs typeface="+mn-lt"/>
+            </a:endParaRPr>
+          </a:p>
+          <a:p>
+            <a:endParaRPr lang="ro-RO" dirty="0"/>
+          </a:p>
+        </p:txBody>
+      </p:sp>
+      <p:sp>
+        <p:nvSpPr>
+          <p:cNvPr id="4" name="Substituent număr diapozitiv 3">
+            <a:extLst>
+              <a:ext uri="{FF2B5EF4-FFF2-40B4-BE49-F238E27FC236}">
+                <a16:creationId xmlns:a16="http://schemas.microsoft.com/office/drawing/2014/main" id="{B4062911-2C44-DE3B-2E8E-1C5AE7B1E263}"/>
+              </a:ext>
+            </a:extLst>
+          </p:cNvPr>
+          <p:cNvSpPr>
+            <a:spLocks noGrp="1"/>
+          </p:cNvSpPr>
+          <p:nvPr>
+            <p:ph type="sldNum" idx="12"/>
+          </p:nvPr>
+        </p:nvSpPr>
+        <p:spPr/>
+        <p:txBody>
+          <a:bodyPr/>
+          <a:lstStyle/>
+          <a:p>
+            <a:pPr marL="0" lvl="0" indent="0" algn="r" rtl="0">
+              <a:spcBef>
+                <a:spcPts val="0"/>
+              </a:spcBef>
+              <a:spcAft>
+                <a:spcPts val="0"/>
+              </a:spcAft>
+              <a:buNone/>
+            </a:pPr>
+            <a:fld id="{00000000-1234-1234-1234-123412341234}" type="slidenum">
+              <a:rPr lang="en-US" altLang="zh-TW"/>
+              <a:t>15</a:t>
+            </a:fld>
+            <a:endParaRPr lang="zh-TW" altLang="en-US"/>
+          </a:p>
+        </p:txBody>
+      </p:sp>
+    </p:spTree>
+    <p:extLst>
+      <p:ext uri="{BB962C8B-B14F-4D97-AF65-F5344CB8AC3E}">
+        <p14:creationId xmlns:p14="http://schemas.microsoft.com/office/powerpoint/2010/main" val="602341222"/>
+      </p:ext>
+    </p:extLst>
+  </p:cSld>
+  <p:clrMapOvr>
+    <a:masterClrMapping/>
+  </p:clrMapOvr>
+</p:sld>
+</file>
+
 <file path=ppt/slides/slide16.xml><?xml version="1.0" encoding="utf-8"?>
 <p:sld xmlns:a="http://schemas.openxmlformats.org/drawingml/2006/main" xmlns:r="http://schemas.openxmlformats.org/officeDocument/2006/relationships" xmlns:p="http://schemas.openxmlformats.org/presentationml/2006/main">
   <p:cSld>
@@ -7543,7 +7664,7 @@
           <p:cNvPr id="2" name="Titlu 1">
             <a:extLst>
               <a:ext uri="{FF2B5EF4-FFF2-40B4-BE49-F238E27FC236}">
-                <a16:creationId xmlns:a16="http://schemas.microsoft.com/office/drawing/2014/main" id="{2F010B8C-396E-F923-5F19-FAD56E775981}"/>
+                <a16:creationId xmlns:a16="http://schemas.microsoft.com/office/drawing/2014/main" id="{B3F76173-B314-EF44-3270-AD7231E33FDF}"/>
               </a:ext>
             </a:extLst>
           </p:cNvPr>
@@ -7560,8 +7681,12 @@
           <a:lstStyle/>
           <a:p>
             <a:r>
+              <a:rPr lang="ro-RO" dirty="0" err="1"/>
+              <a:t>LoGISTIC</a:t>
+            </a:r>
+            <a:r>
               <a:rPr lang="ro-RO" dirty="0"/>
-              <a:t>CNN</a:t>
+              <a:t>-REGRESSION</a:t>
             </a:r>
           </a:p>
         </p:txBody>
@@ -7571,7 +7696,7 @@
           <p:cNvPr id="3" name="Substituent text 2">
             <a:extLst>
               <a:ext uri="{FF2B5EF4-FFF2-40B4-BE49-F238E27FC236}">
-                <a16:creationId xmlns:a16="http://schemas.microsoft.com/office/drawing/2014/main" id="{58358D2E-3694-6AED-5BBA-C6B5B74C04C1}"/>
+                <a16:creationId xmlns:a16="http://schemas.microsoft.com/office/drawing/2014/main" id="{B97FF502-C2FD-A740-9742-3754877FD5BD}"/>
               </a:ext>
             </a:extLst>
           </p:cNvPr>
@@ -7588,253 +7713,176 @@
           <a:lstStyle/>
           <a:p>
             <a:r>
+              <a:rPr lang="ro-RO" dirty="0" err="1"/>
+              <a:t>Models</a:t>
+            </a:r>
+            <a:r>
+              <a:rPr lang="ro-RO" dirty="0"/>
+              <a:t>: </a:t>
+            </a:r>
+          </a:p>
+          <a:p>
+            <a:r>
+              <a:rPr lang="ro-RO" dirty="0"/>
+              <a:t>TFIDF(1 </a:t>
+            </a:r>
+            <a:r>
+              <a:rPr lang="ro-RO" dirty="0" err="1"/>
+              <a:t>grams</a:t>
+            </a:r>
+            <a:r>
+              <a:rPr lang="ro-RO" dirty="0"/>
+              <a:t> </a:t>
+            </a:r>
+            <a:r>
+              <a:rPr lang="ro-RO" dirty="0" err="1"/>
+              <a:t>and</a:t>
+            </a:r>
+            <a:r>
+              <a:rPr lang="ro-RO" dirty="0"/>
+              <a:t> 3 </a:t>
+            </a:r>
+            <a:r>
+              <a:rPr lang="ro-RO" dirty="0" err="1"/>
+              <a:t>grams</a:t>
+            </a:r>
+            <a:r>
+              <a:rPr lang="ro-RO" dirty="0"/>
+              <a:t> + </a:t>
+            </a:r>
+            <a:r>
+              <a:rPr lang="ro-RO" dirty="0" err="1"/>
+              <a:t>features</a:t>
+            </a:r>
+            <a:r>
+              <a:rPr lang="ro-RO" dirty="0"/>
+              <a:t>) , </a:t>
+            </a:r>
+          </a:p>
+          <a:p>
+            <a:r>
+              <a:rPr lang="ro-RO" dirty="0"/>
+              <a:t> </a:t>
+            </a:r>
+            <a:r>
+              <a:rPr lang="ro-RO" dirty="0" err="1"/>
+              <a:t>domain</a:t>
+            </a:r>
+            <a:r>
+              <a:rPr lang="ro-RO" dirty="0"/>
+              <a:t> word2vec(</a:t>
+            </a:r>
+            <a:r>
+              <a:rPr lang="ro-RO" dirty="0" err="1"/>
+              <a:t>trained</a:t>
+            </a:r>
+            <a:r>
+              <a:rPr lang="ro-RO" dirty="0"/>
+              <a:t> </a:t>
+            </a:r>
+            <a:r>
+              <a:rPr lang="ro-RO" dirty="0" err="1"/>
+              <a:t>with</a:t>
+            </a:r>
+            <a:r>
+              <a:rPr lang="ro-RO" dirty="0"/>
+              <a:t> </a:t>
+            </a:r>
+            <a:r>
+              <a:rPr lang="ro-RO" dirty="0" err="1"/>
+              <a:t>gensim</a:t>
+            </a:r>
+            <a:r>
+              <a:rPr lang="ro-RO" dirty="0"/>
+              <a:t>) + </a:t>
+            </a:r>
+            <a:r>
+              <a:rPr lang="ro-RO" dirty="0" err="1"/>
+              <a:t>features</a:t>
+            </a:r>
+            <a:endParaRPr lang="ro-RO" dirty="0"/>
+          </a:p>
+          <a:p>
+            <a:r>
+              <a:rPr lang="ro-RO" dirty="0"/>
+              <a:t> word2vec </a:t>
+            </a:r>
+            <a:r>
+              <a:rPr lang="ro-RO" dirty="0" err="1"/>
+              <a:t>pretrained</a:t>
+            </a:r>
+            <a:r>
+              <a:rPr lang="ro-RO" dirty="0"/>
+              <a:t>(</a:t>
+            </a:r>
+            <a:r>
               <a:rPr lang="ro-RO" dirty="0">
-                <a:ea typeface="+mn-lt"/>
-                <a:cs typeface="+mn-lt"/>
-              </a:rPr>
-              <a:t>- </a:t>
+                <a:latin typeface="Consolas"/>
+              </a:rPr>
+              <a:t>GoogleNews-vectors-negative300.bin)</a:t>
+            </a:r>
+            <a:r>
+              <a:rPr lang="ro-RO" dirty="0"/>
+              <a:t> + </a:t>
+            </a:r>
+            <a:r>
+              <a:rPr lang="ro-RO" dirty="0" err="1"/>
+              <a:t>features</a:t>
+            </a:r>
+            <a:r>
+              <a:rPr lang="ro-RO" dirty="0"/>
+              <a:t>,</a:t>
+            </a:r>
+          </a:p>
+          <a:p>
+            <a:r>
+              <a:rPr lang="ro-RO" dirty="0"/>
+              <a:t> </a:t>
+            </a:r>
+            <a:r>
+              <a:rPr lang="ro-RO" dirty="0" err="1"/>
+              <a:t>bert</a:t>
+            </a:r>
+            <a:r>
+              <a:rPr lang="ro-RO" dirty="0"/>
+              <a:t> </a:t>
+            </a:r>
+            <a:r>
+              <a:rPr lang="ro-RO" dirty="0" err="1"/>
+              <a:t>embeddings</a:t>
+            </a:r>
+            <a:r>
+              <a:rPr lang="ro-RO" dirty="0"/>
+              <a:t>(</a:t>
+            </a:r>
+            <a:r>
+              <a:rPr lang="ro-RO" dirty="0" err="1">
+                <a:latin typeface="Consolas"/>
+              </a:rPr>
+              <a:t>bert-base-uncased</a:t>
             </a:r>
             <a:r>
               <a:rPr lang="ro-RO" dirty="0">
                 <a:latin typeface="Consolas"/>
               </a:rPr>
-              <a:t>GoogleNews-vectors-negative300.bin as input word2vec</a:t>
+              <a:t>)</a:t>
+            </a:r>
+            <a:r>
+              <a:rPr lang="ro-RO" dirty="0"/>
+              <a:t> + </a:t>
+            </a:r>
+            <a:r>
+              <a:rPr lang="ro-RO" dirty="0" err="1"/>
+              <a:t>features</a:t>
             </a:r>
             <a:endParaRPr lang="ro-RO" dirty="0">
-              <a:ea typeface="+mn-lt"/>
-              <a:cs typeface="+mn-lt"/>
+              <a:latin typeface="Gill Sans MT" panose="020B0502020104020203"/>
             </a:endParaRPr>
           </a:p>
           <a:p>
-            <a:r>
-              <a:rPr lang="ro-RO" dirty="0">
-                <a:latin typeface="Consolas"/>
-              </a:rPr>
-              <a:t>-</a:t>
-            </a:r>
-            <a:r>
-              <a:rPr lang="ro-RO" dirty="0" err="1">
-                <a:latin typeface="Consolas"/>
-              </a:rPr>
-              <a:t>Early</a:t>
-            </a:r>
-            <a:r>
-              <a:rPr lang="ro-RO" dirty="0">
-                <a:latin typeface="Consolas"/>
-              </a:rPr>
-              <a:t> </a:t>
-            </a:r>
-            <a:r>
-              <a:rPr lang="ro-RO" dirty="0" err="1">
-                <a:latin typeface="Consolas"/>
-              </a:rPr>
-              <a:t>stopping</a:t>
-            </a:r>
-            <a:r>
-              <a:rPr lang="ro-RO" dirty="0">
-                <a:latin typeface="Consolas"/>
-              </a:rPr>
-              <a:t> </a:t>
-            </a:r>
-            <a:r>
-              <a:rPr lang="ro-RO" dirty="0" err="1">
-                <a:latin typeface="Consolas"/>
-              </a:rPr>
-              <a:t>with</a:t>
-            </a:r>
-            <a:r>
-              <a:rPr lang="ro-RO" dirty="0">
-                <a:latin typeface="Consolas"/>
-              </a:rPr>
-              <a:t> </a:t>
-            </a:r>
-            <a:r>
-              <a:rPr lang="ro-RO" dirty="0" err="1">
-                <a:latin typeface="Consolas"/>
-              </a:rPr>
-              <a:t>patience</a:t>
-            </a:r>
-            <a:r>
-              <a:rPr lang="ro-RO" dirty="0">
-                <a:latin typeface="Consolas"/>
-              </a:rPr>
-              <a:t> = 5</a:t>
-            </a:r>
-            <a:endParaRPr lang="en-US" dirty="0">
-              <a:ea typeface="+mn-lt"/>
-              <a:cs typeface="+mn-lt"/>
+            <a:endParaRPr lang="ro-RO" dirty="0">
+              <a:latin typeface="Consolas"/>
             </a:endParaRPr>
-          </a:p>
-          <a:p>
-            <a:r>
-              <a:rPr lang="ro-RO" dirty="0">
-                <a:latin typeface="Consolas"/>
-              </a:rPr>
-              <a:t>-</a:t>
-            </a:r>
-            <a:r>
-              <a:rPr lang="ro-RO" dirty="0" err="1">
-                <a:latin typeface="Consolas"/>
-              </a:rPr>
-              <a:t>Learning</a:t>
-            </a:r>
-            <a:r>
-              <a:rPr lang="ro-RO" dirty="0">
-                <a:latin typeface="Consolas"/>
-              </a:rPr>
-              <a:t> rate 0.0001 </a:t>
-            </a:r>
-            <a:r>
-              <a:rPr lang="ro-RO" dirty="0" err="1">
-                <a:latin typeface="Consolas"/>
-              </a:rPr>
-              <a:t>with</a:t>
-            </a:r>
-            <a:r>
-              <a:rPr lang="ro-RO" dirty="0">
-                <a:latin typeface="Consolas"/>
-              </a:rPr>
-              <a:t> Adam </a:t>
-            </a:r>
-            <a:r>
-              <a:rPr lang="ro-RO" dirty="0" err="1">
-                <a:latin typeface="Consolas"/>
-              </a:rPr>
-              <a:t>Optimizer</a:t>
-            </a:r>
-            <a:endParaRPr lang="en-US" dirty="0" err="1">
-              <a:ea typeface="+mn-lt"/>
-              <a:cs typeface="+mn-lt"/>
-            </a:endParaRPr>
-          </a:p>
-          <a:p>
-            <a:r>
-              <a:rPr lang="ro-RO" dirty="0">
-                <a:latin typeface="Consolas"/>
-              </a:rPr>
-              <a:t>-</a:t>
-            </a:r>
-            <a:r>
-              <a:rPr lang="ro-RO" dirty="0" err="1">
-                <a:latin typeface="Consolas"/>
-              </a:rPr>
-              <a:t>Sequence</a:t>
-            </a:r>
-            <a:r>
-              <a:rPr lang="ro-RO" dirty="0">
-                <a:latin typeface="Consolas"/>
-              </a:rPr>
-              <a:t> </a:t>
-            </a:r>
-            <a:r>
-              <a:rPr lang="ro-RO" dirty="0" err="1">
-                <a:latin typeface="Consolas"/>
-              </a:rPr>
-              <a:t>Length</a:t>
-            </a:r>
-            <a:r>
-              <a:rPr lang="ro-RO" dirty="0">
-                <a:latin typeface="Consolas"/>
-              </a:rPr>
-              <a:t> of 512</a:t>
-            </a:r>
-            <a:endParaRPr lang="en-US" dirty="0">
-              <a:ea typeface="+mn-lt"/>
-              <a:cs typeface="+mn-lt"/>
-            </a:endParaRPr>
-          </a:p>
-          <a:p>
-            <a:r>
-              <a:rPr lang="ro-RO" dirty="0">
-                <a:latin typeface="Consolas"/>
-              </a:rPr>
-              <a:t>-</a:t>
-            </a:r>
-            <a:r>
-              <a:rPr lang="ro-RO" dirty="0" err="1">
-                <a:latin typeface="Consolas"/>
-              </a:rPr>
-              <a:t>Batch</a:t>
-            </a:r>
-            <a:r>
-              <a:rPr lang="ro-RO" dirty="0">
-                <a:latin typeface="Consolas"/>
-              </a:rPr>
-              <a:t> </a:t>
-            </a:r>
-            <a:r>
-              <a:rPr lang="ro-RO" dirty="0" err="1">
-                <a:latin typeface="Consolas"/>
-              </a:rPr>
-              <a:t>size</a:t>
-            </a:r>
-            <a:r>
-              <a:rPr lang="ro-RO" dirty="0">
-                <a:latin typeface="Consolas"/>
-              </a:rPr>
-              <a:t> 64</a:t>
-            </a:r>
-            <a:endParaRPr lang="en-US" dirty="0">
-              <a:ea typeface="+mn-lt"/>
-              <a:cs typeface="+mn-lt"/>
-            </a:endParaRPr>
-          </a:p>
-          <a:p>
-            <a:r>
-              <a:rPr lang="ro-RO" dirty="0">
-                <a:latin typeface="Consolas"/>
-              </a:rPr>
-              <a:t>-</a:t>
-            </a:r>
-            <a:r>
-              <a:rPr lang="ro-RO" dirty="0" err="1">
-                <a:latin typeface="Consolas"/>
-              </a:rPr>
-              <a:t>Weight</a:t>
-            </a:r>
-            <a:r>
-              <a:rPr lang="ro-RO" dirty="0">
-                <a:latin typeface="Consolas"/>
-              </a:rPr>
-              <a:t> </a:t>
-            </a:r>
-            <a:r>
-              <a:rPr lang="ro-RO" dirty="0" err="1">
-                <a:latin typeface="Consolas"/>
-              </a:rPr>
-              <a:t>Decay</a:t>
-            </a:r>
-            <a:r>
-              <a:rPr lang="ro-RO" dirty="0">
-                <a:latin typeface="Consolas"/>
-              </a:rPr>
-              <a:t> </a:t>
-            </a:r>
-            <a:r>
-              <a:rPr lang="ro-RO" dirty="0" err="1">
-                <a:latin typeface="Consolas"/>
-              </a:rPr>
-              <a:t>with</a:t>
-            </a:r>
-            <a:r>
-              <a:rPr lang="ro-RO" dirty="0">
-                <a:latin typeface="Consolas"/>
-              </a:rPr>
-              <a:t> </a:t>
-            </a:r>
-            <a:r>
-              <a:rPr lang="ro-RO" dirty="0" err="1">
-                <a:latin typeface="Consolas"/>
-              </a:rPr>
-              <a:t>ReduceLROnPlateau</a:t>
-            </a:r>
-            <a:endParaRPr lang="en-US" dirty="0" err="1">
-              <a:ea typeface="+mn-lt"/>
-              <a:cs typeface="+mn-lt"/>
-            </a:endParaRPr>
-          </a:p>
-          <a:p>
-            <a:endParaRPr lang="ro-RO" dirty="0"/>
           </a:p>
         </p:txBody>
       </p:sp>
@@ -7843,7 +7891,7 @@
           <p:cNvPr id="4" name="Substituent număr diapozitiv 3">
             <a:extLst>
               <a:ext uri="{FF2B5EF4-FFF2-40B4-BE49-F238E27FC236}">
-                <a16:creationId xmlns:a16="http://schemas.microsoft.com/office/drawing/2014/main" id="{B4062911-2C44-DE3B-2E8E-1C5AE7B1E263}"/>
+                <a16:creationId xmlns:a16="http://schemas.microsoft.com/office/drawing/2014/main" id="{C4DD8681-7AEE-A3D6-6E35-3FB8F87792D8}"/>
               </a:ext>
             </a:extLst>
           </p:cNvPr>
@@ -7879,7 +7927,7 @@
     </p:spTree>
     <p:extLst>
       <p:ext uri="{BB962C8B-B14F-4D97-AF65-F5344CB8AC3E}">
-        <p14:creationId xmlns:p14="http://schemas.microsoft.com/office/powerpoint/2010/main" val="602341222"/>
+        <p14:creationId xmlns:p14="http://schemas.microsoft.com/office/powerpoint/2010/main" val="3980318370"/>
       </p:ext>
     </p:extLst>
   </p:cSld>
@@ -7911,272 +7959,6 @@
           <p:cNvPr id="2" name="Titlu 1">
             <a:extLst>
               <a:ext uri="{FF2B5EF4-FFF2-40B4-BE49-F238E27FC236}">
-                <a16:creationId xmlns:a16="http://schemas.microsoft.com/office/drawing/2014/main" id="{B3F76173-B314-EF44-3270-AD7231E33FDF}"/>
-              </a:ext>
-            </a:extLst>
-          </p:cNvPr>
-          <p:cNvSpPr>
-            <a:spLocks noGrp="1"/>
-          </p:cNvSpPr>
-          <p:nvPr>
-            <p:ph type="title"/>
-          </p:nvPr>
-        </p:nvSpPr>
-        <p:spPr/>
-        <p:txBody>
-          <a:bodyPr/>
-          <a:lstStyle/>
-          <a:p>
-            <a:r>
-              <a:rPr lang="ro-RO" dirty="0" err="1"/>
-              <a:t>LoGISTIC</a:t>
-            </a:r>
-            <a:r>
-              <a:rPr lang="ro-RO" dirty="0"/>
-              <a:t>-REGRESSION</a:t>
-            </a:r>
-          </a:p>
-        </p:txBody>
-      </p:sp>
-      <p:sp>
-        <p:nvSpPr>
-          <p:cNvPr id="3" name="Substituent text 2">
-            <a:extLst>
-              <a:ext uri="{FF2B5EF4-FFF2-40B4-BE49-F238E27FC236}">
-                <a16:creationId xmlns:a16="http://schemas.microsoft.com/office/drawing/2014/main" id="{B97FF502-C2FD-A740-9742-3754877FD5BD}"/>
-              </a:ext>
-            </a:extLst>
-          </p:cNvPr>
-          <p:cNvSpPr>
-            <a:spLocks noGrp="1"/>
-          </p:cNvSpPr>
-          <p:nvPr>
-            <p:ph type="body" idx="1"/>
-          </p:nvPr>
-        </p:nvSpPr>
-        <p:spPr/>
-        <p:txBody>
-          <a:bodyPr/>
-          <a:lstStyle/>
-          <a:p>
-            <a:r>
-              <a:rPr lang="ro-RO" dirty="0" err="1"/>
-              <a:t>Models</a:t>
-            </a:r>
-            <a:r>
-              <a:rPr lang="ro-RO" dirty="0"/>
-              <a:t>: </a:t>
-            </a:r>
-          </a:p>
-          <a:p>
-            <a:r>
-              <a:rPr lang="ro-RO" dirty="0"/>
-              <a:t>TFIDF(1 </a:t>
-            </a:r>
-            <a:r>
-              <a:rPr lang="ro-RO" dirty="0" err="1"/>
-              <a:t>grams</a:t>
-            </a:r>
-            <a:r>
-              <a:rPr lang="ro-RO" dirty="0"/>
-              <a:t> </a:t>
-            </a:r>
-            <a:r>
-              <a:rPr lang="ro-RO" dirty="0" err="1"/>
-              <a:t>and</a:t>
-            </a:r>
-            <a:r>
-              <a:rPr lang="ro-RO" dirty="0"/>
-              <a:t> 3 </a:t>
-            </a:r>
-            <a:r>
-              <a:rPr lang="ro-RO" dirty="0" err="1"/>
-              <a:t>grams</a:t>
-            </a:r>
-            <a:r>
-              <a:rPr lang="ro-RO" dirty="0"/>
-              <a:t>) , </a:t>
-            </a:r>
-          </a:p>
-          <a:p>
-            <a:r>
-              <a:rPr lang="ro-RO" dirty="0"/>
-              <a:t> </a:t>
-            </a:r>
-            <a:r>
-              <a:rPr lang="ro-RO" dirty="0" err="1"/>
-              <a:t>domain</a:t>
-            </a:r>
-            <a:r>
-              <a:rPr lang="ro-RO" dirty="0"/>
-              <a:t> word2vec(</a:t>
-            </a:r>
-            <a:r>
-              <a:rPr lang="ro-RO" dirty="0" err="1"/>
-              <a:t>trained</a:t>
-            </a:r>
-            <a:r>
-              <a:rPr lang="ro-RO" dirty="0"/>
-              <a:t> </a:t>
-            </a:r>
-            <a:r>
-              <a:rPr lang="ro-RO" dirty="0" err="1"/>
-              <a:t>with</a:t>
-            </a:r>
-            <a:r>
-              <a:rPr lang="ro-RO" dirty="0"/>
-              <a:t> </a:t>
-            </a:r>
-            <a:r>
-              <a:rPr lang="ro-RO" dirty="0" err="1"/>
-              <a:t>gensim</a:t>
-            </a:r>
-            <a:r>
-              <a:rPr lang="ro-RO" dirty="0"/>
-              <a:t>)</a:t>
-            </a:r>
-          </a:p>
-          <a:p>
-            <a:r>
-              <a:rPr lang="ro-RO" dirty="0"/>
-              <a:t> word2vec </a:t>
-            </a:r>
-            <a:r>
-              <a:rPr lang="ro-RO" dirty="0" err="1"/>
-              <a:t>pretrained</a:t>
-            </a:r>
-            <a:r>
-              <a:rPr lang="ro-RO" dirty="0"/>
-              <a:t>(</a:t>
-            </a:r>
-            <a:r>
-              <a:rPr lang="ro-RO" dirty="0">
-                <a:latin typeface="Consolas"/>
-              </a:rPr>
-              <a:t>GoogleNews-vectors-negative300.bin)</a:t>
-            </a:r>
-            <a:r>
-              <a:rPr lang="ro-RO" dirty="0"/>
-              <a:t>,</a:t>
-            </a:r>
-          </a:p>
-          <a:p>
-            <a:r>
-              <a:rPr lang="ro-RO" dirty="0"/>
-              <a:t> </a:t>
-            </a:r>
-            <a:r>
-              <a:rPr lang="ro-RO" dirty="0" err="1"/>
-              <a:t>bert</a:t>
-            </a:r>
-            <a:r>
-              <a:rPr lang="ro-RO" dirty="0"/>
-              <a:t> </a:t>
-            </a:r>
-            <a:r>
-              <a:rPr lang="ro-RO" dirty="0" err="1"/>
-              <a:t>embeddings</a:t>
-            </a:r>
-            <a:r>
-              <a:rPr lang="ro-RO" dirty="0"/>
-              <a:t>(</a:t>
-            </a:r>
-            <a:r>
-              <a:rPr lang="ro-RO" dirty="0" err="1">
-                <a:latin typeface="Consolas"/>
-              </a:rPr>
-              <a:t>bert-base-uncased</a:t>
-            </a:r>
-            <a:r>
-              <a:rPr lang="ro-RO" dirty="0">
-                <a:latin typeface="Consolas"/>
-              </a:rPr>
-              <a:t>)</a:t>
-            </a:r>
-            <a:endParaRPr lang="ro-RO" dirty="0">
-              <a:latin typeface="Gill Sans MT" panose="020B0502020104020203"/>
-            </a:endParaRPr>
-          </a:p>
-          <a:p>
-            <a:endParaRPr lang="ro-RO" dirty="0">
-              <a:latin typeface="Consolas"/>
-            </a:endParaRPr>
-          </a:p>
-        </p:txBody>
-      </p:sp>
-      <p:sp>
-        <p:nvSpPr>
-          <p:cNvPr id="4" name="Substituent număr diapozitiv 3">
-            <a:extLst>
-              <a:ext uri="{FF2B5EF4-FFF2-40B4-BE49-F238E27FC236}">
-                <a16:creationId xmlns:a16="http://schemas.microsoft.com/office/drawing/2014/main" id="{C4DD8681-7AEE-A3D6-6E35-3FB8F87792D8}"/>
-              </a:ext>
-            </a:extLst>
-          </p:cNvPr>
-          <p:cNvSpPr>
-            <a:spLocks noGrp="1"/>
-          </p:cNvSpPr>
-          <p:nvPr>
-            <p:ph type="sldNum" idx="12"/>
-          </p:nvPr>
-        </p:nvSpPr>
-        <p:spPr/>
-        <p:txBody>
-          <a:bodyPr/>
-          <a:lstStyle/>
-          <a:p>
-            <a:pPr marL="0" lvl="0" indent="0" algn="r" rtl="0">
-              <a:spcBef>
-                <a:spcPts val="0"/>
-              </a:spcBef>
-              <a:spcAft>
-                <a:spcPts val="0"/>
-              </a:spcAft>
-              <a:buNone/>
-            </a:pPr>
-            <a:fld id="{00000000-1234-1234-1234-123412341234}" type="slidenum">
-              <a:rPr lang="en-US" altLang="zh-TW"/>
-              <a:t>17</a:t>
-            </a:fld>
-            <a:endParaRPr lang="zh-TW" altLang="en-US"/>
-          </a:p>
-        </p:txBody>
-      </p:sp>
-    </p:spTree>
-    <p:extLst>
-      <p:ext uri="{BB962C8B-B14F-4D97-AF65-F5344CB8AC3E}">
-        <p14:creationId xmlns:p14="http://schemas.microsoft.com/office/powerpoint/2010/main" val="3980318370"/>
-      </p:ext>
-    </p:extLst>
-  </p:cSld>
-  <p:clrMapOvr>
-    <a:masterClrMapping/>
-  </p:clrMapOvr>
-</p:sld>
-</file>
-
-<file path=ppt/slides/slide18.xml><?xml version="1.0" encoding="utf-8"?>
-<p:sld xmlns:a="http://schemas.openxmlformats.org/drawingml/2006/main" xmlns:r="http://schemas.openxmlformats.org/officeDocument/2006/relationships" xmlns:p="http://schemas.openxmlformats.org/presentationml/2006/main">
-  <p:cSld>
-    <p:spTree>
-      <p:nvGrpSpPr>
-        <p:cNvPr id="1" name=""/>
-        <p:cNvGrpSpPr/>
-        <p:nvPr/>
-      </p:nvGrpSpPr>
-      <p:grpSpPr>
-        <a:xfrm>
-          <a:off x="0" y="0"/>
-          <a:ext cx="0" cy="0"/>
-          <a:chOff x="0" y="0"/>
-          <a:chExt cx="0" cy="0"/>
-        </a:xfrm>
-      </p:grpSpPr>
-      <p:sp>
-        <p:nvSpPr>
-          <p:cNvPr id="2" name="Titlu 1">
-            <a:extLst>
-              <a:ext uri="{FF2B5EF4-FFF2-40B4-BE49-F238E27FC236}">
                 <a16:creationId xmlns:a16="http://schemas.microsoft.com/office/drawing/2014/main" id="{0AE3C91D-2991-9A0C-CE97-6A1AE2BCABBC}"/>
               </a:ext>
             </a:extLst>
@@ -8274,7 +8056,7 @@
             </a:pPr>
             <a:fld id="{00000000-1234-1234-1234-123412341234}" type="slidenum">
               <a:rPr lang="en-US" altLang="zh-TW"/>
-              <a:t>18</a:t>
+              <a:t>17</a:t>
             </a:fld>
             <a:endParaRPr lang="zh-TW" altLang="en-US"/>
           </a:p>
@@ -8353,7 +8135,7 @@
 </p:sld>
 </file>
 
-<file path=ppt/slides/slide19.xml><?xml version="1.0" encoding="utf-8"?>
+<file path=ppt/slides/slide18.xml><?xml version="1.0" encoding="utf-8"?>
 <p:sld xmlns:a="http://schemas.openxmlformats.org/drawingml/2006/main" xmlns:r="http://schemas.openxmlformats.org/officeDocument/2006/relationships" xmlns:p="http://schemas.openxmlformats.org/presentationml/2006/main">
   <p:cSld>
     <p:spTree>
@@ -8459,7 +8241,7 @@
             </a:pPr>
             <a:fld id="{00000000-1234-1234-1234-123412341234}" type="slidenum">
               <a:rPr lang="en-US" altLang="zh-TW"/>
-              <a:t>19</a:t>
+              <a:t>18</a:t>
             </a:fld>
             <a:endParaRPr lang="zh-TW" altLang="en-US"/>
           </a:p>
@@ -8508,266 +8290,7 @@
 </p:sld>
 </file>
 
-<file path=ppt/slides/slide2.xml><?xml version="1.0" encoding="utf-8"?>
-<p:sld xmlns:a="http://schemas.openxmlformats.org/drawingml/2006/main" xmlns:r="http://schemas.openxmlformats.org/officeDocument/2006/relationships" xmlns:p="http://schemas.openxmlformats.org/presentationml/2006/main">
-  <p:cSld>
-    <p:spTree>
-      <p:nvGrpSpPr>
-        <p:cNvPr id="1" name="Shape 97"/>
-        <p:cNvGrpSpPr/>
-        <p:nvPr/>
-      </p:nvGrpSpPr>
-      <p:grpSpPr>
-        <a:xfrm>
-          <a:off x="0" y="0"/>
-          <a:ext cx="0" cy="0"/>
-          <a:chOff x="0" y="0"/>
-          <a:chExt cx="0" cy="0"/>
-        </a:xfrm>
-      </p:grpSpPr>
-      <p:sp>
-        <p:nvSpPr>
-          <p:cNvPr id="98" name="Google Shape;98;p14"/>
-          <p:cNvSpPr txBox="1">
-            <a:spLocks noGrp="1"/>
-          </p:cNvSpPr>
-          <p:nvPr>
-            <p:ph type="title"/>
-          </p:nvPr>
-        </p:nvSpPr>
-        <p:spPr>
-          <a:xfrm>
-            <a:off x="497700" y="96800"/>
-            <a:ext cx="6462600" cy="761700"/>
-          </a:xfrm>
-          <a:prstGeom prst="rect">
-            <a:avLst/>
-          </a:prstGeom>
-        </p:spPr>
-        <p:txBody>
-          <a:bodyPr spcFirstLastPara="1" wrap="square" lIns="91425" tIns="91425" rIns="91425" bIns="91425" anchor="b" anchorCtr="0">
-            <a:noAutofit/>
-          </a:bodyPr>
-          <a:lstStyle/>
-          <a:p>
-            <a:pPr marL="0" lvl="0" indent="0" algn="l" rtl="0">
-              <a:spcBef>
-                <a:spcPts val="0"/>
-              </a:spcBef>
-              <a:spcAft>
-                <a:spcPts val="0"/>
-              </a:spcAft>
-              <a:buNone/>
-            </a:pPr>
-            <a:r>
-              <a:rPr lang="zh-TW" sz="3400" b="1">
-                <a:solidFill>
-                  <a:srgbClr val="677480"/>
-                </a:solidFill>
-              </a:rPr>
-              <a:t>Motivation</a:t>
-            </a:r>
-            <a:endParaRPr sz="3400" b="1">
-              <a:solidFill>
-                <a:srgbClr val="677480"/>
-              </a:solidFill>
-            </a:endParaRPr>
-          </a:p>
-        </p:txBody>
-      </p:sp>
-      <p:sp>
-        <p:nvSpPr>
-          <p:cNvPr id="100" name="Google Shape;100;p14"/>
-          <p:cNvSpPr txBox="1">
-            <a:spLocks noGrp="1"/>
-          </p:cNvSpPr>
-          <p:nvPr>
-            <p:ph type="sldNum" idx="12"/>
-          </p:nvPr>
-        </p:nvSpPr>
-        <p:spPr>
-          <a:prstGeom prst="rect">
-            <a:avLst/>
-          </a:prstGeom>
-        </p:spPr>
-        <p:txBody>
-          <a:bodyPr spcFirstLastPara="1" wrap="square" lIns="91425" tIns="91425" rIns="91425" bIns="91425" anchor="t" anchorCtr="0">
-            <a:noAutofit/>
-          </a:bodyPr>
-          <a:lstStyle/>
-          <a:p>
-            <a:pPr marL="0" lvl="0" indent="0" algn="r" rtl="0">
-              <a:spcBef>
-                <a:spcPts val="0"/>
-              </a:spcBef>
-              <a:spcAft>
-                <a:spcPts val="0"/>
-              </a:spcAft>
-              <a:buNone/>
-            </a:pPr>
-            <a:fld id="{00000000-1234-1234-1234-123412341234}" type="slidenum">
-              <a:rPr lang="en-US" altLang="zh-TW"/>
-              <a:t>2</a:t>
-            </a:fld>
-            <a:endParaRPr/>
-          </a:p>
-        </p:txBody>
-      </p:sp>
-      <p:sp>
-        <p:nvSpPr>
-          <p:cNvPr id="99" name="Google Shape;99;p14"/>
-          <p:cNvSpPr txBox="1">
-            <a:spLocks noGrp="1"/>
-          </p:cNvSpPr>
-          <p:nvPr>
-            <p:ph type="title" idx="4294967295"/>
-          </p:nvPr>
-        </p:nvSpPr>
-        <p:spPr>
-          <a:xfrm>
-            <a:off x="0" y="812800"/>
-            <a:ext cx="8147050" cy="3937000"/>
-          </a:xfrm>
-          <a:prstGeom prst="rect">
-            <a:avLst/>
-          </a:prstGeom>
-        </p:spPr>
-        <p:txBody>
-          <a:bodyPr spcFirstLastPara="1" wrap="square" lIns="91425" tIns="91425" rIns="91425" bIns="91425" anchor="t" anchorCtr="0">
-            <a:noAutofit/>
-          </a:bodyPr>
-          <a:lstStyle/>
-          <a:p>
-            <a:pPr marL="457200" lvl="0" indent="-381000" algn="l" rtl="0">
-              <a:lnSpc>
-                <a:spcPct val="100000"/>
-              </a:lnSpc>
-              <a:spcBef>
-                <a:spcPts val="0"/>
-              </a:spcBef>
-              <a:spcAft>
-                <a:spcPts val="0"/>
-              </a:spcAft>
-              <a:buClr>
-                <a:srgbClr val="677480"/>
-              </a:buClr>
-              <a:buSzPts val="2400"/>
-              <a:buFont typeface="Calibri"/>
-              <a:buChar char="●"/>
-            </a:pPr>
-            <a:r>
-              <a:rPr lang="zh-TW" sz="2400" dirty="0">
-                <a:solidFill>
-                  <a:srgbClr val="677480"/>
-                </a:solidFill>
-                <a:latin typeface="Calibri"/>
-                <a:ea typeface="Calibri"/>
-                <a:cs typeface="Calibri"/>
-                <a:sym typeface="Calibri"/>
-              </a:rPr>
-              <a:t>People express stress on social media nowadays</a:t>
-            </a:r>
-            <a:endParaRPr sz="2400" dirty="0">
-              <a:solidFill>
-                <a:srgbClr val="677480"/>
-              </a:solidFill>
-              <a:latin typeface="Calibri"/>
-              <a:ea typeface="Calibri"/>
-              <a:cs typeface="Calibri"/>
-              <a:sym typeface="Calibri"/>
-            </a:endParaRPr>
-          </a:p>
-          <a:p>
-            <a:pPr marL="457200" lvl="0" indent="-381000" algn="l" rtl="0">
-              <a:lnSpc>
-                <a:spcPct val="100000"/>
-              </a:lnSpc>
-              <a:spcBef>
-                <a:spcPts val="1000"/>
-              </a:spcBef>
-              <a:spcAft>
-                <a:spcPts val="0"/>
-              </a:spcAft>
-              <a:buClr>
-                <a:srgbClr val="677480"/>
-              </a:buClr>
-              <a:buSzPts val="2400"/>
-              <a:buFont typeface="Calibri"/>
-              <a:buChar char="●"/>
-            </a:pPr>
-            <a:r>
-              <a:rPr lang="zh-TW" sz="2400" dirty="0">
-                <a:solidFill>
-                  <a:srgbClr val="677480"/>
-                </a:solidFill>
-                <a:latin typeface="Calibri"/>
-                <a:ea typeface="Calibri"/>
-                <a:cs typeface="Calibri"/>
-                <a:sym typeface="Calibri"/>
-              </a:rPr>
-              <a:t>Could Machine Learning be used to evaluate stress levels of the posts?</a:t>
-            </a:r>
-            <a:endParaRPr sz="2400" dirty="0">
-              <a:solidFill>
-                <a:srgbClr val="677480"/>
-              </a:solidFill>
-              <a:latin typeface="Calibri"/>
-              <a:ea typeface="Calibri"/>
-              <a:cs typeface="Calibri"/>
-              <a:sym typeface="Calibri"/>
-            </a:endParaRPr>
-          </a:p>
-          <a:p>
-            <a:pPr marL="457200" lvl="0" indent="-381000" algn="l" rtl="0">
-              <a:lnSpc>
-                <a:spcPct val="100000"/>
-              </a:lnSpc>
-              <a:spcBef>
-                <a:spcPts val="1000"/>
-              </a:spcBef>
-              <a:spcAft>
-                <a:spcPts val="1000"/>
-              </a:spcAft>
-              <a:buClr>
-                <a:srgbClr val="677480"/>
-              </a:buClr>
-              <a:buSzPts val="2400"/>
-              <a:buFont typeface="Calibri"/>
-              <a:buChar char="●"/>
-            </a:pPr>
-            <a:r>
-              <a:rPr lang="zh-TW" sz="2400" dirty="0">
-                <a:solidFill>
-                  <a:srgbClr val="677480"/>
-                </a:solidFill>
-                <a:latin typeface="Calibri"/>
-                <a:ea typeface="Calibri"/>
-                <a:cs typeface="Calibri"/>
-                <a:sym typeface="Calibri"/>
-              </a:rPr>
-              <a:t>Ex: Identify which company’s interview process have more stress from glassdoor reviews</a:t>
-            </a:r>
-            <a:endParaRPr sz="2400" dirty="0">
-              <a:solidFill>
-                <a:srgbClr val="677480"/>
-              </a:solidFill>
-              <a:latin typeface="Calibri"/>
-              <a:ea typeface="Calibri"/>
-              <a:cs typeface="Calibri"/>
-              <a:sym typeface="Calibri"/>
-            </a:endParaRPr>
-          </a:p>
-        </p:txBody>
-      </p:sp>
-    </p:spTree>
-  </p:cSld>
-  <p:clrMapOvr>
-    <a:masterClrMapping/>
-  </p:clrMapOvr>
-</p:sld>
-</file>
-
-<file path=ppt/slides/slide20.xml><?xml version="1.0" encoding="utf-8"?>
+<file path=ppt/slides/slide19.xml><?xml version="1.0" encoding="utf-8"?>
 <p:sld xmlns:a="http://schemas.openxmlformats.org/drawingml/2006/main" xmlns:r="http://schemas.openxmlformats.org/officeDocument/2006/relationships" xmlns:p="http://schemas.openxmlformats.org/presentationml/2006/main">
   <p:cSld>
     <p:spTree>
@@ -8890,7 +8413,7 @@
             </a:pPr>
             <a:fld id="{00000000-1234-1234-1234-123412341234}" type="slidenum">
               <a:rPr lang="en-US" altLang="zh-TW"/>
-              <a:t>20</a:t>
+              <a:t>19</a:t>
             </a:fld>
             <a:endParaRPr lang="zh-TW" altLang="en-US"/>
           </a:p>
@@ -8969,7 +8492,266 @@
 </p:sld>
 </file>
 
-<file path=ppt/slides/slide21.xml><?xml version="1.0" encoding="utf-8"?>
+<file path=ppt/slides/slide2.xml><?xml version="1.0" encoding="utf-8"?>
+<p:sld xmlns:a="http://schemas.openxmlformats.org/drawingml/2006/main" xmlns:r="http://schemas.openxmlformats.org/officeDocument/2006/relationships" xmlns:p="http://schemas.openxmlformats.org/presentationml/2006/main">
+  <p:cSld>
+    <p:spTree>
+      <p:nvGrpSpPr>
+        <p:cNvPr id="1" name="Shape 97"/>
+        <p:cNvGrpSpPr/>
+        <p:nvPr/>
+      </p:nvGrpSpPr>
+      <p:grpSpPr>
+        <a:xfrm>
+          <a:off x="0" y="0"/>
+          <a:ext cx="0" cy="0"/>
+          <a:chOff x="0" y="0"/>
+          <a:chExt cx="0" cy="0"/>
+        </a:xfrm>
+      </p:grpSpPr>
+      <p:sp>
+        <p:nvSpPr>
+          <p:cNvPr id="98" name="Google Shape;98;p14"/>
+          <p:cNvSpPr txBox="1">
+            <a:spLocks noGrp="1"/>
+          </p:cNvSpPr>
+          <p:nvPr>
+            <p:ph type="title"/>
+          </p:nvPr>
+        </p:nvSpPr>
+        <p:spPr>
+          <a:xfrm>
+            <a:off x="497700" y="96800"/>
+            <a:ext cx="6462600" cy="761700"/>
+          </a:xfrm>
+          <a:prstGeom prst="rect">
+            <a:avLst/>
+          </a:prstGeom>
+        </p:spPr>
+        <p:txBody>
+          <a:bodyPr spcFirstLastPara="1" wrap="square" lIns="91425" tIns="91425" rIns="91425" bIns="91425" anchor="b" anchorCtr="0">
+            <a:noAutofit/>
+          </a:bodyPr>
+          <a:lstStyle/>
+          <a:p>
+            <a:pPr marL="0" lvl="0" indent="0" algn="l" rtl="0">
+              <a:spcBef>
+                <a:spcPts val="0"/>
+              </a:spcBef>
+              <a:spcAft>
+                <a:spcPts val="0"/>
+              </a:spcAft>
+              <a:buNone/>
+            </a:pPr>
+            <a:r>
+              <a:rPr lang="zh-TW" sz="3400" b="1">
+                <a:solidFill>
+                  <a:srgbClr val="677480"/>
+                </a:solidFill>
+              </a:rPr>
+              <a:t>Motivation</a:t>
+            </a:r>
+            <a:endParaRPr sz="3400" b="1">
+              <a:solidFill>
+                <a:srgbClr val="677480"/>
+              </a:solidFill>
+            </a:endParaRPr>
+          </a:p>
+        </p:txBody>
+      </p:sp>
+      <p:sp>
+        <p:nvSpPr>
+          <p:cNvPr id="100" name="Google Shape;100;p14"/>
+          <p:cNvSpPr txBox="1">
+            <a:spLocks noGrp="1"/>
+          </p:cNvSpPr>
+          <p:nvPr>
+            <p:ph type="sldNum" idx="12"/>
+          </p:nvPr>
+        </p:nvSpPr>
+        <p:spPr>
+          <a:prstGeom prst="rect">
+            <a:avLst/>
+          </a:prstGeom>
+        </p:spPr>
+        <p:txBody>
+          <a:bodyPr spcFirstLastPara="1" wrap="square" lIns="91425" tIns="91425" rIns="91425" bIns="91425" anchor="t" anchorCtr="0">
+            <a:noAutofit/>
+          </a:bodyPr>
+          <a:lstStyle/>
+          <a:p>
+            <a:pPr marL="0" lvl="0" indent="0" algn="r" rtl="0">
+              <a:spcBef>
+                <a:spcPts val="0"/>
+              </a:spcBef>
+              <a:spcAft>
+                <a:spcPts val="0"/>
+              </a:spcAft>
+              <a:buNone/>
+            </a:pPr>
+            <a:fld id="{00000000-1234-1234-1234-123412341234}" type="slidenum">
+              <a:rPr lang="en-US" altLang="zh-TW"/>
+              <a:t>2</a:t>
+            </a:fld>
+            <a:endParaRPr/>
+          </a:p>
+        </p:txBody>
+      </p:sp>
+      <p:sp>
+        <p:nvSpPr>
+          <p:cNvPr id="99" name="Google Shape;99;p14"/>
+          <p:cNvSpPr txBox="1">
+            <a:spLocks noGrp="1"/>
+          </p:cNvSpPr>
+          <p:nvPr>
+            <p:ph type="title" idx="4294967295"/>
+          </p:nvPr>
+        </p:nvSpPr>
+        <p:spPr>
+          <a:xfrm>
+            <a:off x="0" y="812800"/>
+            <a:ext cx="8147050" cy="3937000"/>
+          </a:xfrm>
+          <a:prstGeom prst="rect">
+            <a:avLst/>
+          </a:prstGeom>
+        </p:spPr>
+        <p:txBody>
+          <a:bodyPr spcFirstLastPara="1" wrap="square" lIns="91425" tIns="91425" rIns="91425" bIns="91425" anchor="t" anchorCtr="0">
+            <a:noAutofit/>
+          </a:bodyPr>
+          <a:lstStyle/>
+          <a:p>
+            <a:pPr marL="457200" lvl="0" indent="-381000" algn="l" rtl="0">
+              <a:lnSpc>
+                <a:spcPct val="100000"/>
+              </a:lnSpc>
+              <a:spcBef>
+                <a:spcPts val="0"/>
+              </a:spcBef>
+              <a:spcAft>
+                <a:spcPts val="0"/>
+              </a:spcAft>
+              <a:buClr>
+                <a:srgbClr val="677480"/>
+              </a:buClr>
+              <a:buSzPts val="2400"/>
+              <a:buFont typeface="Calibri"/>
+              <a:buChar char="●"/>
+            </a:pPr>
+            <a:r>
+              <a:rPr lang="zh-TW" sz="2400" dirty="0">
+                <a:solidFill>
+                  <a:srgbClr val="677480"/>
+                </a:solidFill>
+                <a:latin typeface="Calibri"/>
+                <a:ea typeface="Calibri"/>
+                <a:cs typeface="Calibri"/>
+                <a:sym typeface="Calibri"/>
+              </a:rPr>
+              <a:t>People express stress on social media nowadays</a:t>
+            </a:r>
+            <a:endParaRPr sz="2400" dirty="0">
+              <a:solidFill>
+                <a:srgbClr val="677480"/>
+              </a:solidFill>
+              <a:latin typeface="Calibri"/>
+              <a:ea typeface="Calibri"/>
+              <a:cs typeface="Calibri"/>
+              <a:sym typeface="Calibri"/>
+            </a:endParaRPr>
+          </a:p>
+          <a:p>
+            <a:pPr marL="457200" lvl="0" indent="-381000" algn="l" rtl="0">
+              <a:lnSpc>
+                <a:spcPct val="100000"/>
+              </a:lnSpc>
+              <a:spcBef>
+                <a:spcPts val="1000"/>
+              </a:spcBef>
+              <a:spcAft>
+                <a:spcPts val="0"/>
+              </a:spcAft>
+              <a:buClr>
+                <a:srgbClr val="677480"/>
+              </a:buClr>
+              <a:buSzPts val="2400"/>
+              <a:buFont typeface="Calibri"/>
+              <a:buChar char="●"/>
+            </a:pPr>
+            <a:r>
+              <a:rPr lang="zh-TW" sz="2400" dirty="0">
+                <a:solidFill>
+                  <a:srgbClr val="677480"/>
+                </a:solidFill>
+                <a:latin typeface="Calibri"/>
+                <a:ea typeface="Calibri"/>
+                <a:cs typeface="Calibri"/>
+                <a:sym typeface="Calibri"/>
+              </a:rPr>
+              <a:t>Could Machine Learning be used to evaluate stress levels of the posts?</a:t>
+            </a:r>
+            <a:endParaRPr sz="2400" dirty="0">
+              <a:solidFill>
+                <a:srgbClr val="677480"/>
+              </a:solidFill>
+              <a:latin typeface="Calibri"/>
+              <a:ea typeface="Calibri"/>
+              <a:cs typeface="Calibri"/>
+              <a:sym typeface="Calibri"/>
+            </a:endParaRPr>
+          </a:p>
+          <a:p>
+            <a:pPr marL="457200" lvl="0" indent="-381000" algn="l" rtl="0">
+              <a:lnSpc>
+                <a:spcPct val="100000"/>
+              </a:lnSpc>
+              <a:spcBef>
+                <a:spcPts val="1000"/>
+              </a:spcBef>
+              <a:spcAft>
+                <a:spcPts val="1000"/>
+              </a:spcAft>
+              <a:buClr>
+                <a:srgbClr val="677480"/>
+              </a:buClr>
+              <a:buSzPts val="2400"/>
+              <a:buFont typeface="Calibri"/>
+              <a:buChar char="●"/>
+            </a:pPr>
+            <a:r>
+              <a:rPr lang="zh-TW" sz="2400" dirty="0">
+                <a:solidFill>
+                  <a:srgbClr val="677480"/>
+                </a:solidFill>
+                <a:latin typeface="Calibri"/>
+                <a:ea typeface="Calibri"/>
+                <a:cs typeface="Calibri"/>
+                <a:sym typeface="Calibri"/>
+              </a:rPr>
+              <a:t>Ex: Identify which company’s interview process have more stress from glassdoor reviews</a:t>
+            </a:r>
+            <a:endParaRPr sz="2400" dirty="0">
+              <a:solidFill>
+                <a:srgbClr val="677480"/>
+              </a:solidFill>
+              <a:latin typeface="Calibri"/>
+              <a:ea typeface="Calibri"/>
+              <a:cs typeface="Calibri"/>
+              <a:sym typeface="Calibri"/>
+            </a:endParaRPr>
+          </a:p>
+        </p:txBody>
+      </p:sp>
+    </p:spTree>
+  </p:cSld>
+  <p:clrMapOvr>
+    <a:masterClrMapping/>
+  </p:clrMapOvr>
+</p:sld>
+</file>
+
+<file path=ppt/slides/slide20.xml><?xml version="1.0" encoding="utf-8"?>
 <p:sld xmlns:a="http://schemas.openxmlformats.org/drawingml/2006/main" xmlns:r="http://schemas.openxmlformats.org/officeDocument/2006/relationships" xmlns:p="http://schemas.openxmlformats.org/presentationml/2006/main">
   <p:cSld>
     <p:spTree>
@@ -9050,7 +8832,7 @@
             </a:pPr>
             <a:fld id="{00000000-1234-1234-1234-123412341234}" type="slidenum">
               <a:rPr lang="en-US" altLang="zh-TW" smtClean="0"/>
-              <a:t>21</a:t>
+              <a:t>20</a:t>
             </a:fld>
             <a:endParaRPr lang="zh-TW" altLang="en-US"/>
           </a:p>
@@ -9146,6 +8928,266 @@
 </p:sld>
 </file>
 
+<file path=ppt/slides/slide21.xml><?xml version="1.0" encoding="utf-8"?>
+<p:sld xmlns:a="http://schemas.openxmlformats.org/drawingml/2006/main" xmlns:r="http://schemas.openxmlformats.org/officeDocument/2006/relationships" xmlns:p="http://schemas.openxmlformats.org/presentationml/2006/main">
+  <p:cSld>
+    <p:spTree>
+      <p:nvGrpSpPr>
+        <p:cNvPr id="1" name=""/>
+        <p:cNvGrpSpPr/>
+        <p:nvPr/>
+      </p:nvGrpSpPr>
+      <p:grpSpPr>
+        <a:xfrm>
+          <a:off x="0" y="0"/>
+          <a:ext cx="0" cy="0"/>
+          <a:chOff x="0" y="0"/>
+          <a:chExt cx="0" cy="0"/>
+        </a:xfrm>
+      </p:grpSpPr>
+      <p:sp>
+        <p:nvSpPr>
+          <p:cNvPr id="2" name="Titlu 1">
+            <a:extLst>
+              <a:ext uri="{FF2B5EF4-FFF2-40B4-BE49-F238E27FC236}">
+                <a16:creationId xmlns:a16="http://schemas.microsoft.com/office/drawing/2014/main" id="{A1AEEA07-C14D-3DFA-A1D2-F3812CFCA708}"/>
+              </a:ext>
+            </a:extLst>
+          </p:cNvPr>
+          <p:cNvSpPr>
+            <a:spLocks noGrp="1"/>
+          </p:cNvSpPr>
+          <p:nvPr>
+            <p:ph type="title"/>
+          </p:nvPr>
+        </p:nvSpPr>
+        <p:spPr/>
+        <p:txBody>
+          <a:bodyPr/>
+          <a:lstStyle/>
+          <a:p>
+            <a:r>
+              <a:rPr lang="ro-RO" dirty="0"/>
+              <a:t>BERT</a:t>
+            </a:r>
+          </a:p>
+        </p:txBody>
+      </p:sp>
+      <p:sp>
+        <p:nvSpPr>
+          <p:cNvPr id="3" name="Substituent text 2">
+            <a:extLst>
+              <a:ext uri="{FF2B5EF4-FFF2-40B4-BE49-F238E27FC236}">
+                <a16:creationId xmlns:a16="http://schemas.microsoft.com/office/drawing/2014/main" id="{6EC6C64B-000E-F376-663C-82EBD1274304}"/>
+              </a:ext>
+            </a:extLst>
+          </p:cNvPr>
+          <p:cNvSpPr>
+            <a:spLocks noGrp="1"/>
+          </p:cNvSpPr>
+          <p:nvPr>
+            <p:ph type="body" idx="1"/>
+          </p:nvPr>
+        </p:nvSpPr>
+        <p:spPr/>
+        <p:txBody>
+          <a:bodyPr/>
+          <a:lstStyle/>
+          <a:p>
+            <a:r>
+              <a:rPr lang="ro-RO" dirty="0"/>
+              <a:t>Model : </a:t>
+            </a:r>
+            <a:r>
+              <a:rPr lang="ro-RO" dirty="0" err="1"/>
+              <a:t>bert-base-uncased</a:t>
+            </a:r>
+          </a:p>
+          <a:p>
+            <a:r>
+              <a:rPr lang="ro-RO" dirty="0" err="1"/>
+              <a:t>Applied</a:t>
+            </a:r>
+            <a:r>
+              <a:rPr lang="ro-RO" dirty="0"/>
+              <a:t> on </a:t>
+            </a:r>
+            <a:r>
+              <a:rPr lang="ro-RO" dirty="0" err="1"/>
+              <a:t>raw</a:t>
+            </a:r>
+            <a:r>
+              <a:rPr lang="ro-RO" dirty="0"/>
+              <a:t> data </a:t>
+            </a:r>
+            <a:r>
+              <a:rPr lang="ro-RO" dirty="0" err="1"/>
+              <a:t>with</a:t>
+            </a:r>
+            <a:r>
+              <a:rPr lang="ro-RO" dirty="0"/>
+              <a:t> </a:t>
+            </a:r>
+            <a:r>
+              <a:rPr lang="ro-RO" dirty="0" err="1"/>
+              <a:t>only</a:t>
+            </a:r>
+            <a:r>
+              <a:rPr lang="ro-RO" dirty="0"/>
+              <a:t> </a:t>
+            </a:r>
+            <a:r>
+              <a:rPr lang="ro-RO" dirty="0" err="1"/>
+              <a:t>lowercasing</a:t>
+            </a:r>
+          </a:p>
+          <a:p>
+            <a:r>
+              <a:rPr lang="ro-RO" dirty="0" err="1"/>
+              <a:t>Used</a:t>
+            </a:r>
+            <a:r>
+              <a:rPr lang="ro-RO" dirty="0"/>
+              <a:t> simple-</a:t>
+            </a:r>
+            <a:r>
+              <a:rPr lang="ro-RO" dirty="0" err="1"/>
+              <a:t>transformers</a:t>
+            </a:r>
+            <a:r>
+              <a:rPr lang="ro-RO" dirty="0"/>
+              <a:t> </a:t>
+            </a:r>
+            <a:r>
+              <a:rPr lang="ro-RO" dirty="0" err="1"/>
+              <a:t>library</a:t>
+            </a:r>
+          </a:p>
+          <a:p>
+            <a:r>
+              <a:rPr lang="ro-RO" dirty="0" err="1"/>
+              <a:t>Gives</a:t>
+            </a:r>
+            <a:r>
+              <a:rPr lang="ro-RO" dirty="0"/>
+              <a:t> </a:t>
+            </a:r>
+            <a:r>
+              <a:rPr lang="ro-RO" dirty="0" err="1"/>
+              <a:t>best</a:t>
+            </a:r>
+            <a:r>
+              <a:rPr lang="ro-RO" dirty="0"/>
+              <a:t> </a:t>
+            </a:r>
+            <a:r>
+              <a:rPr lang="ro-RO" dirty="0" err="1"/>
+              <a:t>results</a:t>
+            </a:r>
+          </a:p>
+          <a:p>
+            <a:r>
+              <a:rPr lang="ro-RO" dirty="0"/>
+              <a:t>Limited </a:t>
+            </a:r>
+            <a:r>
+              <a:rPr lang="ro-RO" dirty="0" err="1"/>
+              <a:t>by</a:t>
+            </a:r>
+            <a:r>
+              <a:rPr lang="ro-RO" dirty="0"/>
+              <a:t> </a:t>
+            </a:r>
+            <a:r>
+              <a:rPr lang="ro-RO" dirty="0" err="1"/>
+              <a:t>max</a:t>
+            </a:r>
+            <a:r>
+              <a:rPr lang="ro-RO" dirty="0"/>
+              <a:t> </a:t>
+            </a:r>
+            <a:r>
+              <a:rPr lang="ro-RO"/>
+              <a:t>seq </a:t>
+            </a:r>
+            <a:r>
+              <a:rPr lang="ro-RO" dirty="0" err="1"/>
+              <a:t>length</a:t>
+            </a:r>
+            <a:r>
+              <a:rPr lang="ro-RO" dirty="0"/>
+              <a:t>(out of </a:t>
+            </a:r>
+            <a:r>
+              <a:rPr lang="ro-RO" dirty="0" err="1"/>
+              <a:t>memory</a:t>
+            </a:r>
+            <a:r>
+              <a:rPr lang="ro-RO" dirty="0"/>
+              <a:t> </a:t>
+            </a:r>
+            <a:r>
+              <a:rPr lang="ro-RO" dirty="0" err="1"/>
+              <a:t>cuda</a:t>
+            </a:r>
+            <a:r>
+              <a:rPr lang="ro-RO" dirty="0"/>
+              <a:t>)</a:t>
+            </a:r>
+          </a:p>
+        </p:txBody>
+      </p:sp>
+      <p:sp>
+        <p:nvSpPr>
+          <p:cNvPr id="4" name="Substituent număr diapozitiv 3">
+            <a:extLst>
+              <a:ext uri="{FF2B5EF4-FFF2-40B4-BE49-F238E27FC236}">
+                <a16:creationId xmlns:a16="http://schemas.microsoft.com/office/drawing/2014/main" id="{EC8AF425-8148-98A8-B8D8-327576963799}"/>
+              </a:ext>
+            </a:extLst>
+          </p:cNvPr>
+          <p:cNvSpPr>
+            <a:spLocks noGrp="1"/>
+          </p:cNvSpPr>
+          <p:nvPr>
+            <p:ph type="sldNum" idx="12"/>
+          </p:nvPr>
+        </p:nvSpPr>
+        <p:spPr/>
+        <p:txBody>
+          <a:bodyPr/>
+          <a:lstStyle/>
+          <a:p>
+            <a:pPr marL="0" lvl="0" indent="0" algn="r" rtl="0">
+              <a:spcBef>
+                <a:spcPts val="0"/>
+              </a:spcBef>
+              <a:spcAft>
+                <a:spcPts val="0"/>
+              </a:spcAft>
+              <a:buNone/>
+            </a:pPr>
+            <a:fld id="{00000000-1234-1234-1234-123412341234}" type="slidenum">
+              <a:rPr lang="en-US" altLang="zh-TW"/>
+              <a:t>21</a:t>
+            </a:fld>
+            <a:endParaRPr lang="zh-TW" altLang="en-US"/>
+          </a:p>
+        </p:txBody>
+      </p:sp>
+    </p:spTree>
+    <p:extLst>
+      <p:ext uri="{BB962C8B-B14F-4D97-AF65-F5344CB8AC3E}">
+        <p14:creationId xmlns:p14="http://schemas.microsoft.com/office/powerpoint/2010/main" val="320427921"/>
+      </p:ext>
+    </p:extLst>
+  </p:cSld>
+  <p:clrMapOvr>
+    <a:masterClrMapping/>
+  </p:clrMapOvr>
+</p:sld>
+</file>
+
 <file path=ppt/slides/slide22.xml><?xml version="1.0" encoding="utf-8"?>
 <p:sld xmlns:a="http://schemas.openxmlformats.org/drawingml/2006/main" xmlns:r="http://schemas.openxmlformats.org/officeDocument/2006/relationships" xmlns:p="http://schemas.openxmlformats.org/presentationml/2006/main">
   <p:cSld>
@@ -9168,262 +9210,6 @@
           <p:cNvPr id="2" name="Titlu 1">
             <a:extLst>
               <a:ext uri="{FF2B5EF4-FFF2-40B4-BE49-F238E27FC236}">
-                <a16:creationId xmlns:a16="http://schemas.microsoft.com/office/drawing/2014/main" id="{A1AEEA07-C14D-3DFA-A1D2-F3812CFCA708}"/>
-              </a:ext>
-            </a:extLst>
-          </p:cNvPr>
-          <p:cNvSpPr>
-            <a:spLocks noGrp="1"/>
-          </p:cNvSpPr>
-          <p:nvPr>
-            <p:ph type="title"/>
-          </p:nvPr>
-        </p:nvSpPr>
-        <p:spPr/>
-        <p:txBody>
-          <a:bodyPr/>
-          <a:lstStyle/>
-          <a:p>
-            <a:r>
-              <a:rPr lang="ro-RO" dirty="0"/>
-              <a:t>BERT</a:t>
-            </a:r>
-          </a:p>
-        </p:txBody>
-      </p:sp>
-      <p:sp>
-        <p:nvSpPr>
-          <p:cNvPr id="3" name="Substituent text 2">
-            <a:extLst>
-              <a:ext uri="{FF2B5EF4-FFF2-40B4-BE49-F238E27FC236}">
-                <a16:creationId xmlns:a16="http://schemas.microsoft.com/office/drawing/2014/main" id="{6EC6C64B-000E-F376-663C-82EBD1274304}"/>
-              </a:ext>
-            </a:extLst>
-          </p:cNvPr>
-          <p:cNvSpPr>
-            <a:spLocks noGrp="1"/>
-          </p:cNvSpPr>
-          <p:nvPr>
-            <p:ph type="body" idx="1"/>
-          </p:nvPr>
-        </p:nvSpPr>
-        <p:spPr/>
-        <p:txBody>
-          <a:bodyPr/>
-          <a:lstStyle/>
-          <a:p>
-            <a:r>
-              <a:rPr lang="ro-RO" dirty="0"/>
-              <a:t>Model : </a:t>
-            </a:r>
-            <a:r>
-              <a:rPr lang="ro-RO" dirty="0" err="1"/>
-              <a:t>bert-base-uncased</a:t>
-            </a:r>
-          </a:p>
-          <a:p>
-            <a:r>
-              <a:rPr lang="ro-RO" dirty="0" err="1"/>
-              <a:t>Applied</a:t>
-            </a:r>
-            <a:r>
-              <a:rPr lang="ro-RO" dirty="0"/>
-              <a:t> on </a:t>
-            </a:r>
-            <a:r>
-              <a:rPr lang="ro-RO" dirty="0" err="1"/>
-              <a:t>raw</a:t>
-            </a:r>
-            <a:r>
-              <a:rPr lang="ro-RO" dirty="0"/>
-              <a:t> data </a:t>
-            </a:r>
-            <a:r>
-              <a:rPr lang="ro-RO" dirty="0" err="1"/>
-              <a:t>with</a:t>
-            </a:r>
-            <a:r>
-              <a:rPr lang="ro-RO" dirty="0"/>
-              <a:t> </a:t>
-            </a:r>
-            <a:r>
-              <a:rPr lang="ro-RO" dirty="0" err="1"/>
-              <a:t>only</a:t>
-            </a:r>
-            <a:r>
-              <a:rPr lang="ro-RO" dirty="0"/>
-              <a:t> </a:t>
-            </a:r>
-            <a:r>
-              <a:rPr lang="ro-RO" dirty="0" err="1"/>
-              <a:t>lowercasing</a:t>
-            </a:r>
-          </a:p>
-          <a:p>
-            <a:r>
-              <a:rPr lang="ro-RO" dirty="0" err="1"/>
-              <a:t>Used</a:t>
-            </a:r>
-            <a:r>
-              <a:rPr lang="ro-RO" dirty="0"/>
-              <a:t> simple-</a:t>
-            </a:r>
-            <a:r>
-              <a:rPr lang="ro-RO" dirty="0" err="1"/>
-              <a:t>transformers</a:t>
-            </a:r>
-            <a:r>
-              <a:rPr lang="ro-RO" dirty="0"/>
-              <a:t> </a:t>
-            </a:r>
-            <a:r>
-              <a:rPr lang="ro-RO" dirty="0" err="1"/>
-              <a:t>library</a:t>
-            </a:r>
-          </a:p>
-          <a:p>
-            <a:r>
-              <a:rPr lang="ro-RO" dirty="0" err="1"/>
-              <a:t>Gives</a:t>
-            </a:r>
-            <a:r>
-              <a:rPr lang="ro-RO" dirty="0"/>
-              <a:t> </a:t>
-            </a:r>
-            <a:r>
-              <a:rPr lang="ro-RO" dirty="0" err="1"/>
-              <a:t>best</a:t>
-            </a:r>
-            <a:r>
-              <a:rPr lang="ro-RO" dirty="0"/>
-              <a:t> </a:t>
-            </a:r>
-            <a:r>
-              <a:rPr lang="ro-RO" dirty="0" err="1"/>
-              <a:t>results</a:t>
-            </a:r>
-          </a:p>
-          <a:p>
-            <a:r>
-              <a:rPr lang="ro-RO" dirty="0"/>
-              <a:t>Limited </a:t>
-            </a:r>
-            <a:r>
-              <a:rPr lang="ro-RO" dirty="0" err="1"/>
-              <a:t>by</a:t>
-            </a:r>
-            <a:r>
-              <a:rPr lang="ro-RO" dirty="0"/>
-              <a:t> </a:t>
-            </a:r>
-            <a:r>
-              <a:rPr lang="ro-RO" dirty="0" err="1"/>
-              <a:t>max</a:t>
-            </a:r>
-            <a:r>
-              <a:rPr lang="ro-RO" dirty="0"/>
-              <a:t> </a:t>
-            </a:r>
-            <a:r>
-              <a:rPr lang="ro-RO" dirty="0" err="1"/>
-              <a:t>length</a:t>
-            </a:r>
-            <a:r>
-              <a:rPr lang="ro-RO" dirty="0"/>
-              <a:t>(out of </a:t>
-            </a:r>
-            <a:r>
-              <a:rPr lang="ro-RO" dirty="0" err="1"/>
-              <a:t>memory</a:t>
-            </a:r>
-            <a:r>
-              <a:rPr lang="ro-RO" dirty="0"/>
-              <a:t> </a:t>
-            </a:r>
-            <a:r>
-              <a:rPr lang="ro-RO" dirty="0" err="1"/>
-              <a:t>cuda</a:t>
-            </a:r>
-            <a:r>
-              <a:rPr lang="ro-RO" dirty="0"/>
-              <a:t>)</a:t>
-            </a:r>
-          </a:p>
-        </p:txBody>
-      </p:sp>
-      <p:sp>
-        <p:nvSpPr>
-          <p:cNvPr id="4" name="Substituent număr diapozitiv 3">
-            <a:extLst>
-              <a:ext uri="{FF2B5EF4-FFF2-40B4-BE49-F238E27FC236}">
-                <a16:creationId xmlns:a16="http://schemas.microsoft.com/office/drawing/2014/main" id="{EC8AF425-8148-98A8-B8D8-327576963799}"/>
-              </a:ext>
-            </a:extLst>
-          </p:cNvPr>
-          <p:cNvSpPr>
-            <a:spLocks noGrp="1"/>
-          </p:cNvSpPr>
-          <p:nvPr>
-            <p:ph type="sldNum" idx="12"/>
-          </p:nvPr>
-        </p:nvSpPr>
-        <p:spPr/>
-        <p:txBody>
-          <a:bodyPr/>
-          <a:lstStyle/>
-          <a:p>
-            <a:pPr marL="0" lvl="0" indent="0" algn="r" rtl="0">
-              <a:spcBef>
-                <a:spcPts val="0"/>
-              </a:spcBef>
-              <a:spcAft>
-                <a:spcPts val="0"/>
-              </a:spcAft>
-              <a:buNone/>
-            </a:pPr>
-            <a:fld id="{00000000-1234-1234-1234-123412341234}" type="slidenum">
-              <a:rPr lang="en-US" altLang="zh-TW"/>
-              <a:t>22</a:t>
-            </a:fld>
-            <a:endParaRPr lang="zh-TW" altLang="en-US"/>
-          </a:p>
-        </p:txBody>
-      </p:sp>
-    </p:spTree>
-    <p:extLst>
-      <p:ext uri="{BB962C8B-B14F-4D97-AF65-F5344CB8AC3E}">
-        <p14:creationId xmlns:p14="http://schemas.microsoft.com/office/powerpoint/2010/main" val="320427921"/>
-      </p:ext>
-    </p:extLst>
-  </p:cSld>
-  <p:clrMapOvr>
-    <a:masterClrMapping/>
-  </p:clrMapOvr>
-</p:sld>
-</file>
-
-<file path=ppt/slides/slide23.xml><?xml version="1.0" encoding="utf-8"?>
-<p:sld xmlns:a="http://schemas.openxmlformats.org/drawingml/2006/main" xmlns:r="http://schemas.openxmlformats.org/officeDocument/2006/relationships" xmlns:p="http://schemas.openxmlformats.org/presentationml/2006/main">
-  <p:cSld>
-    <p:spTree>
-      <p:nvGrpSpPr>
-        <p:cNvPr id="1" name=""/>
-        <p:cNvGrpSpPr/>
-        <p:nvPr/>
-      </p:nvGrpSpPr>
-      <p:grpSpPr>
-        <a:xfrm>
-          <a:off x="0" y="0"/>
-          <a:ext cx="0" cy="0"/>
-          <a:chOff x="0" y="0"/>
-          <a:chExt cx="0" cy="0"/>
-        </a:xfrm>
-      </p:grpSpPr>
-      <p:sp>
-        <p:nvSpPr>
-          <p:cNvPr id="2" name="Titlu 1">
-            <a:extLst>
-              <a:ext uri="{FF2B5EF4-FFF2-40B4-BE49-F238E27FC236}">
                 <a16:creationId xmlns:a16="http://schemas.microsoft.com/office/drawing/2014/main" id="{91D1C9BB-9EE3-EF77-AA9A-D55A7B42072E}"/>
               </a:ext>
             </a:extLst>
@@ -9504,7 +9290,7 @@
             </a:pPr>
             <a:fld id="{00000000-1234-1234-1234-123412341234}" type="slidenum">
               <a:rPr lang="en-US" altLang="zh-TW"/>
-              <a:t>23</a:t>
+              <a:t>22</a:t>
             </a:fld>
             <a:endParaRPr lang="zh-TW" altLang="en-US"/>
           </a:p>
@@ -9553,6 +9339,632 @@
 </p:sld>
 </file>
 
+<file path=ppt/slides/slide23.xml><?xml version="1.0" encoding="utf-8"?>
+<p:sld xmlns:a="http://schemas.openxmlformats.org/drawingml/2006/main" xmlns:r="http://schemas.openxmlformats.org/officeDocument/2006/relationships" xmlns:p="http://schemas.openxmlformats.org/presentationml/2006/main">
+  <p:cSld>
+    <p:spTree>
+      <p:nvGrpSpPr>
+        <p:cNvPr id="1" name=""/>
+        <p:cNvGrpSpPr/>
+        <p:nvPr/>
+      </p:nvGrpSpPr>
+      <p:grpSpPr>
+        <a:xfrm>
+          <a:off x="0" y="0"/>
+          <a:ext cx="0" cy="0"/>
+          <a:chOff x="0" y="0"/>
+          <a:chExt cx="0" cy="0"/>
+        </a:xfrm>
+      </p:grpSpPr>
+      <p:sp>
+        <p:nvSpPr>
+          <p:cNvPr id="2" name="Titlu 1">
+            <a:extLst>
+              <a:ext uri="{FF2B5EF4-FFF2-40B4-BE49-F238E27FC236}">
+                <a16:creationId xmlns:a16="http://schemas.microsoft.com/office/drawing/2014/main" id="{11A13E1D-008E-42F7-C376-BE26A543FA3E}"/>
+              </a:ext>
+            </a:extLst>
+          </p:cNvPr>
+          <p:cNvSpPr>
+            <a:spLocks noGrp="1"/>
+          </p:cNvSpPr>
+          <p:nvPr>
+            <p:ph type="title"/>
+          </p:nvPr>
+        </p:nvSpPr>
+        <p:spPr/>
+        <p:txBody>
+          <a:bodyPr/>
+          <a:lstStyle/>
+          <a:p>
+            <a:r>
+              <a:rPr lang="ro-RO" dirty="0"/>
+              <a:t>MY RESULTS</a:t>
+            </a:r>
+          </a:p>
+        </p:txBody>
+      </p:sp>
+      <p:sp>
+        <p:nvSpPr>
+          <p:cNvPr id="3" name="Substituent text 2">
+            <a:extLst>
+              <a:ext uri="{FF2B5EF4-FFF2-40B4-BE49-F238E27FC236}">
+                <a16:creationId xmlns:a16="http://schemas.microsoft.com/office/drawing/2014/main" id="{EE4AD676-40AC-0EBC-C481-6DC2828B7405}"/>
+              </a:ext>
+            </a:extLst>
+          </p:cNvPr>
+          <p:cNvSpPr>
+            <a:spLocks noGrp="1"/>
+          </p:cNvSpPr>
+          <p:nvPr>
+            <p:ph type="body" idx="1"/>
+          </p:nvPr>
+        </p:nvSpPr>
+        <p:spPr/>
+        <p:txBody>
+          <a:bodyPr/>
+          <a:lstStyle/>
+          <a:p>
+            <a:r>
+              <a:rPr lang="ro-RO" dirty="0" err="1"/>
+              <a:t>My</a:t>
+            </a:r>
+            <a:r>
+              <a:rPr lang="ro-RO" dirty="0"/>
+              <a:t> </a:t>
+            </a:r>
+            <a:r>
+              <a:rPr lang="ro-RO" dirty="0" err="1"/>
+              <a:t>Results</a:t>
+            </a:r>
+            <a:r>
+              <a:rPr lang="ro-RO" dirty="0"/>
+              <a:t>: F1-score</a:t>
+            </a:r>
+          </a:p>
+          <a:p>
+            <a:pPr marL="38100" indent="0">
+              <a:buNone/>
+            </a:pPr>
+            <a:r>
+              <a:rPr lang="ro-RO" sz="1000" dirty="0">
+                <a:latin typeface="Consolas"/>
+              </a:rPr>
+              <a:t>-CNN + </a:t>
+            </a:r>
+            <a:r>
+              <a:rPr lang="ro-RO" sz="1000" dirty="0" err="1">
+                <a:latin typeface="Consolas"/>
+              </a:rPr>
+              <a:t>features</a:t>
+            </a:r>
+            <a:r>
+              <a:rPr lang="ro-RO" sz="1000" dirty="0">
+                <a:latin typeface="Consolas"/>
+              </a:rPr>
+              <a:t> : 0.7260375022888184</a:t>
+            </a:r>
+          </a:p>
+          <a:p>
+            <a:pPr marL="38100" indent="0">
+              <a:buNone/>
+            </a:pPr>
+            <a:r>
+              <a:rPr lang="ro-RO" sz="1000" dirty="0">
+                <a:latin typeface="Consolas"/>
+              </a:rPr>
+              <a:t>-CNN : 0.696022689342498</a:t>
+            </a:r>
+          </a:p>
+          <a:p>
+            <a:pPr marL="38100" indent="0">
+              <a:buNone/>
+            </a:pPr>
+            <a:r>
+              <a:rPr lang="ro-RO" sz="1000" dirty="0">
+                <a:latin typeface="Consolas"/>
+              </a:rPr>
+              <a:t>-GRU: </a:t>
+            </a:r>
+            <a:r>
+              <a:rPr lang="ro-RO" sz="1000" dirty="0">
+                <a:latin typeface="Consolas"/>
+                <a:ea typeface="+mn-lt"/>
+                <a:cs typeface="+mn-lt"/>
+              </a:rPr>
+              <a:t>0.71282350626768</a:t>
+            </a:r>
+          </a:p>
+          <a:p>
+            <a:pPr marL="38100" indent="0">
+              <a:buNone/>
+            </a:pPr>
+            <a:r>
+              <a:rPr lang="ro-RO" sz="1000" dirty="0">
+                <a:latin typeface="Consolas"/>
+              </a:rPr>
+              <a:t>-GRU + </a:t>
+            </a:r>
+            <a:r>
+              <a:rPr lang="ro-RO" sz="1000" dirty="0" err="1">
+                <a:latin typeface="Consolas"/>
+              </a:rPr>
+              <a:t>features</a:t>
+            </a:r>
+            <a:r>
+              <a:rPr lang="ro-RO" sz="1000" dirty="0">
+                <a:latin typeface="Consolas"/>
+              </a:rPr>
+              <a:t>: </a:t>
+            </a:r>
+            <a:r>
+              <a:rPr lang="ro-RO" sz="1000" dirty="0">
+                <a:latin typeface="Consolas"/>
+                <a:ea typeface="+mn-lt"/>
+                <a:cs typeface="+mn-lt"/>
+              </a:rPr>
+              <a:t>0.7385580334375915</a:t>
+            </a:r>
+          </a:p>
+          <a:p>
+            <a:pPr marL="38100" indent="0">
+              <a:buNone/>
+            </a:pPr>
+            <a:r>
+              <a:rPr lang="ro-RO" sz="1000" dirty="0">
+                <a:latin typeface="Consolas"/>
+              </a:rPr>
+              <a:t>-1-grams </a:t>
+            </a:r>
+            <a:r>
+              <a:rPr lang="ro-RO" sz="1000" dirty="0" err="1">
+                <a:latin typeface="Consolas"/>
+              </a:rPr>
+              <a:t>baseline</a:t>
+            </a:r>
+            <a:r>
+              <a:rPr lang="ro-RO" sz="1000" dirty="0">
+                <a:latin typeface="Consolas"/>
+              </a:rPr>
+              <a:t> </a:t>
+            </a:r>
+            <a:r>
+              <a:rPr lang="ro-RO" sz="1000" dirty="0" err="1">
+                <a:latin typeface="Consolas"/>
+              </a:rPr>
+              <a:t>sklearn</a:t>
+            </a:r>
+            <a:r>
+              <a:rPr lang="ro-RO" sz="1000" dirty="0">
+                <a:latin typeface="Consolas"/>
+              </a:rPr>
+              <a:t> </a:t>
+            </a:r>
+            <a:r>
+              <a:rPr lang="ro-RO" sz="1000" dirty="0" err="1">
+                <a:latin typeface="Consolas"/>
+              </a:rPr>
+              <a:t>models</a:t>
+            </a:r>
+            <a:r>
+              <a:rPr lang="ro-RO" sz="1000" dirty="0">
+                <a:latin typeface="Consolas"/>
+              </a:rPr>
+              <a:t>: 0.7396470588235294 </a:t>
+            </a:r>
+          </a:p>
+          <a:p>
+            <a:pPr marL="38100" indent="0">
+              <a:buNone/>
+            </a:pPr>
+            <a:r>
+              <a:rPr lang="ro-RO" sz="1000" dirty="0">
+                <a:latin typeface="Consolas"/>
+              </a:rPr>
+              <a:t>-</a:t>
+            </a:r>
+            <a:r>
+              <a:rPr lang="ro-RO" sz="1000" dirty="0" err="1">
+                <a:latin typeface="Consolas"/>
+              </a:rPr>
+              <a:t>Logreg</a:t>
+            </a:r>
+            <a:r>
+              <a:rPr lang="ro-RO" sz="1000" dirty="0">
+                <a:latin typeface="Consolas"/>
+              </a:rPr>
+              <a:t> + 1-3-grams + </a:t>
+            </a:r>
+            <a:r>
+              <a:rPr lang="ro-RO" sz="1000" dirty="0" err="1">
+                <a:latin typeface="Consolas"/>
+              </a:rPr>
+              <a:t>features</a:t>
+            </a:r>
+            <a:r>
+              <a:rPr lang="ro-RO" sz="1000" dirty="0">
+                <a:latin typeface="Consolas"/>
+              </a:rPr>
+              <a:t>: 0.765625</a:t>
+            </a:r>
+          </a:p>
+          <a:p>
+            <a:pPr marL="38100" indent="0">
+              <a:buNone/>
+            </a:pPr>
+            <a:r>
+              <a:rPr lang="ro-RO" sz="1000" dirty="0">
+                <a:latin typeface="Consolas"/>
+              </a:rPr>
+              <a:t>-</a:t>
+            </a:r>
+            <a:r>
+              <a:rPr lang="ro-RO" sz="1000" dirty="0" err="1">
+                <a:latin typeface="Consolas"/>
+              </a:rPr>
+              <a:t>bert</a:t>
+            </a:r>
+            <a:r>
+              <a:rPr lang="ro-RO" sz="1000" dirty="0">
+                <a:latin typeface="Consolas"/>
+              </a:rPr>
+              <a:t>: </a:t>
+            </a:r>
+            <a:r>
+              <a:rPr lang="ro-RO" sz="1000" dirty="0">
+                <a:latin typeface="Consolas"/>
+                <a:ea typeface="+mn-lt"/>
+                <a:cs typeface="+mn-lt"/>
+              </a:rPr>
+              <a:t>0.796713643680769 (</a:t>
+            </a:r>
+            <a:r>
+              <a:rPr lang="ro-RO" sz="1000" dirty="0" err="1">
+                <a:latin typeface="Consolas"/>
+                <a:ea typeface="+mn-lt"/>
+                <a:cs typeface="+mn-lt"/>
+              </a:rPr>
+              <a:t>due</a:t>
+            </a:r>
+            <a:r>
+              <a:rPr lang="ro-RO" sz="1000" dirty="0">
+                <a:latin typeface="Consolas"/>
+                <a:ea typeface="+mn-lt"/>
+                <a:cs typeface="+mn-lt"/>
+              </a:rPr>
+              <a:t> </a:t>
+            </a:r>
+            <a:r>
+              <a:rPr lang="ro-RO" sz="1000" dirty="0" err="1">
+                <a:latin typeface="Consolas"/>
+                <a:ea typeface="+mn-lt"/>
+                <a:cs typeface="+mn-lt"/>
+              </a:rPr>
+              <a:t>to</a:t>
+            </a:r>
+            <a:r>
+              <a:rPr lang="ro-RO" sz="1000" dirty="0">
+                <a:latin typeface="Consolas"/>
+                <a:ea typeface="+mn-lt"/>
+                <a:cs typeface="+mn-lt"/>
+              </a:rPr>
+              <a:t> </a:t>
+            </a:r>
+            <a:r>
+              <a:rPr lang="ro-RO" sz="1000" dirty="0" err="1">
+                <a:latin typeface="Consolas"/>
+                <a:ea typeface="+mn-lt"/>
+                <a:cs typeface="+mn-lt"/>
+              </a:rPr>
+              <a:t>lower</a:t>
+            </a:r>
+            <a:r>
+              <a:rPr lang="ro-RO" sz="1000" dirty="0">
+                <a:latin typeface="Consolas"/>
+                <a:ea typeface="+mn-lt"/>
+                <a:cs typeface="+mn-lt"/>
+              </a:rPr>
+              <a:t> </a:t>
+            </a:r>
+            <a:r>
+              <a:rPr lang="ro-RO" sz="1000" dirty="0" err="1">
+                <a:latin typeface="Consolas"/>
+                <a:ea typeface="+mn-lt"/>
+                <a:cs typeface="+mn-lt"/>
+              </a:rPr>
+              <a:t>sequence</a:t>
+            </a:r>
+            <a:r>
+              <a:rPr lang="ro-RO" sz="1000" dirty="0">
+                <a:latin typeface="Consolas"/>
+                <a:ea typeface="+mn-lt"/>
+                <a:cs typeface="+mn-lt"/>
+              </a:rPr>
+              <a:t> </a:t>
+            </a:r>
+            <a:r>
+              <a:rPr lang="ro-RO" sz="1000" dirty="0" err="1">
+                <a:latin typeface="Consolas"/>
+                <a:ea typeface="+mn-lt"/>
+                <a:cs typeface="+mn-lt"/>
+              </a:rPr>
+              <a:t>length</a:t>
+            </a:r>
+            <a:r>
+              <a:rPr lang="ro-RO" sz="1000" dirty="0">
+                <a:latin typeface="Consolas"/>
+                <a:ea typeface="+mn-lt"/>
+                <a:cs typeface="+mn-lt"/>
+              </a:rPr>
+              <a:t>)</a:t>
+            </a:r>
+          </a:p>
+          <a:p>
+            <a:pPr marL="38100" indent="0">
+              <a:buNone/>
+            </a:pPr>
+            <a:r>
+              <a:rPr lang="ro-RO" sz="1000" dirty="0">
+                <a:latin typeface="Consolas"/>
+              </a:rPr>
+              <a:t>-</a:t>
+            </a:r>
+            <a:r>
+              <a:rPr lang="ro-RO" sz="1000" dirty="0" err="1">
+                <a:latin typeface="Consolas"/>
+              </a:rPr>
+              <a:t>logreg</a:t>
+            </a:r>
+            <a:r>
+              <a:rPr lang="ro-RO" sz="1000" dirty="0">
+                <a:latin typeface="Consolas"/>
+              </a:rPr>
+              <a:t> + </a:t>
+            </a:r>
+            <a:r>
+              <a:rPr lang="ro-RO" sz="1000" dirty="0" err="1">
+                <a:latin typeface="Consolas"/>
+              </a:rPr>
+              <a:t>pretrained</a:t>
+            </a:r>
+            <a:r>
+              <a:rPr lang="ro-RO" sz="1000" dirty="0">
+                <a:latin typeface="Consolas"/>
+              </a:rPr>
+              <a:t> word2vec + </a:t>
+            </a:r>
+            <a:r>
+              <a:rPr lang="ro-RO" sz="1000" dirty="0" err="1">
+                <a:latin typeface="Consolas"/>
+              </a:rPr>
+              <a:t>features</a:t>
+            </a:r>
+            <a:r>
+              <a:rPr lang="ro-RO" sz="1000" dirty="0">
+                <a:latin typeface="Consolas"/>
+              </a:rPr>
+              <a:t>: 0.7716899224806202</a:t>
+            </a:r>
+          </a:p>
+          <a:p>
+            <a:pPr marL="38100" indent="0">
+              <a:buNone/>
+            </a:pPr>
+            <a:r>
+              <a:rPr lang="ro-RO" sz="1000" dirty="0">
+                <a:latin typeface="Consolas"/>
+              </a:rPr>
+              <a:t>-</a:t>
+            </a:r>
+            <a:r>
+              <a:rPr lang="ro-RO" sz="1000" dirty="0" err="1">
+                <a:latin typeface="Consolas"/>
+              </a:rPr>
+              <a:t>logreg</a:t>
+            </a:r>
+            <a:r>
+              <a:rPr lang="ro-RO" sz="1000" dirty="0">
+                <a:latin typeface="Consolas"/>
+              </a:rPr>
+              <a:t> + </a:t>
+            </a:r>
+            <a:r>
+              <a:rPr lang="ro-RO" sz="1000" dirty="0" err="1">
+                <a:latin typeface="Consolas"/>
+              </a:rPr>
+              <a:t>domain</a:t>
+            </a:r>
+            <a:r>
+              <a:rPr lang="ro-RO" sz="1000" dirty="0">
+                <a:latin typeface="Consolas"/>
+              </a:rPr>
+              <a:t> word2vec + </a:t>
+            </a:r>
+            <a:r>
+              <a:rPr lang="ro-RO" sz="1000" dirty="0" err="1">
+                <a:latin typeface="Consolas"/>
+              </a:rPr>
+              <a:t>features</a:t>
+            </a:r>
+            <a:r>
+              <a:rPr lang="ro-RO" sz="1000" dirty="0">
+                <a:latin typeface="Consolas"/>
+              </a:rPr>
+              <a:t>: 0.786038961038961</a:t>
+            </a:r>
+          </a:p>
+          <a:p>
+            <a:pPr marL="38100" indent="0">
+              <a:buNone/>
+            </a:pPr>
+            <a:r>
+              <a:rPr lang="ro-RO" sz="1000" dirty="0">
+                <a:latin typeface="Consolas"/>
+              </a:rPr>
+              <a:t>-</a:t>
+            </a:r>
+            <a:r>
+              <a:rPr lang="ro-RO" sz="1000" dirty="0" err="1">
+                <a:latin typeface="Consolas"/>
+              </a:rPr>
+              <a:t>logreg</a:t>
+            </a:r>
+            <a:r>
+              <a:rPr lang="ro-RO" sz="1000" dirty="0">
+                <a:latin typeface="Consolas"/>
+              </a:rPr>
+              <a:t> + </a:t>
+            </a:r>
+            <a:r>
+              <a:rPr lang="ro-RO" sz="1000" dirty="0" err="1">
+                <a:latin typeface="Consolas"/>
+              </a:rPr>
+              <a:t>bert</a:t>
+            </a:r>
+            <a:r>
+              <a:rPr lang="ro-RO" sz="1000" dirty="0">
+                <a:latin typeface="Consolas"/>
+              </a:rPr>
+              <a:t> </a:t>
+            </a:r>
+            <a:r>
+              <a:rPr lang="ro-RO" sz="1000" dirty="0" err="1">
+                <a:latin typeface="Consolas"/>
+              </a:rPr>
+              <a:t>embeddings</a:t>
+            </a:r>
+            <a:r>
+              <a:rPr lang="ro-RO" sz="1000" dirty="0">
+                <a:latin typeface="Consolas"/>
+              </a:rPr>
+              <a:t> + </a:t>
+            </a:r>
+            <a:r>
+              <a:rPr lang="ro-RO" sz="1000" dirty="0" err="1">
+                <a:latin typeface="Consolas"/>
+              </a:rPr>
+              <a:t>features</a:t>
+            </a:r>
+            <a:r>
+              <a:rPr lang="ro-RO" sz="1000" dirty="0">
+                <a:latin typeface="Consolas"/>
+              </a:rPr>
+              <a:t>: 0.772238961038961 (</a:t>
+            </a:r>
+            <a:r>
+              <a:rPr lang="ro-RO" sz="1000" dirty="0" err="1">
+                <a:latin typeface="Consolas"/>
+              </a:rPr>
+              <a:t>due</a:t>
+            </a:r>
+            <a:r>
+              <a:rPr lang="ro-RO" sz="1000" dirty="0">
+                <a:latin typeface="Consolas"/>
+              </a:rPr>
+              <a:t> </a:t>
+            </a:r>
+            <a:r>
+              <a:rPr lang="ro-RO" sz="1000" dirty="0" err="1">
+                <a:latin typeface="Consolas"/>
+              </a:rPr>
+              <a:t>to</a:t>
+            </a:r>
+            <a:r>
+              <a:rPr lang="ro-RO" sz="1000" dirty="0">
+                <a:latin typeface="Consolas"/>
+              </a:rPr>
+              <a:t> </a:t>
+            </a:r>
+            <a:r>
+              <a:rPr lang="ro-RO" sz="1000" dirty="0" err="1">
+                <a:latin typeface="Consolas"/>
+              </a:rPr>
+              <a:t>lower</a:t>
+            </a:r>
+            <a:r>
+              <a:rPr lang="ro-RO" sz="1000" dirty="0">
+                <a:latin typeface="Consolas"/>
+              </a:rPr>
+              <a:t> </a:t>
+            </a:r>
+            <a:r>
+              <a:rPr lang="ro-RO" sz="1000" dirty="0" err="1">
+                <a:latin typeface="Consolas"/>
+              </a:rPr>
+              <a:t>sequence</a:t>
+            </a:r>
+            <a:r>
+              <a:rPr lang="ro-RO" sz="1000" dirty="0">
+                <a:latin typeface="Consolas"/>
+              </a:rPr>
+              <a:t> </a:t>
+            </a:r>
+            <a:r>
+              <a:rPr lang="ro-RO" sz="1000" dirty="0" err="1">
+                <a:latin typeface="Consolas"/>
+              </a:rPr>
+              <a:t>length</a:t>
+            </a:r>
+            <a:r>
+              <a:rPr lang="ro-RO" sz="1000" dirty="0">
+                <a:latin typeface="Consolas"/>
+              </a:rPr>
+              <a:t>)</a:t>
+            </a:r>
+          </a:p>
+        </p:txBody>
+      </p:sp>
+      <p:sp>
+        <p:nvSpPr>
+          <p:cNvPr id="4" name="Substituent număr diapozitiv 3">
+            <a:extLst>
+              <a:ext uri="{FF2B5EF4-FFF2-40B4-BE49-F238E27FC236}">
+                <a16:creationId xmlns:a16="http://schemas.microsoft.com/office/drawing/2014/main" id="{2A394024-5608-EBFD-B310-B8913151887C}"/>
+              </a:ext>
+            </a:extLst>
+          </p:cNvPr>
+          <p:cNvSpPr>
+            <a:spLocks noGrp="1"/>
+          </p:cNvSpPr>
+          <p:nvPr>
+            <p:ph type="sldNum" idx="12"/>
+          </p:nvPr>
+        </p:nvSpPr>
+        <p:spPr/>
+        <p:txBody>
+          <a:bodyPr/>
+          <a:lstStyle/>
+          <a:p>
+            <a:pPr marL="0" lvl="0" indent="0" algn="r" rtl="0">
+              <a:spcBef>
+                <a:spcPts val="0"/>
+              </a:spcBef>
+              <a:spcAft>
+                <a:spcPts val="0"/>
+              </a:spcAft>
+              <a:buNone/>
+            </a:pPr>
+            <a:fld id="{00000000-1234-1234-1234-123412341234}" type="slidenum">
+              <a:rPr lang="en-US" altLang="zh-TW"/>
+              <a:t>23</a:t>
+            </a:fld>
+            <a:endParaRPr lang="zh-TW" altLang="en-US"/>
+          </a:p>
+        </p:txBody>
+      </p:sp>
+    </p:spTree>
+    <p:extLst>
+      <p:ext uri="{BB962C8B-B14F-4D97-AF65-F5344CB8AC3E}">
+        <p14:creationId xmlns:p14="http://schemas.microsoft.com/office/powerpoint/2010/main" val="3753777705"/>
+      </p:ext>
+    </p:extLst>
+  </p:cSld>
+  <p:clrMapOvr>
+    <a:masterClrMapping/>
+  </p:clrMapOvr>
+</p:sld>
+</file>
+
 <file path=ppt/slides/slide24.xml><?xml version="1.0" encoding="utf-8"?>
 <p:sld xmlns:a="http://schemas.openxmlformats.org/drawingml/2006/main" xmlns:r="http://schemas.openxmlformats.org/officeDocument/2006/relationships" xmlns:p="http://schemas.openxmlformats.org/presentationml/2006/main">
   <p:cSld>
@@ -9575,632 +9987,6 @@
           <p:cNvPr id="2" name="Titlu 1">
             <a:extLst>
               <a:ext uri="{FF2B5EF4-FFF2-40B4-BE49-F238E27FC236}">
-                <a16:creationId xmlns:a16="http://schemas.microsoft.com/office/drawing/2014/main" id="{11A13E1D-008E-42F7-C376-BE26A543FA3E}"/>
-              </a:ext>
-            </a:extLst>
-          </p:cNvPr>
-          <p:cNvSpPr>
-            <a:spLocks noGrp="1"/>
-          </p:cNvSpPr>
-          <p:nvPr>
-            <p:ph type="title"/>
-          </p:nvPr>
-        </p:nvSpPr>
-        <p:spPr/>
-        <p:txBody>
-          <a:bodyPr/>
-          <a:lstStyle/>
-          <a:p>
-            <a:r>
-              <a:rPr lang="ro-RO" dirty="0"/>
-              <a:t>MY RESULTS</a:t>
-            </a:r>
-          </a:p>
-        </p:txBody>
-      </p:sp>
-      <p:sp>
-        <p:nvSpPr>
-          <p:cNvPr id="3" name="Substituent text 2">
-            <a:extLst>
-              <a:ext uri="{FF2B5EF4-FFF2-40B4-BE49-F238E27FC236}">
-                <a16:creationId xmlns:a16="http://schemas.microsoft.com/office/drawing/2014/main" id="{EE4AD676-40AC-0EBC-C481-6DC2828B7405}"/>
-              </a:ext>
-            </a:extLst>
-          </p:cNvPr>
-          <p:cNvSpPr>
-            <a:spLocks noGrp="1"/>
-          </p:cNvSpPr>
-          <p:nvPr>
-            <p:ph type="body" idx="1"/>
-          </p:nvPr>
-        </p:nvSpPr>
-        <p:spPr/>
-        <p:txBody>
-          <a:bodyPr/>
-          <a:lstStyle/>
-          <a:p>
-            <a:r>
-              <a:rPr lang="ro-RO" dirty="0" err="1"/>
-              <a:t>My</a:t>
-            </a:r>
-            <a:r>
-              <a:rPr lang="ro-RO" dirty="0"/>
-              <a:t> </a:t>
-            </a:r>
-            <a:r>
-              <a:rPr lang="ro-RO" dirty="0" err="1"/>
-              <a:t>Results</a:t>
-            </a:r>
-            <a:r>
-              <a:rPr lang="ro-RO" dirty="0"/>
-              <a:t>: F1-score</a:t>
-            </a:r>
-          </a:p>
-          <a:p>
-            <a:pPr marL="38100" indent="0">
-              <a:buNone/>
-            </a:pPr>
-            <a:r>
-              <a:rPr lang="ro-RO" sz="1000" dirty="0">
-                <a:latin typeface="Consolas"/>
-              </a:rPr>
-              <a:t>-CNN + </a:t>
-            </a:r>
-            <a:r>
-              <a:rPr lang="ro-RO" sz="1000" dirty="0" err="1">
-                <a:latin typeface="Consolas"/>
-              </a:rPr>
-              <a:t>features</a:t>
-            </a:r>
-            <a:r>
-              <a:rPr lang="ro-RO" sz="1000" dirty="0">
-                <a:latin typeface="Consolas"/>
-              </a:rPr>
-              <a:t> : 0.7260375022888184</a:t>
-            </a:r>
-          </a:p>
-          <a:p>
-            <a:pPr marL="38100" indent="0">
-              <a:buNone/>
-            </a:pPr>
-            <a:r>
-              <a:rPr lang="ro-RO" sz="1000" dirty="0">
-                <a:latin typeface="Consolas"/>
-              </a:rPr>
-              <a:t>-CNN : 0.696022689342498</a:t>
-            </a:r>
-          </a:p>
-          <a:p>
-            <a:pPr marL="38100" indent="0">
-              <a:buNone/>
-            </a:pPr>
-            <a:r>
-              <a:rPr lang="ro-RO" sz="1000" dirty="0">
-                <a:latin typeface="Consolas"/>
-              </a:rPr>
-              <a:t>-GRU: </a:t>
-            </a:r>
-            <a:r>
-              <a:rPr lang="ro-RO" sz="1000" dirty="0">
-                <a:latin typeface="Consolas"/>
-                <a:ea typeface="+mn-lt"/>
-                <a:cs typeface="+mn-lt"/>
-              </a:rPr>
-              <a:t>0.71282350626768</a:t>
-            </a:r>
-          </a:p>
-          <a:p>
-            <a:pPr marL="38100" indent="0">
-              <a:buNone/>
-            </a:pPr>
-            <a:r>
-              <a:rPr lang="ro-RO" sz="1000" dirty="0">
-                <a:latin typeface="Consolas"/>
-              </a:rPr>
-              <a:t>-GRU + </a:t>
-            </a:r>
-            <a:r>
-              <a:rPr lang="ro-RO" sz="1000" dirty="0" err="1">
-                <a:latin typeface="Consolas"/>
-              </a:rPr>
-              <a:t>features</a:t>
-            </a:r>
-            <a:r>
-              <a:rPr lang="ro-RO" sz="1000" dirty="0">
-                <a:latin typeface="Consolas"/>
-              </a:rPr>
-              <a:t>: </a:t>
-            </a:r>
-            <a:r>
-              <a:rPr lang="ro-RO" sz="1000" dirty="0">
-                <a:latin typeface="Consolas"/>
-                <a:ea typeface="+mn-lt"/>
-                <a:cs typeface="+mn-lt"/>
-              </a:rPr>
-              <a:t>0.7385580334375915</a:t>
-            </a:r>
-          </a:p>
-          <a:p>
-            <a:pPr marL="38100" indent="0">
-              <a:buNone/>
-            </a:pPr>
-            <a:r>
-              <a:rPr lang="ro-RO" sz="1000" dirty="0">
-                <a:latin typeface="Consolas"/>
-              </a:rPr>
-              <a:t>-1-grams </a:t>
-            </a:r>
-            <a:r>
-              <a:rPr lang="ro-RO" sz="1000" dirty="0" err="1">
-                <a:latin typeface="Consolas"/>
-              </a:rPr>
-              <a:t>baseline</a:t>
-            </a:r>
-            <a:r>
-              <a:rPr lang="ro-RO" sz="1000" dirty="0">
-                <a:latin typeface="Consolas"/>
-              </a:rPr>
-              <a:t> </a:t>
-            </a:r>
-            <a:r>
-              <a:rPr lang="ro-RO" sz="1000" dirty="0" err="1">
-                <a:latin typeface="Consolas"/>
-              </a:rPr>
-              <a:t>sklearn</a:t>
-            </a:r>
-            <a:r>
-              <a:rPr lang="ro-RO" sz="1000" dirty="0">
-                <a:latin typeface="Consolas"/>
-              </a:rPr>
-              <a:t> </a:t>
-            </a:r>
-            <a:r>
-              <a:rPr lang="ro-RO" sz="1000" dirty="0" err="1">
-                <a:latin typeface="Consolas"/>
-              </a:rPr>
-              <a:t>models</a:t>
-            </a:r>
-            <a:r>
-              <a:rPr lang="ro-RO" sz="1000" dirty="0">
-                <a:latin typeface="Consolas"/>
-              </a:rPr>
-              <a:t>: 0.7396470588235294 </a:t>
-            </a:r>
-          </a:p>
-          <a:p>
-            <a:pPr marL="38100" indent="0">
-              <a:buNone/>
-            </a:pPr>
-            <a:r>
-              <a:rPr lang="ro-RO" sz="1000" dirty="0">
-                <a:latin typeface="Consolas"/>
-              </a:rPr>
-              <a:t>-</a:t>
-            </a:r>
-            <a:r>
-              <a:rPr lang="ro-RO" sz="1000" dirty="0" err="1">
-                <a:latin typeface="Consolas"/>
-              </a:rPr>
-              <a:t>Logreg</a:t>
-            </a:r>
-            <a:r>
-              <a:rPr lang="ro-RO" sz="1000" dirty="0">
-                <a:latin typeface="Consolas"/>
-              </a:rPr>
-              <a:t> + 1-3-grams + </a:t>
-            </a:r>
-            <a:r>
-              <a:rPr lang="ro-RO" sz="1000" dirty="0" err="1">
-                <a:latin typeface="Consolas"/>
-              </a:rPr>
-              <a:t>features</a:t>
-            </a:r>
-            <a:r>
-              <a:rPr lang="ro-RO" sz="1000" dirty="0">
-                <a:latin typeface="Consolas"/>
-              </a:rPr>
-              <a:t>: 0.765625</a:t>
-            </a:r>
-          </a:p>
-          <a:p>
-            <a:pPr marL="38100" indent="0">
-              <a:buNone/>
-            </a:pPr>
-            <a:r>
-              <a:rPr lang="ro-RO" sz="1000" dirty="0">
-                <a:latin typeface="Consolas"/>
-              </a:rPr>
-              <a:t>-</a:t>
-            </a:r>
-            <a:r>
-              <a:rPr lang="ro-RO" sz="1000" dirty="0" err="1">
-                <a:latin typeface="Consolas"/>
-              </a:rPr>
-              <a:t>bert</a:t>
-            </a:r>
-            <a:r>
-              <a:rPr lang="ro-RO" sz="1000" dirty="0">
-                <a:latin typeface="Consolas"/>
-              </a:rPr>
-              <a:t>: </a:t>
-            </a:r>
-            <a:r>
-              <a:rPr lang="ro-RO" sz="1000" dirty="0">
-                <a:latin typeface="Consolas"/>
-                <a:ea typeface="+mn-lt"/>
-                <a:cs typeface="+mn-lt"/>
-              </a:rPr>
-              <a:t>0.796713643680769 (</a:t>
-            </a:r>
-            <a:r>
-              <a:rPr lang="ro-RO" sz="1000" dirty="0" err="1">
-                <a:latin typeface="Consolas"/>
-                <a:ea typeface="+mn-lt"/>
-                <a:cs typeface="+mn-lt"/>
-              </a:rPr>
-              <a:t>due</a:t>
-            </a:r>
-            <a:r>
-              <a:rPr lang="ro-RO" sz="1000" dirty="0">
-                <a:latin typeface="Consolas"/>
-                <a:ea typeface="+mn-lt"/>
-                <a:cs typeface="+mn-lt"/>
-              </a:rPr>
-              <a:t> </a:t>
-            </a:r>
-            <a:r>
-              <a:rPr lang="ro-RO" sz="1000" dirty="0" err="1">
-                <a:latin typeface="Consolas"/>
-                <a:ea typeface="+mn-lt"/>
-                <a:cs typeface="+mn-lt"/>
-              </a:rPr>
-              <a:t>to</a:t>
-            </a:r>
-            <a:r>
-              <a:rPr lang="ro-RO" sz="1000" dirty="0">
-                <a:latin typeface="Consolas"/>
-                <a:ea typeface="+mn-lt"/>
-                <a:cs typeface="+mn-lt"/>
-              </a:rPr>
-              <a:t> </a:t>
-            </a:r>
-            <a:r>
-              <a:rPr lang="ro-RO" sz="1000" dirty="0" err="1">
-                <a:latin typeface="Consolas"/>
-                <a:ea typeface="+mn-lt"/>
-                <a:cs typeface="+mn-lt"/>
-              </a:rPr>
-              <a:t>lower</a:t>
-            </a:r>
-            <a:r>
-              <a:rPr lang="ro-RO" sz="1000" dirty="0">
-                <a:latin typeface="Consolas"/>
-                <a:ea typeface="+mn-lt"/>
-                <a:cs typeface="+mn-lt"/>
-              </a:rPr>
-              <a:t> </a:t>
-            </a:r>
-            <a:r>
-              <a:rPr lang="ro-RO" sz="1000" dirty="0" err="1">
-                <a:latin typeface="Consolas"/>
-                <a:ea typeface="+mn-lt"/>
-                <a:cs typeface="+mn-lt"/>
-              </a:rPr>
-              <a:t>sequence</a:t>
-            </a:r>
-            <a:r>
-              <a:rPr lang="ro-RO" sz="1000" dirty="0">
-                <a:latin typeface="Consolas"/>
-                <a:ea typeface="+mn-lt"/>
-                <a:cs typeface="+mn-lt"/>
-              </a:rPr>
-              <a:t> </a:t>
-            </a:r>
-            <a:r>
-              <a:rPr lang="ro-RO" sz="1000" dirty="0" err="1">
-                <a:latin typeface="Consolas"/>
-                <a:ea typeface="+mn-lt"/>
-                <a:cs typeface="+mn-lt"/>
-              </a:rPr>
-              <a:t>length</a:t>
-            </a:r>
-            <a:r>
-              <a:rPr lang="ro-RO" sz="1000" dirty="0">
-                <a:latin typeface="Consolas"/>
-                <a:ea typeface="+mn-lt"/>
-                <a:cs typeface="+mn-lt"/>
-              </a:rPr>
-              <a:t>)</a:t>
-            </a:r>
-          </a:p>
-          <a:p>
-            <a:pPr marL="38100" indent="0">
-              <a:buNone/>
-            </a:pPr>
-            <a:r>
-              <a:rPr lang="ro-RO" sz="1000" dirty="0">
-                <a:latin typeface="Consolas"/>
-              </a:rPr>
-              <a:t>-</a:t>
-            </a:r>
-            <a:r>
-              <a:rPr lang="ro-RO" sz="1000" dirty="0" err="1">
-                <a:latin typeface="Consolas"/>
-              </a:rPr>
-              <a:t>logreg</a:t>
-            </a:r>
-            <a:r>
-              <a:rPr lang="ro-RO" sz="1000" dirty="0">
-                <a:latin typeface="Consolas"/>
-              </a:rPr>
-              <a:t> + </a:t>
-            </a:r>
-            <a:r>
-              <a:rPr lang="ro-RO" sz="1000" dirty="0" err="1">
-                <a:latin typeface="Consolas"/>
-              </a:rPr>
-              <a:t>pretrained</a:t>
-            </a:r>
-            <a:r>
-              <a:rPr lang="ro-RO" sz="1000" dirty="0">
-                <a:latin typeface="Consolas"/>
-              </a:rPr>
-              <a:t> word2vec + </a:t>
-            </a:r>
-            <a:r>
-              <a:rPr lang="ro-RO" sz="1000" dirty="0" err="1">
-                <a:latin typeface="Consolas"/>
-              </a:rPr>
-              <a:t>features</a:t>
-            </a:r>
-            <a:r>
-              <a:rPr lang="ro-RO" sz="1000" dirty="0">
-                <a:latin typeface="Consolas"/>
-              </a:rPr>
-              <a:t>: 0.7716899224806202</a:t>
-            </a:r>
-          </a:p>
-          <a:p>
-            <a:pPr marL="38100" indent="0">
-              <a:buNone/>
-            </a:pPr>
-            <a:r>
-              <a:rPr lang="ro-RO" sz="1000" dirty="0">
-                <a:latin typeface="Consolas"/>
-              </a:rPr>
-              <a:t>-</a:t>
-            </a:r>
-            <a:r>
-              <a:rPr lang="ro-RO" sz="1000" dirty="0" err="1">
-                <a:latin typeface="Consolas"/>
-              </a:rPr>
-              <a:t>logreg</a:t>
-            </a:r>
-            <a:r>
-              <a:rPr lang="ro-RO" sz="1000" dirty="0">
-                <a:latin typeface="Consolas"/>
-              </a:rPr>
-              <a:t> + </a:t>
-            </a:r>
-            <a:r>
-              <a:rPr lang="ro-RO" sz="1000" dirty="0" err="1">
-                <a:latin typeface="Consolas"/>
-              </a:rPr>
-              <a:t>domain</a:t>
-            </a:r>
-            <a:r>
-              <a:rPr lang="ro-RO" sz="1000" dirty="0">
-                <a:latin typeface="Consolas"/>
-              </a:rPr>
-              <a:t> word2vec + </a:t>
-            </a:r>
-            <a:r>
-              <a:rPr lang="ro-RO" sz="1000" dirty="0" err="1">
-                <a:latin typeface="Consolas"/>
-              </a:rPr>
-              <a:t>features</a:t>
-            </a:r>
-            <a:r>
-              <a:rPr lang="ro-RO" sz="1000" dirty="0">
-                <a:latin typeface="Consolas"/>
-              </a:rPr>
-              <a:t>: 0.786038961038961</a:t>
-            </a:r>
-          </a:p>
-          <a:p>
-            <a:pPr marL="38100" indent="0">
-              <a:buNone/>
-            </a:pPr>
-            <a:r>
-              <a:rPr lang="ro-RO" sz="1000" dirty="0">
-                <a:latin typeface="Consolas"/>
-              </a:rPr>
-              <a:t>-</a:t>
-            </a:r>
-            <a:r>
-              <a:rPr lang="ro-RO" sz="1000" dirty="0" err="1">
-                <a:latin typeface="Consolas"/>
-              </a:rPr>
-              <a:t>logreg</a:t>
-            </a:r>
-            <a:r>
-              <a:rPr lang="ro-RO" sz="1000" dirty="0">
-                <a:latin typeface="Consolas"/>
-              </a:rPr>
-              <a:t> + </a:t>
-            </a:r>
-            <a:r>
-              <a:rPr lang="ro-RO" sz="1000" dirty="0" err="1">
-                <a:latin typeface="Consolas"/>
-              </a:rPr>
-              <a:t>bert</a:t>
-            </a:r>
-            <a:r>
-              <a:rPr lang="ro-RO" sz="1000" dirty="0">
-                <a:latin typeface="Consolas"/>
-              </a:rPr>
-              <a:t> </a:t>
-            </a:r>
-            <a:r>
-              <a:rPr lang="ro-RO" sz="1000" dirty="0" err="1">
-                <a:latin typeface="Consolas"/>
-              </a:rPr>
-              <a:t>embeddings</a:t>
-            </a:r>
-            <a:r>
-              <a:rPr lang="ro-RO" sz="1000" dirty="0">
-                <a:latin typeface="Consolas"/>
-              </a:rPr>
-              <a:t> + </a:t>
-            </a:r>
-            <a:r>
-              <a:rPr lang="ro-RO" sz="1000" dirty="0" err="1">
-                <a:latin typeface="Consolas"/>
-              </a:rPr>
-              <a:t>features</a:t>
-            </a:r>
-            <a:r>
-              <a:rPr lang="ro-RO" sz="1000" dirty="0">
-                <a:latin typeface="Consolas"/>
-              </a:rPr>
-              <a:t>: 0.772238961038961 (</a:t>
-            </a:r>
-            <a:r>
-              <a:rPr lang="ro-RO" sz="1000" dirty="0" err="1">
-                <a:latin typeface="Consolas"/>
-              </a:rPr>
-              <a:t>due</a:t>
-            </a:r>
-            <a:r>
-              <a:rPr lang="ro-RO" sz="1000" dirty="0">
-                <a:latin typeface="Consolas"/>
-              </a:rPr>
-              <a:t> </a:t>
-            </a:r>
-            <a:r>
-              <a:rPr lang="ro-RO" sz="1000" dirty="0" err="1">
-                <a:latin typeface="Consolas"/>
-              </a:rPr>
-              <a:t>to</a:t>
-            </a:r>
-            <a:r>
-              <a:rPr lang="ro-RO" sz="1000" dirty="0">
-                <a:latin typeface="Consolas"/>
-              </a:rPr>
-              <a:t> </a:t>
-            </a:r>
-            <a:r>
-              <a:rPr lang="ro-RO" sz="1000" dirty="0" err="1">
-                <a:latin typeface="Consolas"/>
-              </a:rPr>
-              <a:t>lower</a:t>
-            </a:r>
-            <a:r>
-              <a:rPr lang="ro-RO" sz="1000" dirty="0">
-                <a:latin typeface="Consolas"/>
-              </a:rPr>
-              <a:t> </a:t>
-            </a:r>
-            <a:r>
-              <a:rPr lang="ro-RO" sz="1000" dirty="0" err="1">
-                <a:latin typeface="Consolas"/>
-              </a:rPr>
-              <a:t>sequence</a:t>
-            </a:r>
-            <a:r>
-              <a:rPr lang="ro-RO" sz="1000" dirty="0">
-                <a:latin typeface="Consolas"/>
-              </a:rPr>
-              <a:t> </a:t>
-            </a:r>
-            <a:r>
-              <a:rPr lang="ro-RO" sz="1000" dirty="0" err="1">
-                <a:latin typeface="Consolas"/>
-              </a:rPr>
-              <a:t>length</a:t>
-            </a:r>
-            <a:r>
-              <a:rPr lang="ro-RO" sz="1000" dirty="0">
-                <a:latin typeface="Consolas"/>
-              </a:rPr>
-              <a:t>)</a:t>
-            </a:r>
-          </a:p>
-        </p:txBody>
-      </p:sp>
-      <p:sp>
-        <p:nvSpPr>
-          <p:cNvPr id="4" name="Substituent număr diapozitiv 3">
-            <a:extLst>
-              <a:ext uri="{FF2B5EF4-FFF2-40B4-BE49-F238E27FC236}">
-                <a16:creationId xmlns:a16="http://schemas.microsoft.com/office/drawing/2014/main" id="{2A394024-5608-EBFD-B310-B8913151887C}"/>
-              </a:ext>
-            </a:extLst>
-          </p:cNvPr>
-          <p:cNvSpPr>
-            <a:spLocks noGrp="1"/>
-          </p:cNvSpPr>
-          <p:nvPr>
-            <p:ph type="sldNum" idx="12"/>
-          </p:nvPr>
-        </p:nvSpPr>
-        <p:spPr/>
-        <p:txBody>
-          <a:bodyPr/>
-          <a:lstStyle/>
-          <a:p>
-            <a:pPr marL="0" lvl="0" indent="0" algn="r" rtl="0">
-              <a:spcBef>
-                <a:spcPts val="0"/>
-              </a:spcBef>
-              <a:spcAft>
-                <a:spcPts val="0"/>
-              </a:spcAft>
-              <a:buNone/>
-            </a:pPr>
-            <a:fld id="{00000000-1234-1234-1234-123412341234}" type="slidenum">
-              <a:rPr lang="en-US" altLang="zh-TW"/>
-              <a:t>24</a:t>
-            </a:fld>
-            <a:endParaRPr lang="zh-TW" altLang="en-US"/>
-          </a:p>
-        </p:txBody>
-      </p:sp>
-    </p:spTree>
-    <p:extLst>
-      <p:ext uri="{BB962C8B-B14F-4D97-AF65-F5344CB8AC3E}">
-        <p14:creationId xmlns:p14="http://schemas.microsoft.com/office/powerpoint/2010/main" val="3753777705"/>
-      </p:ext>
-    </p:extLst>
-  </p:cSld>
-  <p:clrMapOvr>
-    <a:masterClrMapping/>
-  </p:clrMapOvr>
-</p:sld>
-</file>
-
-<file path=ppt/slides/slide25.xml><?xml version="1.0" encoding="utf-8"?>
-<p:sld xmlns:a="http://schemas.openxmlformats.org/drawingml/2006/main" xmlns:r="http://schemas.openxmlformats.org/officeDocument/2006/relationships" xmlns:p="http://schemas.openxmlformats.org/presentationml/2006/main">
-  <p:cSld>
-    <p:spTree>
-      <p:nvGrpSpPr>
-        <p:cNvPr id="1" name=""/>
-        <p:cNvGrpSpPr/>
-        <p:nvPr/>
-      </p:nvGrpSpPr>
-      <p:grpSpPr>
-        <a:xfrm>
-          <a:off x="0" y="0"/>
-          <a:ext cx="0" cy="0"/>
-          <a:chOff x="0" y="0"/>
-          <a:chExt cx="0" cy="0"/>
-        </a:xfrm>
-      </p:grpSpPr>
-      <p:sp>
-        <p:nvSpPr>
-          <p:cNvPr id="2" name="Titlu 1">
-            <a:extLst>
-              <a:ext uri="{FF2B5EF4-FFF2-40B4-BE49-F238E27FC236}">
                 <a16:creationId xmlns:a16="http://schemas.microsoft.com/office/drawing/2014/main" id="{9663CDBC-612D-2A28-B7D0-A6EFC1BD0326}"/>
               </a:ext>
             </a:extLst>
@@ -10299,7 +10085,7 @@
             </a:pPr>
             <a:fld id="{00000000-1234-1234-1234-123412341234}" type="slidenum">
               <a:rPr lang="en-US" altLang="zh-TW"/>
-              <a:t>25</a:t>
+              <a:t>24</a:t>
             </a:fld>
             <a:endParaRPr lang="zh-TW" altLang="en-US"/>
           </a:p>
@@ -10348,7 +10134,7 @@
 </p:sld>
 </file>
 
-<file path=ppt/slides/slide26.xml><?xml version="1.0" encoding="utf-8"?>
+<file path=ppt/slides/slide25.xml><?xml version="1.0" encoding="utf-8"?>
 <p:sld xmlns:a="http://schemas.openxmlformats.org/drawingml/2006/main" xmlns:r="http://schemas.openxmlformats.org/officeDocument/2006/relationships" xmlns:p="http://schemas.openxmlformats.org/presentationml/2006/main">
   <p:cSld>
     <p:spTree>
@@ -10429,7 +10215,7 @@
             </a:pPr>
             <a:fld id="{00000000-1234-1234-1234-123412341234}" type="slidenum">
               <a:rPr lang="en-US" altLang="zh-TW"/>
-              <a:t>26</a:t>
+              <a:t>25</a:t>
             </a:fld>
             <a:endParaRPr lang="zh-TW" altLang="en-US"/>
           </a:p>
@@ -10693,7 +10479,7 @@
         </p:nvSpPr>
         <p:spPr>
           <a:xfrm>
-            <a:off x="764550" y="2504425"/>
+            <a:off x="563382" y="2486137"/>
             <a:ext cx="7614900" cy="2155500"/>
           </a:xfrm>
           <a:prstGeom prst="rect">
@@ -11453,420 +11239,6 @@
           <p:cNvPr id="2" name="Titlu 1">
             <a:extLst>
               <a:ext uri="{FF2B5EF4-FFF2-40B4-BE49-F238E27FC236}">
-                <a16:creationId xmlns:a16="http://schemas.microsoft.com/office/drawing/2014/main" id="{5EF9508B-3091-F971-33A1-45279E731507}"/>
-              </a:ext>
-            </a:extLst>
-          </p:cNvPr>
-          <p:cNvSpPr>
-            <a:spLocks noGrp="1"/>
-          </p:cNvSpPr>
-          <p:nvPr>
-            <p:ph type="title"/>
-          </p:nvPr>
-        </p:nvSpPr>
-        <p:spPr/>
-        <p:txBody>
-          <a:bodyPr/>
-          <a:lstStyle/>
-          <a:p>
-            <a:r>
-              <a:rPr lang="ro-RO" dirty="0"/>
-              <a:t>FEATURES . Liwc-2015 </a:t>
-            </a:r>
-            <a:r>
-              <a:rPr lang="ro-RO" dirty="0" err="1"/>
-              <a:t>features</a:t>
-            </a:r>
-          </a:p>
-        </p:txBody>
-      </p:sp>
-      <p:sp>
-        <p:nvSpPr>
-          <p:cNvPr id="3" name="Substituent text 2">
-            <a:extLst>
-              <a:ext uri="{FF2B5EF4-FFF2-40B4-BE49-F238E27FC236}">
-                <a16:creationId xmlns:a16="http://schemas.microsoft.com/office/drawing/2014/main" id="{13363612-4DF6-404A-804F-F030C7FF5B02}"/>
-              </a:ext>
-            </a:extLst>
-          </p:cNvPr>
-          <p:cNvSpPr>
-            <a:spLocks noGrp="1"/>
-          </p:cNvSpPr>
-          <p:nvPr>
-            <p:ph type="body" idx="1"/>
-          </p:nvPr>
-        </p:nvSpPr>
-        <p:spPr/>
-        <p:txBody>
-          <a:bodyPr/>
-          <a:lstStyle/>
-          <a:p>
-            <a:r>
-              <a:rPr lang="ro-RO" dirty="0">
-                <a:ea typeface="+mn-lt"/>
-                <a:cs typeface="+mn-lt"/>
-              </a:rPr>
-              <a:t>Linguistic </a:t>
-            </a:r>
-            <a:r>
-              <a:rPr lang="ro-RO" dirty="0" err="1">
-                <a:ea typeface="+mn-lt"/>
-                <a:cs typeface="+mn-lt"/>
-              </a:rPr>
-              <a:t>Inquiry</a:t>
-            </a:r>
-            <a:r>
-              <a:rPr lang="ro-RO" dirty="0">
-                <a:ea typeface="+mn-lt"/>
-                <a:cs typeface="+mn-lt"/>
-              </a:rPr>
-              <a:t> </a:t>
-            </a:r>
-            <a:r>
-              <a:rPr lang="ro-RO" dirty="0" err="1">
-                <a:ea typeface="+mn-lt"/>
-                <a:cs typeface="+mn-lt"/>
-              </a:rPr>
-              <a:t>and</a:t>
-            </a:r>
-            <a:r>
-              <a:rPr lang="ro-RO" dirty="0">
-                <a:ea typeface="+mn-lt"/>
-                <a:cs typeface="+mn-lt"/>
-              </a:rPr>
-              <a:t> Word Count (LIWC) (</a:t>
-            </a:r>
-            <a:r>
-              <a:rPr lang="ro-RO" dirty="0" err="1">
-                <a:ea typeface="+mn-lt"/>
-                <a:cs typeface="+mn-lt"/>
-              </a:rPr>
-              <a:t>Pennebaker</a:t>
-            </a:r>
-            <a:r>
-              <a:rPr lang="ro-RO" dirty="0">
-                <a:ea typeface="+mn-lt"/>
-                <a:cs typeface="+mn-lt"/>
-              </a:rPr>
-              <a:t> et al., 2015), a lexicon-</a:t>
-            </a:r>
-            <a:r>
-              <a:rPr lang="ro-RO" dirty="0" err="1">
-                <a:ea typeface="+mn-lt"/>
-                <a:cs typeface="+mn-lt"/>
-              </a:rPr>
-              <a:t>based</a:t>
-            </a:r>
-            <a:r>
-              <a:rPr lang="ro-RO" dirty="0">
-                <a:ea typeface="+mn-lt"/>
-                <a:cs typeface="+mn-lt"/>
-              </a:rPr>
-              <a:t> </a:t>
-            </a:r>
-            <a:r>
-              <a:rPr lang="ro-RO" dirty="0" err="1">
-                <a:ea typeface="+mn-lt"/>
-                <a:cs typeface="+mn-lt"/>
-              </a:rPr>
-              <a:t>tool</a:t>
-            </a:r>
-            <a:r>
-              <a:rPr lang="ro-RO" dirty="0">
-                <a:ea typeface="+mn-lt"/>
-                <a:cs typeface="+mn-lt"/>
-              </a:rPr>
-              <a:t> </a:t>
-            </a:r>
-            <a:r>
-              <a:rPr lang="ro-RO" dirty="0" err="1">
-                <a:ea typeface="+mn-lt"/>
-                <a:cs typeface="+mn-lt"/>
-              </a:rPr>
-              <a:t>that</a:t>
-            </a:r>
-            <a:r>
-              <a:rPr lang="ro-RO" dirty="0">
-                <a:ea typeface="+mn-lt"/>
-                <a:cs typeface="+mn-lt"/>
-              </a:rPr>
-              <a:t> </a:t>
-            </a:r>
-            <a:r>
-              <a:rPr lang="ro-RO" dirty="0" err="1">
-                <a:ea typeface="+mn-lt"/>
-                <a:cs typeface="+mn-lt"/>
-              </a:rPr>
-              <a:t>gives</a:t>
-            </a:r>
-            <a:r>
-              <a:rPr lang="ro-RO" dirty="0">
-                <a:ea typeface="+mn-lt"/>
-                <a:cs typeface="+mn-lt"/>
-              </a:rPr>
-              <a:t> </a:t>
-            </a:r>
-            <a:r>
-              <a:rPr lang="ro-RO" dirty="0" err="1">
-                <a:ea typeface="+mn-lt"/>
-                <a:cs typeface="+mn-lt"/>
-              </a:rPr>
-              <a:t>scores</a:t>
-            </a:r>
-            <a:r>
-              <a:rPr lang="ro-RO" dirty="0">
-                <a:ea typeface="+mn-lt"/>
-                <a:cs typeface="+mn-lt"/>
-              </a:rPr>
-              <a:t> for </a:t>
-            </a:r>
-            <a:r>
-              <a:rPr lang="ro-RO" dirty="0" err="1">
-                <a:ea typeface="+mn-lt"/>
-                <a:cs typeface="+mn-lt"/>
-              </a:rPr>
-              <a:t>psychologically</a:t>
-            </a:r>
-            <a:r>
-              <a:rPr lang="ro-RO" dirty="0">
-                <a:ea typeface="+mn-lt"/>
-                <a:cs typeface="+mn-lt"/>
-              </a:rPr>
-              <a:t> relevant </a:t>
-            </a:r>
-            <a:r>
-              <a:rPr lang="ro-RO" dirty="0" err="1">
-                <a:ea typeface="+mn-lt"/>
-                <a:cs typeface="+mn-lt"/>
-              </a:rPr>
-              <a:t>categories</a:t>
-            </a:r>
-            <a:r>
-              <a:rPr lang="ro-RO" dirty="0">
-                <a:ea typeface="+mn-lt"/>
-                <a:cs typeface="+mn-lt"/>
-              </a:rPr>
-              <a:t> </a:t>
-            </a:r>
-            <a:r>
-              <a:rPr lang="ro-RO" dirty="0" err="1">
-                <a:ea typeface="+mn-lt"/>
-                <a:cs typeface="+mn-lt"/>
-              </a:rPr>
-              <a:t>such</a:t>
-            </a:r>
-            <a:r>
-              <a:rPr lang="ro-RO" dirty="0">
-                <a:ea typeface="+mn-lt"/>
-                <a:cs typeface="+mn-lt"/>
-              </a:rPr>
-              <a:t> as </a:t>
-            </a:r>
-            <a:r>
-              <a:rPr lang="ro-RO" dirty="0" err="1">
-                <a:ea typeface="+mn-lt"/>
-                <a:cs typeface="+mn-lt"/>
-              </a:rPr>
-              <a:t>sadness</a:t>
-            </a:r>
-            <a:r>
-              <a:rPr lang="ro-RO" dirty="0">
-                <a:ea typeface="+mn-lt"/>
-                <a:cs typeface="+mn-lt"/>
-              </a:rPr>
-              <a:t> or cognitive </a:t>
-            </a:r>
-            <a:r>
-              <a:rPr lang="ro-RO" dirty="0" err="1">
-                <a:ea typeface="+mn-lt"/>
-                <a:cs typeface="+mn-lt"/>
-              </a:rPr>
-              <a:t>processes</a:t>
-            </a:r>
-            <a:r>
-              <a:rPr lang="ro-RO" dirty="0">
-                <a:ea typeface="+mn-lt"/>
-                <a:cs typeface="+mn-lt"/>
-              </a:rPr>
-              <a:t>, as a </a:t>
-            </a:r>
-            <a:r>
-              <a:rPr lang="ro-RO" dirty="0" err="1">
-                <a:ea typeface="+mn-lt"/>
-                <a:cs typeface="+mn-lt"/>
-              </a:rPr>
-              <a:t>proxy</a:t>
-            </a:r>
-            <a:r>
-              <a:rPr lang="ro-RO" dirty="0">
-                <a:ea typeface="+mn-lt"/>
-                <a:cs typeface="+mn-lt"/>
-              </a:rPr>
-              <a:t> for topic </a:t>
-            </a:r>
-            <a:r>
-              <a:rPr lang="ro-RO" dirty="0" err="1">
-                <a:ea typeface="+mn-lt"/>
-                <a:cs typeface="+mn-lt"/>
-              </a:rPr>
-              <a:t>prevalence</a:t>
-            </a:r>
-            <a:r>
-              <a:rPr lang="ro-RO" dirty="0">
-                <a:ea typeface="+mn-lt"/>
-                <a:cs typeface="+mn-lt"/>
-              </a:rPr>
-              <a:t> </a:t>
-            </a:r>
-            <a:r>
-              <a:rPr lang="ro-RO" dirty="0" err="1">
-                <a:ea typeface="+mn-lt"/>
-                <a:cs typeface="+mn-lt"/>
-              </a:rPr>
-              <a:t>and</a:t>
-            </a:r>
-            <a:r>
-              <a:rPr lang="ro-RO" dirty="0">
-                <a:ea typeface="+mn-lt"/>
-                <a:cs typeface="+mn-lt"/>
-              </a:rPr>
-              <a:t> </a:t>
-            </a:r>
-            <a:r>
-              <a:rPr lang="ro-RO" dirty="0" err="1">
-                <a:ea typeface="+mn-lt"/>
-                <a:cs typeface="+mn-lt"/>
-              </a:rPr>
-              <a:t>expression</a:t>
-            </a:r>
-            <a:r>
-              <a:rPr lang="ro-RO" dirty="0">
-                <a:ea typeface="+mn-lt"/>
-                <a:cs typeface="+mn-lt"/>
-              </a:rPr>
-              <a:t> </a:t>
-            </a:r>
-            <a:r>
-              <a:rPr lang="ro-RO" dirty="0" err="1">
-                <a:ea typeface="+mn-lt"/>
-                <a:cs typeface="+mn-lt"/>
-              </a:rPr>
-              <a:t>variety</a:t>
-            </a:r>
-            <a:r>
-              <a:rPr lang="ro-RO" dirty="0">
-                <a:ea typeface="+mn-lt"/>
-                <a:cs typeface="+mn-lt"/>
-              </a:rPr>
-              <a:t>.</a:t>
-            </a:r>
-            <a:endParaRPr lang="ro-RO" dirty="0"/>
-          </a:p>
-        </p:txBody>
-      </p:sp>
-      <p:sp>
-        <p:nvSpPr>
-          <p:cNvPr id="4" name="Substituent număr diapozitiv 3">
-            <a:extLst>
-              <a:ext uri="{FF2B5EF4-FFF2-40B4-BE49-F238E27FC236}">
-                <a16:creationId xmlns:a16="http://schemas.microsoft.com/office/drawing/2014/main" id="{FF2FB6E5-FE72-8C54-FE0A-50F66DF7AA06}"/>
-              </a:ext>
-            </a:extLst>
-          </p:cNvPr>
-          <p:cNvSpPr>
-            <a:spLocks noGrp="1"/>
-          </p:cNvSpPr>
-          <p:nvPr>
-            <p:ph type="sldNum" idx="12"/>
-          </p:nvPr>
-        </p:nvSpPr>
-        <p:spPr/>
-        <p:txBody>
-          <a:bodyPr/>
-          <a:lstStyle/>
-          <a:p>
-            <a:pPr marL="0" lvl="0" indent="0" algn="r" rtl="0">
-              <a:spcBef>
-                <a:spcPts val="0"/>
-              </a:spcBef>
-              <a:spcAft>
-                <a:spcPts val="0"/>
-              </a:spcAft>
-              <a:buNone/>
-            </a:pPr>
-            <a:fld id="{00000000-1234-1234-1234-123412341234}" type="slidenum">
-              <a:rPr lang="en-US" altLang="zh-TW"/>
-              <a:t>6</a:t>
-            </a:fld>
-            <a:endParaRPr lang="zh-TW" altLang="en-US"/>
-          </a:p>
-        </p:txBody>
-      </p:sp>
-      <p:pic>
-        <p:nvPicPr>
-          <p:cNvPr id="5" name="Imagine 5" descr="O imagine care conține text&#10;&#10;Descriere generată automat">
-            <a:extLst>
-              <a:ext uri="{FF2B5EF4-FFF2-40B4-BE49-F238E27FC236}">
-                <a16:creationId xmlns:a16="http://schemas.microsoft.com/office/drawing/2014/main" id="{9D700884-C0B9-08B0-ACF2-C2703A069BDF}"/>
-              </a:ext>
-            </a:extLst>
-          </p:cNvPr>
-          <p:cNvPicPr>
-            <a:picLocks noChangeAspect="1"/>
-          </p:cNvPicPr>
-          <p:nvPr/>
-        </p:nvPicPr>
-        <p:blipFill>
-          <a:blip r:embed="rId2"/>
-          <a:stretch>
-            <a:fillRect/>
-          </a:stretch>
-        </p:blipFill>
-        <p:spPr>
-          <a:xfrm>
-            <a:off x="2924879" y="2370481"/>
-            <a:ext cx="4676567" cy="2018958"/>
-          </a:xfrm>
-          <a:prstGeom prst="rect">
-            <a:avLst/>
-          </a:prstGeom>
-        </p:spPr>
-      </p:pic>
-    </p:spTree>
-    <p:extLst>
-      <p:ext uri="{BB962C8B-B14F-4D97-AF65-F5344CB8AC3E}">
-        <p14:creationId xmlns:p14="http://schemas.microsoft.com/office/powerpoint/2010/main" val="3153032580"/>
-      </p:ext>
-    </p:extLst>
-  </p:cSld>
-  <p:clrMapOvr>
-    <a:masterClrMapping/>
-  </p:clrMapOvr>
-</p:sld>
-</file>
-
-<file path=ppt/slides/slide7.xml><?xml version="1.0" encoding="utf-8"?>
-<p:sld xmlns:a="http://schemas.openxmlformats.org/drawingml/2006/main" xmlns:r="http://schemas.openxmlformats.org/officeDocument/2006/relationships" xmlns:p="http://schemas.openxmlformats.org/presentationml/2006/main">
-  <p:cSld>
-    <p:spTree>
-      <p:nvGrpSpPr>
-        <p:cNvPr id="1" name=""/>
-        <p:cNvGrpSpPr/>
-        <p:nvPr/>
-      </p:nvGrpSpPr>
-      <p:grpSpPr>
-        <a:xfrm>
-          <a:off x="0" y="0"/>
-          <a:ext cx="0" cy="0"/>
-          <a:chOff x="0" y="0"/>
-          <a:chExt cx="0" cy="0"/>
-        </a:xfrm>
-      </p:grpSpPr>
-      <p:sp>
-        <p:nvSpPr>
-          <p:cNvPr id="2" name="Titlu 1">
-            <a:extLst>
-              <a:ext uri="{FF2B5EF4-FFF2-40B4-BE49-F238E27FC236}">
                 <a16:creationId xmlns:a16="http://schemas.microsoft.com/office/drawing/2014/main" id="{AF46452E-F46C-874C-0FA3-4C93C998BEC9}"/>
               </a:ext>
             </a:extLst>
@@ -11906,7 +11278,12 @@
             <p:ph type="body" idx="1"/>
           </p:nvPr>
         </p:nvSpPr>
-        <p:spPr/>
+        <p:spPr>
+          <a:xfrm>
+            <a:off x="893700" y="1373588"/>
+            <a:ext cx="5117486" cy="3552300"/>
+          </a:xfrm>
+        </p:spPr>
         <p:txBody>
           <a:bodyPr/>
           <a:lstStyle/>
@@ -11974,6 +11351,264 @@
             <a:r>
               <a:rPr lang="ro-RO" dirty="0" err="1"/>
               <a:t>features</a:t>
+            </a:r>
+            <a:r>
+              <a:rPr lang="ro-RO" dirty="0"/>
+              <a:t>.</a:t>
+            </a:r>
+          </a:p>
+          <a:p>
+            <a:r>
+              <a:rPr lang="ro-RO" dirty="0">
+                <a:ea typeface="+mn-lt"/>
+                <a:cs typeface="+mn-lt"/>
+              </a:rPr>
+              <a:t>Linguistic </a:t>
+            </a:r>
+            <a:r>
+              <a:rPr lang="ro-RO" dirty="0" err="1">
+                <a:ea typeface="+mn-lt"/>
+                <a:cs typeface="+mn-lt"/>
+              </a:rPr>
+              <a:t>Inquiry</a:t>
+            </a:r>
+            <a:r>
+              <a:rPr lang="ro-RO" dirty="0">
+                <a:ea typeface="+mn-lt"/>
+                <a:cs typeface="+mn-lt"/>
+              </a:rPr>
+              <a:t> </a:t>
+            </a:r>
+            <a:r>
+              <a:rPr lang="ro-RO" dirty="0" err="1">
+                <a:ea typeface="+mn-lt"/>
+                <a:cs typeface="+mn-lt"/>
+              </a:rPr>
+              <a:t>and</a:t>
+            </a:r>
+            <a:r>
+              <a:rPr lang="ro-RO" dirty="0">
+                <a:ea typeface="+mn-lt"/>
+                <a:cs typeface="+mn-lt"/>
+              </a:rPr>
+              <a:t> Word Count (LIWC) (</a:t>
+            </a:r>
+            <a:r>
+              <a:rPr lang="ro-RO" dirty="0" err="1">
+                <a:ea typeface="+mn-lt"/>
+                <a:cs typeface="+mn-lt"/>
+              </a:rPr>
+              <a:t>Pennebaker</a:t>
+            </a:r>
+            <a:r>
+              <a:rPr lang="ro-RO" dirty="0">
+                <a:ea typeface="+mn-lt"/>
+                <a:cs typeface="+mn-lt"/>
+              </a:rPr>
+              <a:t> et al., 2015), a lexicon-</a:t>
+            </a:r>
+            <a:r>
+              <a:rPr lang="ro-RO" dirty="0" err="1">
+                <a:ea typeface="+mn-lt"/>
+                <a:cs typeface="+mn-lt"/>
+              </a:rPr>
+              <a:t>based</a:t>
+            </a:r>
+            <a:r>
+              <a:rPr lang="ro-RO" dirty="0">
+                <a:ea typeface="+mn-lt"/>
+                <a:cs typeface="+mn-lt"/>
+              </a:rPr>
+              <a:t> </a:t>
+            </a:r>
+            <a:r>
+              <a:rPr lang="ro-RO" dirty="0" err="1">
+                <a:ea typeface="+mn-lt"/>
+                <a:cs typeface="+mn-lt"/>
+              </a:rPr>
+              <a:t>tool</a:t>
+            </a:r>
+            <a:r>
+              <a:rPr lang="ro-RO" dirty="0">
+                <a:ea typeface="+mn-lt"/>
+                <a:cs typeface="+mn-lt"/>
+              </a:rPr>
+              <a:t> </a:t>
+            </a:r>
+            <a:r>
+              <a:rPr lang="ro-RO" dirty="0" err="1">
+                <a:ea typeface="+mn-lt"/>
+                <a:cs typeface="+mn-lt"/>
+              </a:rPr>
+              <a:t>that</a:t>
+            </a:r>
+            <a:r>
+              <a:rPr lang="ro-RO" dirty="0">
+                <a:ea typeface="+mn-lt"/>
+                <a:cs typeface="+mn-lt"/>
+              </a:rPr>
+              <a:t> </a:t>
+            </a:r>
+            <a:r>
+              <a:rPr lang="ro-RO" dirty="0" err="1">
+                <a:ea typeface="+mn-lt"/>
+                <a:cs typeface="+mn-lt"/>
+              </a:rPr>
+              <a:t>gives</a:t>
+            </a:r>
+            <a:r>
+              <a:rPr lang="ro-RO" dirty="0">
+                <a:ea typeface="+mn-lt"/>
+                <a:cs typeface="+mn-lt"/>
+              </a:rPr>
+              <a:t> </a:t>
+            </a:r>
+            <a:r>
+              <a:rPr lang="ro-RO" dirty="0" err="1">
+                <a:ea typeface="+mn-lt"/>
+                <a:cs typeface="+mn-lt"/>
+              </a:rPr>
+              <a:t>scores</a:t>
+            </a:r>
+            <a:r>
+              <a:rPr lang="ro-RO" dirty="0">
+                <a:ea typeface="+mn-lt"/>
+                <a:cs typeface="+mn-lt"/>
+              </a:rPr>
+              <a:t> for </a:t>
+            </a:r>
+            <a:r>
+              <a:rPr lang="ro-RO" dirty="0" err="1">
+                <a:ea typeface="+mn-lt"/>
+                <a:cs typeface="+mn-lt"/>
+              </a:rPr>
+              <a:t>psychologically</a:t>
+            </a:r>
+            <a:r>
+              <a:rPr lang="ro-RO" dirty="0">
+                <a:ea typeface="+mn-lt"/>
+                <a:cs typeface="+mn-lt"/>
+              </a:rPr>
+              <a:t> relevant </a:t>
+            </a:r>
+            <a:r>
+              <a:rPr lang="ro-RO" dirty="0" err="1">
+                <a:ea typeface="+mn-lt"/>
+                <a:cs typeface="+mn-lt"/>
+              </a:rPr>
+              <a:t>categories</a:t>
+            </a:r>
+            <a:r>
+              <a:rPr lang="ro-RO" dirty="0">
+                <a:ea typeface="+mn-lt"/>
+                <a:cs typeface="+mn-lt"/>
+              </a:rPr>
+              <a:t> </a:t>
+            </a:r>
+            <a:r>
+              <a:rPr lang="ro-RO" dirty="0" err="1">
+                <a:ea typeface="+mn-lt"/>
+                <a:cs typeface="+mn-lt"/>
+              </a:rPr>
+              <a:t>such</a:t>
+            </a:r>
+            <a:r>
+              <a:rPr lang="ro-RO" dirty="0">
+                <a:ea typeface="+mn-lt"/>
+                <a:cs typeface="+mn-lt"/>
+              </a:rPr>
+              <a:t> as </a:t>
+            </a:r>
+            <a:r>
+              <a:rPr lang="ro-RO" dirty="0" err="1">
+                <a:ea typeface="+mn-lt"/>
+                <a:cs typeface="+mn-lt"/>
+              </a:rPr>
+              <a:t>sadness</a:t>
+            </a:r>
+            <a:r>
+              <a:rPr lang="ro-RO" dirty="0">
+                <a:ea typeface="+mn-lt"/>
+                <a:cs typeface="+mn-lt"/>
+              </a:rPr>
+              <a:t> or cognitive </a:t>
+            </a:r>
+            <a:r>
+              <a:rPr lang="ro-RO" dirty="0" err="1">
+                <a:ea typeface="+mn-lt"/>
+                <a:cs typeface="+mn-lt"/>
+              </a:rPr>
+              <a:t>processes</a:t>
+            </a:r>
+            <a:r>
+              <a:rPr lang="ro-RO" dirty="0">
+                <a:ea typeface="+mn-lt"/>
+                <a:cs typeface="+mn-lt"/>
+              </a:rPr>
+              <a:t>, as a </a:t>
+            </a:r>
+            <a:r>
+              <a:rPr lang="ro-RO" dirty="0" err="1">
+                <a:ea typeface="+mn-lt"/>
+                <a:cs typeface="+mn-lt"/>
+              </a:rPr>
+              <a:t>proxy</a:t>
+            </a:r>
+            <a:r>
+              <a:rPr lang="ro-RO" dirty="0">
+                <a:ea typeface="+mn-lt"/>
+                <a:cs typeface="+mn-lt"/>
+              </a:rPr>
+              <a:t> for topic </a:t>
+            </a:r>
+            <a:r>
+              <a:rPr lang="ro-RO" dirty="0" err="1">
+                <a:ea typeface="+mn-lt"/>
+                <a:cs typeface="+mn-lt"/>
+              </a:rPr>
+              <a:t>prevalence</a:t>
+            </a:r>
+            <a:r>
+              <a:rPr lang="ro-RO" dirty="0">
+                <a:ea typeface="+mn-lt"/>
+                <a:cs typeface="+mn-lt"/>
+              </a:rPr>
+              <a:t> </a:t>
+            </a:r>
+            <a:r>
+              <a:rPr lang="ro-RO" dirty="0" err="1">
+                <a:ea typeface="+mn-lt"/>
+                <a:cs typeface="+mn-lt"/>
+              </a:rPr>
+              <a:t>and</a:t>
+            </a:r>
+            <a:r>
+              <a:rPr lang="ro-RO" dirty="0">
+                <a:ea typeface="+mn-lt"/>
+                <a:cs typeface="+mn-lt"/>
+              </a:rPr>
+              <a:t> </a:t>
+            </a:r>
+            <a:r>
+              <a:rPr lang="ro-RO" dirty="0" err="1">
+                <a:ea typeface="+mn-lt"/>
+                <a:cs typeface="+mn-lt"/>
+              </a:rPr>
+              <a:t>expression</a:t>
+            </a:r>
+            <a:r>
+              <a:rPr lang="ro-RO" dirty="0">
+                <a:ea typeface="+mn-lt"/>
+                <a:cs typeface="+mn-lt"/>
+              </a:rPr>
+              <a:t> </a:t>
+            </a:r>
+            <a:r>
+              <a:rPr lang="ro-RO" dirty="0" err="1">
+                <a:ea typeface="+mn-lt"/>
+                <a:cs typeface="+mn-lt"/>
+              </a:rPr>
+              <a:t>variety</a:t>
             </a:r>
             <a:endParaRPr lang="ro-RO" dirty="0"/>
           </a:p>
@@ -12014,7 +11649,7 @@
             </a:pPr>
             <a:fld id="{00000000-1234-1234-1234-123412341234}" type="slidenum">
               <a:rPr lang="en-US" altLang="zh-TW"/>
-              <a:t>7</a:t>
+              <a:t>6</a:t>
             </a:fld>
             <a:endParaRPr lang="zh-TW" altLang="en-US"/>
           </a:p>
@@ -12042,7 +11677,7 @@
         </p:blipFill>
         <p:spPr>
           <a:xfrm>
-            <a:off x="1729833" y="2068503"/>
+            <a:off x="5984700" y="1655035"/>
             <a:ext cx="2743200" cy="2086770"/>
           </a:xfrm>
           <a:prstGeom prst="rect">
@@ -12063,7 +11698,7 @@
 </p:sld>
 </file>
 
-<file path=ppt/slides/slide8.xml><?xml version="1.0" encoding="utf-8"?>
+<file path=ppt/slides/slide7.xml><?xml version="1.0" encoding="utf-8"?>
 <p:sld xmlns:a="http://schemas.openxmlformats.org/drawingml/2006/main" xmlns:r="http://schemas.openxmlformats.org/officeDocument/2006/relationships" xmlns:p="http://schemas.openxmlformats.org/presentationml/2006/main">
   <p:cSld>
     <p:spTree>
@@ -12176,7 +11811,7 @@
             </a:pPr>
             <a:fld id="{00000000-1234-1234-1234-123412341234}" type="slidenum">
               <a:rPr lang="en-US" altLang="zh-TW"/>
-              <a:t>8</a:t>
+              <a:t>7</a:t>
             </a:fld>
             <a:endParaRPr/>
           </a:p>
@@ -12327,7 +11962,7 @@
 </p:sld>
 </file>
 
-<file path=ppt/slides/slide9.xml><?xml version="1.0" encoding="utf-8"?>
+<file path=ppt/slides/slide8.xml><?xml version="1.0" encoding="utf-8"?>
 <p:sld xmlns:a="http://schemas.openxmlformats.org/drawingml/2006/main" xmlns:r="http://schemas.openxmlformats.org/officeDocument/2006/relationships" xmlns:p="http://schemas.openxmlformats.org/presentationml/2006/main">
   <p:cSld>
     <p:spTree>
@@ -12472,7 +12107,7 @@
             </a:pPr>
             <a:fld id="{00000000-1234-1234-1234-123412341234}" type="slidenum">
               <a:rPr lang="en-US" altLang="zh-TW"/>
-              <a:t>9</a:t>
+              <a:t>8</a:t>
             </a:fld>
             <a:endParaRPr/>
           </a:p>
@@ -12573,7 +12208,7 @@
         </p:blipFill>
         <p:spPr>
           <a:xfrm>
-            <a:off x="4647349" y="1586675"/>
+            <a:off x="4647350" y="1597587"/>
             <a:ext cx="4267200" cy="2708031"/>
           </a:xfrm>
           <a:prstGeom prst="rect">
@@ -12632,6 +12267,243 @@
               <a:t>Num of Features: 10030 </a:t>
             </a:r>
             <a:endParaRPr sz="2400"/>
+          </a:p>
+        </p:txBody>
+      </p:sp>
+    </p:spTree>
+  </p:cSld>
+  <p:clrMapOvr>
+    <a:masterClrMapping/>
+  </p:clrMapOvr>
+</p:sld>
+</file>
+
+<file path=ppt/slides/slide9.xml><?xml version="1.0" encoding="utf-8"?>
+<p:sld xmlns:a="http://schemas.openxmlformats.org/drawingml/2006/main" xmlns:r="http://schemas.openxmlformats.org/officeDocument/2006/relationships" xmlns:p="http://schemas.openxmlformats.org/presentationml/2006/main">
+  <p:cSld>
+    <p:spTree>
+      <p:nvGrpSpPr>
+        <p:cNvPr id="1" name="Shape 318"/>
+        <p:cNvGrpSpPr/>
+        <p:nvPr/>
+      </p:nvGrpSpPr>
+      <p:grpSpPr>
+        <a:xfrm>
+          <a:off x="0" y="0"/>
+          <a:ext cx="0" cy="0"/>
+          <a:chOff x="0" y="0"/>
+          <a:chExt cx="0" cy="0"/>
+        </a:xfrm>
+      </p:grpSpPr>
+      <p:sp>
+        <p:nvSpPr>
+          <p:cNvPr id="319" name="Google Shape;319;p29"/>
+          <p:cNvSpPr txBox="1">
+            <a:spLocks noGrp="1"/>
+          </p:cNvSpPr>
+          <p:nvPr>
+            <p:ph type="title"/>
+          </p:nvPr>
+        </p:nvSpPr>
+        <p:spPr>
+          <a:xfrm>
+            <a:off x="870875" y="125975"/>
+            <a:ext cx="6855900" cy="702000"/>
+          </a:xfrm>
+          <a:prstGeom prst="rect">
+            <a:avLst/>
+          </a:prstGeom>
+        </p:spPr>
+        <p:txBody>
+          <a:bodyPr spcFirstLastPara="1" wrap="square" lIns="91425" tIns="91425" rIns="91425" bIns="91425" anchor="b" anchorCtr="0">
+            <a:noAutofit/>
+          </a:bodyPr>
+          <a:lstStyle/>
+          <a:p>
+            <a:pPr marL="0" lvl="0" indent="0" algn="l" rtl="0">
+              <a:spcBef>
+                <a:spcPts val="0"/>
+              </a:spcBef>
+              <a:spcAft>
+                <a:spcPts val="0"/>
+              </a:spcAft>
+              <a:buClr>
+                <a:schemeClr val="dk1"/>
+              </a:buClr>
+              <a:buSzPts val="1100"/>
+              <a:buFont typeface="Arial"/>
+              <a:buNone/>
+            </a:pPr>
+            <a:r>
+              <a:rPr lang="zh-TW" sz="3200" b="1">
+                <a:solidFill>
+                  <a:srgbClr val="677480"/>
+                </a:solidFill>
+              </a:rPr>
+              <a:t>TF-IDF Top 20 Words in 2 labels</a:t>
+            </a:r>
+            <a:endParaRPr sz="3200"/>
+          </a:p>
+        </p:txBody>
+      </p:sp>
+      <p:sp>
+        <p:nvSpPr>
+          <p:cNvPr id="320" name="Google Shape;320;p29"/>
+          <p:cNvSpPr txBox="1">
+            <a:spLocks noGrp="1"/>
+          </p:cNvSpPr>
+          <p:nvPr>
+            <p:ph type="sldNum" idx="12"/>
+          </p:nvPr>
+        </p:nvSpPr>
+        <p:spPr>
+          <a:prstGeom prst="rect">
+            <a:avLst/>
+          </a:prstGeom>
+        </p:spPr>
+        <p:txBody>
+          <a:bodyPr spcFirstLastPara="1" wrap="square" lIns="91425" tIns="91425" rIns="91425" bIns="91425" anchor="t" anchorCtr="0">
+            <a:noAutofit/>
+          </a:bodyPr>
+          <a:lstStyle/>
+          <a:p>
+            <a:pPr marL="0" lvl="0" indent="0" algn="r" rtl="0">
+              <a:spcBef>
+                <a:spcPts val="0"/>
+              </a:spcBef>
+              <a:spcAft>
+                <a:spcPts val="0"/>
+              </a:spcAft>
+              <a:buNone/>
+            </a:pPr>
+            <a:fld id="{00000000-1234-1234-1234-123412341234}" type="slidenum">
+              <a:rPr lang="en-US" altLang="zh-TW"/>
+              <a:t>9</a:t>
+            </a:fld>
+            <a:endParaRPr/>
+          </a:p>
+        </p:txBody>
+      </p:sp>
+      <p:pic>
+        <p:nvPicPr>
+          <p:cNvPr id="321" name="Google Shape;321;p29"/>
+          <p:cNvPicPr preferRelativeResize="0"/>
+          <p:nvPr/>
+        </p:nvPicPr>
+        <p:blipFill rotWithShape="1">
+          <a:blip r:embed="rId3">
+            <a:alphaModFix/>
+          </a:blip>
+          <a:srcRect t="4825"/>
+          <a:stretch/>
+        </p:blipFill>
+        <p:spPr>
+          <a:xfrm>
+            <a:off x="802275" y="827975"/>
+            <a:ext cx="6855899" cy="4124659"/>
+          </a:xfrm>
+          <a:prstGeom prst="rect">
+            <a:avLst/>
+          </a:prstGeom>
+          <a:noFill/>
+          <a:ln>
+            <a:noFill/>
+          </a:ln>
+        </p:spPr>
+      </p:pic>
+      <p:sp>
+        <p:nvSpPr>
+          <p:cNvPr id="322" name="Google Shape;322;p29"/>
+          <p:cNvSpPr/>
+          <p:nvPr/>
+        </p:nvSpPr>
+        <p:spPr>
+          <a:xfrm>
+            <a:off x="4732025" y="4394125"/>
+            <a:ext cx="411600" cy="251400"/>
+          </a:xfrm>
+          <a:prstGeom prst="ellipse">
+            <a:avLst/>
+          </a:prstGeom>
+          <a:noFill/>
+          <a:ln w="28575" cap="flat" cmpd="sng">
+            <a:solidFill>
+              <a:srgbClr val="F20253"/>
+            </a:solidFill>
+            <a:prstDash val="solid"/>
+            <a:round/>
+            <a:headEnd type="none" w="sm" len="sm"/>
+            <a:tailEnd type="none" w="sm" len="sm"/>
+          </a:ln>
+        </p:spPr>
+        <p:txBody>
+          <a:bodyPr spcFirstLastPara="1" wrap="square" lIns="91425" tIns="91425" rIns="91425" bIns="91425" anchor="ctr" anchorCtr="0">
+            <a:noAutofit/>
+          </a:bodyPr>
+          <a:lstStyle/>
+          <a:p>
+            <a:pPr marL="0" lvl="0" indent="0" algn="l" rtl="0">
+              <a:spcBef>
+                <a:spcPts val="0"/>
+              </a:spcBef>
+              <a:spcAft>
+                <a:spcPts val="0"/>
+              </a:spcAft>
+              <a:buNone/>
+            </a:pPr>
+            <a:endParaRPr>
+              <a:solidFill>
+                <a:srgbClr val="F20253"/>
+              </a:solidFill>
+            </a:endParaRPr>
+          </a:p>
+        </p:txBody>
+      </p:sp>
+      <p:sp>
+        <p:nvSpPr>
+          <p:cNvPr id="323" name="Google Shape;323;p29"/>
+          <p:cNvSpPr/>
+          <p:nvPr/>
+        </p:nvSpPr>
+        <p:spPr>
+          <a:xfrm>
+            <a:off x="1123950" y="4055050"/>
+            <a:ext cx="411600" cy="251400"/>
+          </a:xfrm>
+          <a:prstGeom prst="ellipse">
+            <a:avLst/>
+          </a:prstGeom>
+          <a:noFill/>
+          <a:ln w="28575" cap="flat" cmpd="sng">
+            <a:solidFill>
+              <a:srgbClr val="F20253"/>
+            </a:solidFill>
+            <a:prstDash val="solid"/>
+            <a:round/>
+            <a:headEnd type="none" w="sm" len="sm"/>
+            <a:tailEnd type="none" w="sm" len="sm"/>
+          </a:ln>
+        </p:spPr>
+        <p:txBody>
+          <a:bodyPr spcFirstLastPara="1" wrap="square" lIns="91425" tIns="91425" rIns="91425" bIns="91425" anchor="ctr" anchorCtr="0">
+            <a:noAutofit/>
+          </a:bodyPr>
+          <a:lstStyle/>
+          <a:p>
+            <a:pPr marL="0" lvl="0" indent="0" algn="l" rtl="0">
+              <a:spcBef>
+                <a:spcPts val="0"/>
+              </a:spcBef>
+              <a:spcAft>
+                <a:spcPts val="0"/>
+              </a:spcAft>
+              <a:buNone/>
+            </a:pPr>
+            <a:endParaRPr>
+              <a:solidFill>
+                <a:srgbClr val="F20253"/>
+              </a:solidFill>
+            </a:endParaRPr>
           </a:p>
         </p:txBody>
       </p:sp>

--- a/bionlp.pptx
+++ b/bionlp.pptx
@@ -5781,7 +5781,7 @@
         </p:nvSpPr>
         <p:spPr>
           <a:xfrm>
-            <a:off x="391025" y="2685975"/>
+            <a:off x="868103" y="213120"/>
             <a:ext cx="6242100" cy="1661700"/>
           </a:xfrm>
           <a:prstGeom prst="rect">
@@ -5804,10 +5804,10 @@
               <a:buNone/>
             </a:pPr>
             <a:r>
-              <a:rPr lang="zh-TW" b="1"/>
+              <a:rPr lang="zh-TW" b="1" dirty="0"/>
               <a:t>Stress Analysis in Social Media</a:t>
             </a:r>
-            <a:endParaRPr b="1"/>
+            <a:endParaRPr b="1" dirty="0"/>
           </a:p>
         </p:txBody>
       </p:sp>
@@ -5878,6 +5878,56 @@
               <a:cs typeface="Lato"/>
               <a:sym typeface="Lato"/>
             </a:endParaRPr>
+          </a:p>
+        </p:txBody>
+      </p:sp>
+      <p:sp>
+        <p:nvSpPr>
+          <p:cNvPr id="2" name="TextBox 1">
+            <a:extLst>
+              <a:ext uri="{FF2B5EF4-FFF2-40B4-BE49-F238E27FC236}">
+                <a16:creationId xmlns:a16="http://schemas.microsoft.com/office/drawing/2014/main" id="{31DCD60A-8673-A738-7D5A-644189C09EDA}"/>
+              </a:ext>
+            </a:extLst>
+          </p:cNvPr>
+          <p:cNvSpPr txBox="1"/>
+          <p:nvPr/>
+        </p:nvSpPr>
+        <p:spPr>
+          <a:xfrm>
+            <a:off x="1168842" y="2571750"/>
+            <a:ext cx="4285753" cy="369332"/>
+          </a:xfrm>
+          <a:prstGeom prst="rect">
+            <a:avLst/>
+          </a:prstGeom>
+          <a:noFill/>
+        </p:spPr>
+        <p:txBody>
+          <a:bodyPr wrap="square" rtlCol="0">
+            <a:spAutoFit/>
+          </a:bodyPr>
+          <a:lstStyle/>
+          <a:p>
+            <a:r>
+              <a:rPr lang="en-GB" dirty="0">
+                <a:hlinkClick r:id="rId3"/>
+              </a:rPr>
+              <a:t>https://</a:t>
+            </a:r>
+            <a:r>
+              <a:rPr lang="en-GB" dirty="0" err="1">
+                <a:hlinkClick r:id="rId3"/>
+              </a:rPr>
+              <a:t>arxiv.org</a:t>
+            </a:r>
+            <a:r>
+              <a:rPr lang="en-GB" dirty="0">
+                <a:hlinkClick r:id="rId3"/>
+              </a:rPr>
+              <a:t>/abs/1911.00133</a:t>
+            </a:r>
+            <a:endParaRPr lang="en-RO" dirty="0"/>
           </a:p>
         </p:txBody>
       </p:sp>
